--- a/lectures/DL-Session07.pptx
+++ b/lectures/DL-Session07.pptx
@@ -32,9 +32,14 @@
     <p:sldId id="399" r:id="rId26"/>
     <p:sldId id="400" r:id="rId27"/>
     <p:sldId id="401" r:id="rId28"/>
-    <p:sldId id="402" r:id="rId29"/>
-    <p:sldId id="403" r:id="rId30"/>
-    <p:sldId id="392" r:id="rId31"/>
+    <p:sldId id="404" r:id="rId29"/>
+    <p:sldId id="402" r:id="rId30"/>
+    <p:sldId id="406" r:id="rId31"/>
+    <p:sldId id="407" r:id="rId32"/>
+    <p:sldId id="405" r:id="rId33"/>
+    <p:sldId id="403" r:id="rId34"/>
+    <p:sldId id="408" r:id="rId35"/>
+    <p:sldId id="392" r:id="rId36"/>
   </p:sldIdLst>
   <p:sldSz cx="12192000" cy="6858000"/>
   <p:notesSz cx="6858000" cy="9144000"/>
@@ -144,8 +149,7 @@
 <file path=ppt/revisionInfo.xml><?xml version="1.0" encoding="utf-8"?>
 <p1510:revInfo xmlns:a="http://schemas.openxmlformats.org/drawingml/2006/main" xmlns:r="http://schemas.openxmlformats.org/officeDocument/2006/relationships" xmlns:p1510="http://schemas.microsoft.com/office/powerpoint/2015/10/main">
   <p1510:revLst>
-    <p1510:client id="{3DFC038A-649F-A6E4-1667-74842C19478A}" v="2" dt="2024-10-06T09:00:02.835"/>
-    <p1510:client id="{98EA1F2A-3893-0F1D-020F-87E9B1ED83BC}" v="2479" dt="2024-10-07T21:08:05.904"/>
+    <p1510:client id="{64B77AFA-A68A-EC62-909B-91CAB114CA2E}" v="761" dt="2024-10-10T12:43:53.095"/>
   </p1510:revLst>
 </p1510:revInfo>
 </file>
@@ -279,7 +283,7 @@
           <a:p>
             <a:fld id="{E431C0BB-DC71-4713-A787-95011EDB8CA8}" type="datetimeFigureOut">
               <a:rPr lang="pt-PT" smtClean="0"/>
-              <a:t>08/10/2024</a:t>
+              <a:t>10/10/2024</a:t>
             </a:fld>
             <a:endParaRPr lang="pt-PT"/>
           </a:p>
@@ -447,7 +451,7 @@
           <a:p>
             <a:fld id="{E431C0BB-DC71-4713-A787-95011EDB8CA8}" type="datetimeFigureOut">
               <a:rPr lang="pt-PT" smtClean="0"/>
-              <a:t>08/10/2024</a:t>
+              <a:t>10/10/2024</a:t>
             </a:fld>
             <a:endParaRPr lang="pt-PT"/>
           </a:p>
@@ -625,7 +629,7 @@
           <a:p>
             <a:fld id="{E431C0BB-DC71-4713-A787-95011EDB8CA8}" type="datetimeFigureOut">
               <a:rPr lang="pt-PT" smtClean="0"/>
-              <a:t>08/10/2024</a:t>
+              <a:t>10/10/2024</a:t>
             </a:fld>
             <a:endParaRPr lang="pt-PT"/>
           </a:p>
@@ -793,7 +797,7 @@
           <a:p>
             <a:fld id="{E431C0BB-DC71-4713-A787-95011EDB8CA8}" type="datetimeFigureOut">
               <a:rPr lang="pt-PT" smtClean="0"/>
-              <a:t>08/10/2024</a:t>
+              <a:t>10/10/2024</a:t>
             </a:fld>
             <a:endParaRPr lang="pt-PT"/>
           </a:p>
@@ -1038,7 +1042,7 @@
           <a:p>
             <a:fld id="{E431C0BB-DC71-4713-A787-95011EDB8CA8}" type="datetimeFigureOut">
               <a:rPr lang="pt-PT" smtClean="0"/>
-              <a:t>08/10/2024</a:t>
+              <a:t>10/10/2024</a:t>
             </a:fld>
             <a:endParaRPr lang="pt-PT"/>
           </a:p>
@@ -1267,7 +1271,7 @@
           <a:p>
             <a:fld id="{E431C0BB-DC71-4713-A787-95011EDB8CA8}" type="datetimeFigureOut">
               <a:rPr lang="pt-PT" smtClean="0"/>
-              <a:t>08/10/2024</a:t>
+              <a:t>10/10/2024</a:t>
             </a:fld>
             <a:endParaRPr lang="pt-PT"/>
           </a:p>
@@ -1631,7 +1635,7 @@
           <a:p>
             <a:fld id="{E431C0BB-DC71-4713-A787-95011EDB8CA8}" type="datetimeFigureOut">
               <a:rPr lang="pt-PT" smtClean="0"/>
-              <a:t>08/10/2024</a:t>
+              <a:t>10/10/2024</a:t>
             </a:fld>
             <a:endParaRPr lang="pt-PT"/>
           </a:p>
@@ -1748,7 +1752,7 @@
           <a:p>
             <a:fld id="{E431C0BB-DC71-4713-A787-95011EDB8CA8}" type="datetimeFigureOut">
               <a:rPr lang="pt-PT" smtClean="0"/>
-              <a:t>08/10/2024</a:t>
+              <a:t>10/10/2024</a:t>
             </a:fld>
             <a:endParaRPr lang="pt-PT"/>
           </a:p>
@@ -1843,7 +1847,7 @@
           <a:p>
             <a:fld id="{E431C0BB-DC71-4713-A787-95011EDB8CA8}" type="datetimeFigureOut">
               <a:rPr lang="pt-PT" smtClean="0"/>
-              <a:t>08/10/2024</a:t>
+              <a:t>10/10/2024</a:t>
             </a:fld>
             <a:endParaRPr lang="pt-PT"/>
           </a:p>
@@ -2118,7 +2122,7 @@
           <a:p>
             <a:fld id="{E431C0BB-DC71-4713-A787-95011EDB8CA8}" type="datetimeFigureOut">
               <a:rPr lang="pt-PT" smtClean="0"/>
-              <a:t>08/10/2024</a:t>
+              <a:t>10/10/2024</a:t>
             </a:fld>
             <a:endParaRPr lang="pt-PT"/>
           </a:p>
@@ -2370,7 +2374,7 @@
           <a:p>
             <a:fld id="{E431C0BB-DC71-4713-A787-95011EDB8CA8}" type="datetimeFigureOut">
               <a:rPr lang="pt-PT" smtClean="0"/>
-              <a:t>08/10/2024</a:t>
+              <a:t>10/10/2024</a:t>
             </a:fld>
             <a:endParaRPr lang="pt-PT"/>
           </a:p>
@@ -2581,7 +2585,7 @@
           <a:p>
             <a:fld id="{E431C0BB-DC71-4713-A787-95011EDB8CA8}" type="datetimeFigureOut">
               <a:rPr lang="pt-PT" smtClean="0"/>
-              <a:t>08/10/2024</a:t>
+              <a:t>10/10/2024</a:t>
             </a:fld>
             <a:endParaRPr lang="pt-PT"/>
           </a:p>
@@ -19427,7 +19431,7 @@
           </a:p>
           <a:p>
             <a:r>
-              <a:rPr lang="pt-PT" dirty="0" err="1">
+              <a:rPr lang="pt-PT" err="1">
                 <a:ea typeface="+mn-lt"/>
                 <a:cs typeface="+mn-lt"/>
               </a:rPr>
@@ -19440,6 +19444,39 @@
               </a:rPr>
               <a:t>: </a:t>
             </a:r>
+          </a:p>
+          <a:p>
+            <a:pPr lvl="1">
+              <a:buFont typeface="Wingdings" panose="020B0604020202020204" pitchFamily="34" charset="0"/>
+              <a:buChar char="§"/>
+            </a:pPr>
+            <a:r>
+              <a:rPr lang="pt-PT" dirty="0" err="1">
+                <a:ea typeface="+mn-lt"/>
+                <a:cs typeface="+mn-lt"/>
+              </a:rPr>
+              <a:t>Bayesian</a:t>
+            </a:r>
+            <a:r>
+              <a:rPr lang="pt-PT" dirty="0">
+                <a:ea typeface="+mn-lt"/>
+                <a:cs typeface="+mn-lt"/>
+              </a:rPr>
+              <a:t> </a:t>
+            </a:r>
+            <a:r>
+              <a:rPr lang="pt-PT" dirty="0" err="1">
+                <a:ea typeface="+mn-lt"/>
+                <a:cs typeface="+mn-lt"/>
+              </a:rPr>
+              <a:t>Optimization</a:t>
+            </a:r>
+          </a:p>
+          <a:p>
+            <a:pPr lvl="1">
+              <a:buFont typeface="Wingdings" panose="020B0604020202020204" pitchFamily="34" charset="0"/>
+              <a:buChar char="§"/>
+            </a:pPr>
             <a:r>
               <a:rPr lang="pt-PT" dirty="0" err="1">
                 <a:ea typeface="+mn-lt"/>
@@ -19482,6 +19519,7 @@
               </a:rPr>
               <a:t> (TPE)</a:t>
             </a:r>
+            <a:endParaRPr lang="pt-PT"/>
           </a:p>
           <a:p>
             <a:pPr algn="just"/>
@@ -20556,14 +20594,34 @@
           <a:lstStyle/>
           <a:p>
             <a:r>
-              <a:rPr lang="pt-PT" sz="3600" b="1" dirty="0">
+              <a:rPr lang="pt-PT" sz="3600" b="1" dirty="0" err="1">
                 <a:solidFill>
                   <a:srgbClr val="092953"/>
                 </a:solidFill>
                 <a:latin typeface="Cambria"/>
                 <a:ea typeface="Cambria"/>
               </a:rPr>
-              <a:t>TPE</a:t>
+              <a:t>Bayesian</a:t>
+            </a:r>
+            <a:r>
+              <a:rPr lang="pt-PT" sz="3600" b="1" dirty="0">
+                <a:solidFill>
+                  <a:srgbClr val="092953"/>
+                </a:solidFill>
+                <a:latin typeface="Cambria"/>
+                <a:ea typeface="Cambria"/>
+              </a:rPr>
+              <a:t> </a:t>
+            </a:r>
+            <a:r>
+              <a:rPr lang="pt-PT" sz="3600" b="1" dirty="0" err="1">
+                <a:solidFill>
+                  <a:srgbClr val="092953"/>
+                </a:solidFill>
+                <a:latin typeface="Cambria"/>
+                <a:ea typeface="Cambria"/>
+              </a:rPr>
+              <a:t>Optimization</a:t>
             </a:r>
           </a:p>
         </p:txBody>
@@ -20586,8 +20644,8 @@
         </p:nvSpPr>
         <p:spPr>
           <a:xfrm>
-            <a:off x="548426" y="1321203"/>
-            <a:ext cx="11001375" cy="5230829"/>
+            <a:off x="548426" y="1331500"/>
+            <a:ext cx="11197023" cy="5220532"/>
           </a:xfrm>
         </p:spPr>
         <p:txBody>
@@ -20596,8 +20654,9 @@
           </a:bodyPr>
           <a:lstStyle/>
           <a:p>
-            <a:r>
-              <a:rPr lang="pt-PT" dirty="0" err="1">
+            <a:pPr algn="just"/>
+            <a:r>
+              <a:rPr lang="pt-PT" err="1">
                 <a:ea typeface="+mn-lt"/>
                 <a:cs typeface="+mn-lt"/>
               </a:rPr>
@@ -20611,63 +20670,119 @@
               <a:t> </a:t>
             </a:r>
             <a:r>
-              <a:rPr lang="pt-PT" dirty="0" err="1">
-                <a:ea typeface="+mn-lt"/>
-                <a:cs typeface="+mn-lt"/>
-              </a:rPr>
-              <a:t>Tree-structured</a:t>
-            </a:r>
-            <a:r>
-              <a:rPr lang="pt-PT" dirty="0">
-                <a:ea typeface="+mn-lt"/>
-                <a:cs typeface="+mn-lt"/>
-              </a:rPr>
-              <a:t> </a:t>
-            </a:r>
-            <a:r>
-              <a:rPr lang="pt-PT" dirty="0" err="1">
-                <a:ea typeface="+mn-lt"/>
-                <a:cs typeface="+mn-lt"/>
-              </a:rPr>
-              <a:t>Parzen</a:t>
-            </a:r>
-            <a:r>
-              <a:rPr lang="pt-PT" dirty="0">
-                <a:ea typeface="+mn-lt"/>
-                <a:cs typeface="+mn-lt"/>
-              </a:rPr>
-              <a:t> </a:t>
-            </a:r>
-            <a:r>
-              <a:rPr lang="pt-PT" dirty="0" err="1">
-                <a:ea typeface="+mn-lt"/>
-                <a:cs typeface="+mn-lt"/>
-              </a:rPr>
-              <a:t>Estimator</a:t>
-            </a:r>
-            <a:r>
-              <a:rPr lang="pt-PT" dirty="0">
-                <a:ea typeface="+mn-lt"/>
-                <a:cs typeface="+mn-lt"/>
-              </a:rPr>
-              <a:t> (TPE) </a:t>
-            </a:r>
-            <a:r>
-              <a:rPr lang="pt-PT" dirty="0" err="1">
-                <a:ea typeface="+mn-lt"/>
-                <a:cs typeface="+mn-lt"/>
-              </a:rPr>
-              <a:t>algorithm</a:t>
-            </a:r>
-            <a:r>
-              <a:rPr lang="pt-PT" dirty="0">
-                <a:ea typeface="+mn-lt"/>
-                <a:cs typeface="+mn-lt"/>
-              </a:rPr>
-              <a:t> </a:t>
-            </a:r>
-            <a:r>
-              <a:rPr lang="pt-PT" dirty="0" err="1">
+              <a:rPr lang="pt-PT" err="1">
+                <a:ea typeface="+mn-lt"/>
+                <a:cs typeface="+mn-lt"/>
+              </a:rPr>
+              <a:t>function</a:t>
+            </a:r>
+            <a:r>
+              <a:rPr lang="pt-PT" dirty="0">
+                <a:ea typeface="+mn-lt"/>
+                <a:cs typeface="+mn-lt"/>
+              </a:rPr>
+              <a:t> </a:t>
+            </a:r>
+            <a:r>
+              <a:rPr lang="pt-PT" err="1">
+                <a:ea typeface="+mn-lt"/>
+                <a:cs typeface="+mn-lt"/>
+              </a:rPr>
+              <a:t>we’re</a:t>
+            </a:r>
+            <a:r>
+              <a:rPr lang="pt-PT" dirty="0">
+                <a:ea typeface="+mn-lt"/>
+                <a:cs typeface="+mn-lt"/>
+              </a:rPr>
+              <a:t> </a:t>
+            </a:r>
+            <a:r>
+              <a:rPr lang="pt-PT" err="1">
+                <a:ea typeface="+mn-lt"/>
+                <a:cs typeface="+mn-lt"/>
+              </a:rPr>
+              <a:t>trying</a:t>
+            </a:r>
+            <a:r>
+              <a:rPr lang="pt-PT" dirty="0">
+                <a:ea typeface="+mn-lt"/>
+                <a:cs typeface="+mn-lt"/>
+              </a:rPr>
+              <a:t> to </a:t>
+            </a:r>
+            <a:r>
+              <a:rPr lang="pt-PT" err="1">
+                <a:ea typeface="+mn-lt"/>
+                <a:cs typeface="+mn-lt"/>
+              </a:rPr>
+              <a:t>optimize</a:t>
+            </a:r>
+            <a:r>
+              <a:rPr lang="pt-PT" dirty="0">
+                <a:ea typeface="+mn-lt"/>
+                <a:cs typeface="+mn-lt"/>
+              </a:rPr>
+              <a:t> (e.g. </a:t>
+            </a:r>
+            <a:r>
+              <a:rPr lang="pt-PT" err="1">
+                <a:ea typeface="+mn-lt"/>
+                <a:cs typeface="+mn-lt"/>
+              </a:rPr>
+              <a:t>loss</a:t>
+            </a:r>
+            <a:r>
+              <a:rPr lang="pt-PT" dirty="0">
+                <a:ea typeface="+mn-lt"/>
+                <a:cs typeface="+mn-lt"/>
+              </a:rPr>
+              <a:t> as a </a:t>
+            </a:r>
+            <a:r>
+              <a:rPr lang="pt-PT" err="1">
+                <a:ea typeface="+mn-lt"/>
+                <a:cs typeface="+mn-lt"/>
+              </a:rPr>
+              <a:t>function</a:t>
+            </a:r>
+            <a:r>
+              <a:rPr lang="pt-PT" dirty="0">
+                <a:ea typeface="+mn-lt"/>
+                <a:cs typeface="+mn-lt"/>
+              </a:rPr>
+              <a:t> </a:t>
+            </a:r>
+            <a:r>
+              <a:rPr lang="pt-PT" err="1">
+                <a:ea typeface="+mn-lt"/>
+                <a:cs typeface="+mn-lt"/>
+              </a:rPr>
+              <a:t>of</a:t>
+            </a:r>
+            <a:r>
+              <a:rPr lang="pt-PT" dirty="0">
+                <a:ea typeface="+mn-lt"/>
+                <a:cs typeface="+mn-lt"/>
+              </a:rPr>
+              <a:t> </a:t>
+            </a:r>
+            <a:r>
+              <a:rPr lang="pt-PT" err="1">
+                <a:ea typeface="+mn-lt"/>
+                <a:cs typeface="+mn-lt"/>
+              </a:rPr>
+              <a:t>hyperparameters</a:t>
+            </a:r>
+            <a:r>
+              <a:rPr lang="pt-PT" dirty="0">
+                <a:ea typeface="+mn-lt"/>
+                <a:cs typeface="+mn-lt"/>
+              </a:rPr>
+              <a:t>) </a:t>
+            </a:r>
+            <a:r>
+              <a:rPr lang="pt-PT" err="1">
                 <a:ea typeface="+mn-lt"/>
                 <a:cs typeface="+mn-lt"/>
               </a:rPr>
@@ -20678,265 +20793,40 @@
                 <a:ea typeface="+mn-lt"/>
                 <a:cs typeface="+mn-lt"/>
               </a:rPr>
-              <a:t> a SMBO </a:t>
-            </a:r>
-            <a:r>
-              <a:rPr lang="pt-PT" dirty="0" err="1">
-                <a:ea typeface="+mn-lt"/>
-                <a:cs typeface="+mn-lt"/>
-              </a:rPr>
-              <a:t>where</a:t>
-            </a:r>
-            <a:r>
-              <a:rPr lang="pt-PT" dirty="0">
-                <a:ea typeface="+mn-lt"/>
-                <a:cs typeface="+mn-lt"/>
-              </a:rPr>
-              <a:t> </a:t>
-            </a:r>
-            <a:r>
-              <a:rPr lang="pt-PT" dirty="0" err="1">
-                <a:ea typeface="+mn-lt"/>
-                <a:cs typeface="+mn-lt"/>
-              </a:rPr>
-              <a:t>the</a:t>
-            </a:r>
-            <a:r>
-              <a:rPr lang="pt-PT" dirty="0">
-                <a:ea typeface="+mn-lt"/>
-                <a:cs typeface="+mn-lt"/>
-              </a:rPr>
-              <a:t> </a:t>
-            </a:r>
-            <a:r>
-              <a:rPr lang="pt-PT" dirty="0" err="1">
-                <a:ea typeface="+mn-lt"/>
-                <a:cs typeface="+mn-lt"/>
-              </a:rPr>
-              <a:t>surrogate</a:t>
-            </a:r>
-            <a:r>
-              <a:rPr lang="pt-PT" dirty="0">
-                <a:ea typeface="+mn-lt"/>
-                <a:cs typeface="+mn-lt"/>
-              </a:rPr>
-              <a:t> </a:t>
-            </a:r>
-            <a:r>
-              <a:rPr lang="pt-PT" dirty="0" err="1">
-                <a:ea typeface="+mn-lt"/>
-                <a:cs typeface="+mn-lt"/>
-              </a:rPr>
-              <a:t>model</a:t>
-            </a:r>
-            <a:r>
-              <a:rPr lang="pt-PT" dirty="0">
-                <a:ea typeface="+mn-lt"/>
-                <a:cs typeface="+mn-lt"/>
-              </a:rPr>
-              <a:t> </a:t>
-            </a:r>
-            <a:r>
-              <a:rPr lang="pt-PT" dirty="0" err="1">
-                <a:ea typeface="+mn-lt"/>
-                <a:cs typeface="+mn-lt"/>
-              </a:rPr>
-              <a:t>is</a:t>
-            </a:r>
-            <a:r>
-              <a:rPr lang="pt-PT" dirty="0">
-                <a:ea typeface="+mn-lt"/>
-                <a:cs typeface="+mn-lt"/>
-              </a:rPr>
-              <a:t> a </a:t>
-            </a:r>
-            <a:r>
-              <a:rPr lang="pt-PT" dirty="0" err="1">
-                <a:ea typeface="+mn-lt"/>
-                <a:cs typeface="+mn-lt"/>
-              </a:rPr>
-              <a:t>probabilistic</a:t>
-            </a:r>
-            <a:r>
-              <a:rPr lang="pt-PT" dirty="0">
-                <a:ea typeface="+mn-lt"/>
-                <a:cs typeface="+mn-lt"/>
-              </a:rPr>
-              <a:t> </a:t>
-            </a:r>
-            <a:r>
-              <a:rPr lang="pt-PT" dirty="0" err="1">
-                <a:ea typeface="+mn-lt"/>
-                <a:cs typeface="+mn-lt"/>
-              </a:rPr>
-              <a:t>model</a:t>
-            </a:r>
-            <a:r>
-              <a:rPr lang="pt-PT" dirty="0">
-                <a:ea typeface="+mn-lt"/>
-                <a:cs typeface="+mn-lt"/>
-              </a:rPr>
-              <a:t>             </a:t>
-            </a:r>
-            <a:r>
-              <a:rPr lang="pt-PT" dirty="0" err="1">
-                <a:ea typeface="+mn-lt"/>
-                <a:cs typeface="+mn-lt"/>
-              </a:rPr>
-              <a:t>which</a:t>
-            </a:r>
-            <a:r>
-              <a:rPr lang="pt-PT" dirty="0">
-                <a:ea typeface="+mn-lt"/>
-                <a:cs typeface="+mn-lt"/>
-              </a:rPr>
-              <a:t> </a:t>
-            </a:r>
-            <a:r>
-              <a:rPr lang="pt-PT" dirty="0" err="1">
-                <a:ea typeface="+mn-lt"/>
-                <a:cs typeface="+mn-lt"/>
-              </a:rPr>
-              <a:t>chooses</a:t>
-            </a:r>
-            <a:r>
-              <a:rPr lang="pt-PT" dirty="0">
-                <a:ea typeface="+mn-lt"/>
-                <a:cs typeface="+mn-lt"/>
-              </a:rPr>
-              <a:t> </a:t>
-            </a:r>
-            <a:r>
-              <a:rPr lang="pt-PT" dirty="0" err="1">
-                <a:ea typeface="+mn-lt"/>
-                <a:cs typeface="+mn-lt"/>
-              </a:rPr>
-              <a:t>the</a:t>
-            </a:r>
-            <a:r>
-              <a:rPr lang="pt-PT" dirty="0">
-                <a:ea typeface="+mn-lt"/>
-                <a:cs typeface="+mn-lt"/>
-              </a:rPr>
-              <a:t> </a:t>
-            </a:r>
-            <a:r>
-              <a:rPr lang="pt-PT" dirty="0" err="1">
-                <a:ea typeface="+mn-lt"/>
-                <a:cs typeface="+mn-lt"/>
-              </a:rPr>
-              <a:t>next</a:t>
-            </a:r>
-            <a:r>
-              <a:rPr lang="pt-PT" dirty="0">
-                <a:ea typeface="+mn-lt"/>
-                <a:cs typeface="+mn-lt"/>
-              </a:rPr>
-              <a:t> trial </a:t>
-            </a:r>
-            <a:r>
-              <a:rPr lang="pt-PT" dirty="0" err="1">
-                <a:ea typeface="+mn-lt"/>
-                <a:cs typeface="+mn-lt"/>
-              </a:rPr>
-              <a:t>point</a:t>
-            </a:r>
-            <a:r>
-              <a:rPr lang="pt-PT" dirty="0">
-                <a:ea typeface="+mn-lt"/>
-                <a:cs typeface="+mn-lt"/>
-              </a:rPr>
-              <a:t> </a:t>
-            </a:r>
-            <a:r>
-              <a:rPr lang="pt-PT" dirty="0" err="1">
-                <a:ea typeface="+mn-lt"/>
-                <a:cs typeface="+mn-lt"/>
-              </a:rPr>
-              <a:t>by</a:t>
-            </a:r>
-            <a:r>
-              <a:rPr lang="pt-PT" dirty="0">
-                <a:ea typeface="+mn-lt"/>
-                <a:cs typeface="+mn-lt"/>
-              </a:rPr>
-              <a:t> </a:t>
-            </a:r>
-            <a:r>
-              <a:rPr lang="pt-PT" dirty="0" err="1">
-                <a:ea typeface="+mn-lt"/>
-                <a:cs typeface="+mn-lt"/>
-              </a:rPr>
-              <a:t>optimizing</a:t>
-            </a:r>
-            <a:r>
-              <a:rPr lang="pt-PT" dirty="0">
-                <a:ea typeface="+mn-lt"/>
-                <a:cs typeface="+mn-lt"/>
-              </a:rPr>
-              <a:t> </a:t>
-            </a:r>
-            <a:r>
-              <a:rPr lang="pt-PT" dirty="0" err="1">
-                <a:ea typeface="+mn-lt"/>
-                <a:cs typeface="+mn-lt"/>
-              </a:rPr>
-              <a:t>the</a:t>
-            </a:r>
-            <a:r>
-              <a:rPr lang="pt-PT" dirty="0">
-                <a:ea typeface="+mn-lt"/>
-                <a:cs typeface="+mn-lt"/>
-              </a:rPr>
-              <a:t> </a:t>
-            </a:r>
-            <a:r>
-              <a:rPr lang="pt-PT" dirty="0" err="1">
-                <a:ea typeface="+mn-lt"/>
-                <a:cs typeface="+mn-lt"/>
-              </a:rPr>
-              <a:t>Expected</a:t>
-            </a:r>
-            <a:r>
-              <a:rPr lang="pt-PT" dirty="0">
-                <a:ea typeface="+mn-lt"/>
-                <a:cs typeface="+mn-lt"/>
-              </a:rPr>
-              <a:t> </a:t>
-            </a:r>
-            <a:r>
-              <a:rPr lang="pt-PT" dirty="0" err="1">
-                <a:ea typeface="+mn-lt"/>
-                <a:cs typeface="+mn-lt"/>
-              </a:rPr>
-              <a:t>Improvement</a:t>
-            </a:r>
-            <a:r>
-              <a:rPr lang="pt-PT" dirty="0">
-                <a:ea typeface="+mn-lt"/>
-                <a:cs typeface="+mn-lt"/>
-              </a:rPr>
-              <a:t> </a:t>
-            </a:r>
-            <a:r>
-              <a:rPr lang="pt-PT" dirty="0" err="1">
-                <a:ea typeface="+mn-lt"/>
-                <a:cs typeface="+mn-lt"/>
-              </a:rPr>
-              <a:t>criterion</a:t>
-            </a:r>
-            <a:r>
-              <a:rPr lang="pt-PT" dirty="0">
-                <a:ea typeface="+mn-lt"/>
-                <a:cs typeface="+mn-lt"/>
-              </a:rPr>
-              <a:t>:</a:t>
-            </a:r>
-            <a:endParaRPr lang="pt-PT" dirty="0" err="1"/>
-          </a:p>
-          <a:p>
-            <a:pPr algn="just"/>
-            <a:endParaRPr lang="pt-PT" dirty="0"/>
+              <a:t> </a:t>
+            </a:r>
+            <a:r>
+              <a:rPr lang="pt-PT" err="1">
+                <a:ea typeface="+mn-lt"/>
+                <a:cs typeface="+mn-lt"/>
+              </a:rPr>
+              <a:t>really</a:t>
+            </a:r>
+            <a:r>
+              <a:rPr lang="pt-PT" dirty="0">
+                <a:ea typeface="+mn-lt"/>
+                <a:cs typeface="+mn-lt"/>
+              </a:rPr>
+              <a:t> </a:t>
+            </a:r>
+            <a:r>
+              <a:rPr lang="pt-PT" err="1">
+                <a:ea typeface="+mn-lt"/>
+                <a:cs typeface="+mn-lt"/>
+              </a:rPr>
+              <a:t>complicated</a:t>
+            </a:r>
+            <a:r>
+              <a:rPr lang="pt-PT" dirty="0">
+                <a:ea typeface="+mn-lt"/>
+                <a:cs typeface="+mn-lt"/>
+              </a:rPr>
+              <a:t>. </a:t>
+            </a:r>
+            <a:endParaRPr lang="pt-PT" dirty="0" err="1">
+              <a:ea typeface="+mn-lt"/>
+              <a:cs typeface="+mn-lt"/>
+            </a:endParaRPr>
           </a:p>
           <a:p>
             <a:pPr algn="just"/>
@@ -20947,48 +20837,165 @@
           </a:p>
           <a:p>
             <a:pPr algn="just"/>
-            <a:endParaRPr lang="pt-PT" dirty="0">
-              <a:ea typeface="+mn-lt"/>
-              <a:cs typeface="+mn-lt"/>
-            </a:endParaRPr>
+            <a:r>
+              <a:rPr lang="pt-PT" err="1">
+                <a:ea typeface="+mn-lt"/>
+                <a:cs typeface="+mn-lt"/>
+              </a:rPr>
+              <a:t>Bayesian</a:t>
+            </a:r>
+            <a:r>
+              <a:rPr lang="pt-PT" dirty="0">
+                <a:ea typeface="+mn-lt"/>
+                <a:cs typeface="+mn-lt"/>
+              </a:rPr>
+              <a:t> </a:t>
+            </a:r>
+            <a:r>
+              <a:rPr lang="pt-PT" err="1">
+                <a:ea typeface="+mn-lt"/>
+                <a:cs typeface="+mn-lt"/>
+              </a:rPr>
+              <a:t>Optimization</a:t>
+            </a:r>
+            <a:r>
+              <a:rPr lang="pt-PT" dirty="0">
+                <a:ea typeface="+mn-lt"/>
+                <a:cs typeface="+mn-lt"/>
+              </a:rPr>
+              <a:t> tries to </a:t>
+            </a:r>
+            <a:r>
+              <a:rPr lang="pt-PT" err="1">
+                <a:ea typeface="+mn-lt"/>
+                <a:cs typeface="+mn-lt"/>
+              </a:rPr>
+              <a:t>approximate</a:t>
+            </a:r>
+            <a:r>
+              <a:rPr lang="pt-PT" dirty="0">
+                <a:ea typeface="+mn-lt"/>
+                <a:cs typeface="+mn-lt"/>
+              </a:rPr>
+              <a:t> </a:t>
+            </a:r>
+            <a:r>
+              <a:rPr lang="pt-PT" err="1">
+                <a:ea typeface="+mn-lt"/>
+                <a:cs typeface="+mn-lt"/>
+              </a:rPr>
+              <a:t>it</a:t>
+            </a:r>
+            <a:r>
+              <a:rPr lang="pt-PT" dirty="0">
+                <a:ea typeface="+mn-lt"/>
+                <a:cs typeface="+mn-lt"/>
+              </a:rPr>
+              <a:t> </a:t>
+            </a:r>
+            <a:r>
+              <a:rPr lang="pt-PT" err="1">
+                <a:ea typeface="+mn-lt"/>
+                <a:cs typeface="+mn-lt"/>
+              </a:rPr>
+              <a:t>with</a:t>
+            </a:r>
+            <a:r>
+              <a:rPr lang="pt-PT" dirty="0">
+                <a:ea typeface="+mn-lt"/>
+                <a:cs typeface="+mn-lt"/>
+              </a:rPr>
+              <a:t> a </a:t>
+            </a:r>
+            <a:r>
+              <a:rPr lang="pt-PT" err="1">
+                <a:ea typeface="+mn-lt"/>
+                <a:cs typeface="+mn-lt"/>
+              </a:rPr>
+              <a:t>simpler</a:t>
+            </a:r>
+            <a:r>
+              <a:rPr lang="pt-PT" dirty="0">
+                <a:ea typeface="+mn-lt"/>
+                <a:cs typeface="+mn-lt"/>
+              </a:rPr>
+              <a:t> </a:t>
+            </a:r>
+            <a:r>
+              <a:rPr lang="pt-PT" err="1">
+                <a:ea typeface="+mn-lt"/>
+                <a:cs typeface="+mn-lt"/>
+              </a:rPr>
+              <a:t>function</a:t>
+            </a:r>
+            <a:r>
+              <a:rPr lang="pt-PT" dirty="0">
+                <a:ea typeface="+mn-lt"/>
+                <a:cs typeface="+mn-lt"/>
+              </a:rPr>
+              <a:t>, </a:t>
+            </a:r>
+            <a:r>
+              <a:rPr lang="pt-PT" err="1">
+                <a:ea typeface="+mn-lt"/>
+                <a:cs typeface="+mn-lt"/>
+              </a:rPr>
+              <a:t>called</a:t>
+            </a:r>
+            <a:r>
+              <a:rPr lang="pt-PT" dirty="0">
+                <a:ea typeface="+mn-lt"/>
+                <a:cs typeface="+mn-lt"/>
+              </a:rPr>
+              <a:t> </a:t>
+            </a:r>
+            <a:r>
+              <a:rPr lang="pt-PT" err="1">
+                <a:ea typeface="+mn-lt"/>
+                <a:cs typeface="+mn-lt"/>
+              </a:rPr>
+              <a:t>the</a:t>
+            </a:r>
+            <a:r>
+              <a:rPr lang="pt-PT" dirty="0">
+                <a:ea typeface="+mn-lt"/>
+                <a:cs typeface="+mn-lt"/>
+              </a:rPr>
+              <a:t> </a:t>
+            </a:r>
+            <a:r>
+              <a:rPr lang="pt-PT" err="1">
+                <a:ea typeface="+mn-lt"/>
+                <a:cs typeface="+mn-lt"/>
+              </a:rPr>
+              <a:t>surrogate</a:t>
+            </a:r>
+            <a:r>
+              <a:rPr lang="pt-PT" dirty="0">
+                <a:ea typeface="+mn-lt"/>
+                <a:cs typeface="+mn-lt"/>
+              </a:rPr>
+              <a:t> </a:t>
+            </a:r>
+            <a:r>
+              <a:rPr lang="pt-PT" err="1">
+                <a:ea typeface="+mn-lt"/>
+                <a:cs typeface="+mn-lt"/>
+              </a:rPr>
+              <a:t>function</a:t>
+            </a:r>
+            <a:r>
+              <a:rPr lang="pt-PT" dirty="0">
+                <a:ea typeface="+mn-lt"/>
+                <a:cs typeface="+mn-lt"/>
+              </a:rPr>
+              <a:t>.</a:t>
+            </a:r>
+            <a:endParaRPr lang="pt-PT" dirty="0"/>
           </a:p>
           <a:p>
             <a:pPr algn="just"/>
-            <a:endParaRPr lang="pt-PT" dirty="0">
-              <a:ea typeface="+mn-lt"/>
-              <a:cs typeface="+mn-lt"/>
-            </a:endParaRPr>
-          </a:p>
-          <a:p>
-            <a:pPr algn="just"/>
-            <a:endParaRPr lang="pt-PT" dirty="0">
-              <a:ea typeface="+mn-lt"/>
-              <a:cs typeface="+mn-lt"/>
-            </a:endParaRPr>
-          </a:p>
-          <a:p>
-            <a:pPr algn="just"/>
-            <a:endParaRPr lang="pt-PT" dirty="0">
-              <a:ea typeface="+mn-lt"/>
-              <a:cs typeface="+mn-lt"/>
-            </a:endParaRPr>
-          </a:p>
-          <a:p>
-            <a:pPr lvl="1" algn="just">
-              <a:buFont typeface="Wingdings" panose="020B0604020202020204" pitchFamily="34" charset="0"/>
-              <a:buChar char="§"/>
-            </a:pPr>
-            <a:endParaRPr lang="pt-PT" dirty="0">
-              <a:ea typeface="+mn-lt"/>
-              <a:cs typeface="+mn-lt"/>
-            </a:endParaRPr>
-          </a:p>
-          <a:p>
-            <a:pPr algn="just"/>
-            <a:endParaRPr lang="pt-PT" dirty="0">
-              <a:ea typeface="+mn-lt"/>
-              <a:cs typeface="+mn-lt"/>
-            </a:endParaRPr>
+            <a:endParaRPr lang="pt-PT" dirty="0" err="1"/>
           </a:p>
         </p:txBody>
       </p:sp>
@@ -21231,66 +21238,6 @@
           </a:p>
         </p:txBody>
       </p:sp>
-      <p:pic>
-        <p:nvPicPr>
-          <p:cNvPr id="8" name="Imagem 7">
-            <a:extLst>
-              <a:ext uri="{FF2B5EF4-FFF2-40B4-BE49-F238E27FC236}">
-                <a16:creationId xmlns:a16="http://schemas.microsoft.com/office/drawing/2014/main" id="{29821219-3C69-9040-BE0F-F7F5B5E6A298}"/>
-              </a:ext>
-            </a:extLst>
-          </p:cNvPr>
-          <p:cNvPicPr>
-            <a:picLocks noChangeAspect="1"/>
-          </p:cNvPicPr>
-          <p:nvPr/>
-        </p:nvPicPr>
-        <p:blipFill>
-          <a:blip r:embed="rId3"/>
-          <a:stretch>
-            <a:fillRect/>
-          </a:stretch>
-        </p:blipFill>
-        <p:spPr>
-          <a:xfrm>
-            <a:off x="8662590" y="1788663"/>
-            <a:ext cx="826584" cy="333142"/>
-          </a:xfrm>
-          <a:prstGeom prst="rect">
-            <a:avLst/>
-          </a:prstGeom>
-        </p:spPr>
-      </p:pic>
-      <p:pic>
-        <p:nvPicPr>
-          <p:cNvPr id="9" name="Imagem 8" descr="Uma imagem com texto, Tipo de letra, captura de ecrã, file&#10;&#10;Descrição gerada automaticamente">
-            <a:extLst>
-              <a:ext uri="{FF2B5EF4-FFF2-40B4-BE49-F238E27FC236}">
-                <a16:creationId xmlns:a16="http://schemas.microsoft.com/office/drawing/2014/main" id="{8960ED67-354B-29D0-F2A3-3B90F88D1476}"/>
-              </a:ext>
-            </a:extLst>
-          </p:cNvPr>
-          <p:cNvPicPr>
-            <a:picLocks noChangeAspect="1"/>
-          </p:cNvPicPr>
-          <p:nvPr/>
-        </p:nvPicPr>
-        <p:blipFill>
-          <a:blip r:embed="rId4"/>
-          <a:stretch>
-            <a:fillRect/>
-          </a:stretch>
-        </p:blipFill>
-        <p:spPr>
-          <a:xfrm>
-            <a:off x="723320" y="3632510"/>
-            <a:ext cx="10745361" cy="1906858"/>
-          </a:xfrm>
-          <a:prstGeom prst="rect">
-            <a:avLst/>
-          </a:prstGeom>
-        </p:spPr>
-      </p:pic>
       <p:sp>
         <p:nvSpPr>
           <p:cNvPr id="11" name="CaixaDeTexto 10">
@@ -21416,10 +21363,618 @@
           </a:p>
         </p:txBody>
       </p:sp>
+      <p:pic>
+        <p:nvPicPr>
+          <p:cNvPr id="5" name="Imagem 4" descr="Uma imagem com file, diagrama, Gráfico&#10;&#10;Descrição gerada automaticamente">
+            <a:extLst>
+              <a:ext uri="{FF2B5EF4-FFF2-40B4-BE49-F238E27FC236}">
+                <a16:creationId xmlns:a16="http://schemas.microsoft.com/office/drawing/2014/main" id="{C211894A-4645-A9AD-A245-8942D5F43440}"/>
+              </a:ext>
+            </a:extLst>
+          </p:cNvPr>
+          <p:cNvPicPr>
+            <a:picLocks noChangeAspect="1"/>
+          </p:cNvPicPr>
+          <p:nvPr/>
+        </p:nvPicPr>
+        <p:blipFill>
+          <a:blip r:embed="rId3"/>
+          <a:stretch>
+            <a:fillRect/>
+          </a:stretch>
+        </p:blipFill>
+        <p:spPr>
+          <a:xfrm>
+            <a:off x="8446486" y="3660817"/>
+            <a:ext cx="3495675" cy="2543175"/>
+          </a:xfrm>
+          <a:prstGeom prst="rect">
+            <a:avLst/>
+          </a:prstGeom>
+        </p:spPr>
+      </p:pic>
+      <p:sp>
+        <p:nvSpPr>
+          <p:cNvPr id="12" name="Marcador de Posição de Conteúdo 2">
+            <a:extLst>
+              <a:ext uri="{FF2B5EF4-FFF2-40B4-BE49-F238E27FC236}">
+                <a16:creationId xmlns:a16="http://schemas.microsoft.com/office/drawing/2014/main" id="{AFE7D311-96FB-8888-93AE-692F6782C677}"/>
+              </a:ext>
+            </a:extLst>
+          </p:cNvPr>
+          <p:cNvSpPr txBox="1">
+            <a:spLocks/>
+          </p:cNvSpPr>
+          <p:nvPr/>
+        </p:nvSpPr>
+        <p:spPr>
+          <a:xfrm>
+            <a:off x="546367" y="4089116"/>
+            <a:ext cx="7716537" cy="5220532"/>
+          </a:xfrm>
+          <a:prstGeom prst="rect">
+            <a:avLst/>
+          </a:prstGeom>
+        </p:spPr>
+        <p:txBody>
+          <a:bodyPr vert="horz" lIns="91440" tIns="45720" rIns="91440" bIns="45720" rtlCol="0" anchor="t">
+            <a:normAutofit/>
+          </a:bodyPr>
+          <a:lstStyle>
+            <a:lvl1pPr marL="228600" indent="-228600" algn="l" defTabSz="914400" rtl="0" eaLnBrk="1" latinLnBrk="0" hangingPunct="1">
+              <a:lnSpc>
+                <a:spcPct val="90000"/>
+              </a:lnSpc>
+              <a:spcBef>
+                <a:spcPts val="1000"/>
+              </a:spcBef>
+              <a:buFont typeface="Arial" panose="020B0604020202020204" pitchFamily="34" charset="0"/>
+              <a:buChar char="•"/>
+              <a:defRPr sz="2800" kern="1200">
+                <a:solidFill>
+                  <a:schemeClr val="tx1"/>
+                </a:solidFill>
+                <a:latin typeface="+mn-lt"/>
+                <a:ea typeface="+mn-ea"/>
+                <a:cs typeface="+mn-cs"/>
+              </a:defRPr>
+            </a:lvl1pPr>
+            <a:lvl2pPr marL="685800" indent="-228600" algn="l" defTabSz="914400" rtl="0" eaLnBrk="1" latinLnBrk="0" hangingPunct="1">
+              <a:lnSpc>
+                <a:spcPct val="90000"/>
+              </a:lnSpc>
+              <a:spcBef>
+                <a:spcPts val="500"/>
+              </a:spcBef>
+              <a:buFont typeface="Arial" panose="020B0604020202020204" pitchFamily="34" charset="0"/>
+              <a:buChar char="•"/>
+              <a:defRPr sz="2400" kern="1200">
+                <a:solidFill>
+                  <a:schemeClr val="tx1"/>
+                </a:solidFill>
+                <a:latin typeface="+mn-lt"/>
+                <a:ea typeface="+mn-ea"/>
+                <a:cs typeface="+mn-cs"/>
+              </a:defRPr>
+            </a:lvl2pPr>
+            <a:lvl3pPr marL="1143000" indent="-228600" algn="l" defTabSz="914400" rtl="0" eaLnBrk="1" latinLnBrk="0" hangingPunct="1">
+              <a:lnSpc>
+                <a:spcPct val="90000"/>
+              </a:lnSpc>
+              <a:spcBef>
+                <a:spcPts val="500"/>
+              </a:spcBef>
+              <a:buFont typeface="Arial" panose="020B0604020202020204" pitchFamily="34" charset="0"/>
+              <a:buChar char="•"/>
+              <a:defRPr sz="2000" kern="1200">
+                <a:solidFill>
+                  <a:schemeClr val="tx1"/>
+                </a:solidFill>
+                <a:latin typeface="+mn-lt"/>
+                <a:ea typeface="+mn-ea"/>
+                <a:cs typeface="+mn-cs"/>
+              </a:defRPr>
+            </a:lvl3pPr>
+            <a:lvl4pPr marL="1600200" indent="-228600" algn="l" defTabSz="914400" rtl="0" eaLnBrk="1" latinLnBrk="0" hangingPunct="1">
+              <a:lnSpc>
+                <a:spcPct val="90000"/>
+              </a:lnSpc>
+              <a:spcBef>
+                <a:spcPts val="500"/>
+              </a:spcBef>
+              <a:buFont typeface="Arial" panose="020B0604020202020204" pitchFamily="34" charset="0"/>
+              <a:buChar char="•"/>
+              <a:defRPr sz="1800" kern="1200">
+                <a:solidFill>
+                  <a:schemeClr val="tx1"/>
+                </a:solidFill>
+                <a:latin typeface="+mn-lt"/>
+                <a:ea typeface="+mn-ea"/>
+                <a:cs typeface="+mn-cs"/>
+              </a:defRPr>
+            </a:lvl4pPr>
+            <a:lvl5pPr marL="2057400" indent="-228600" algn="l" defTabSz="914400" rtl="0" eaLnBrk="1" latinLnBrk="0" hangingPunct="1">
+              <a:lnSpc>
+                <a:spcPct val="90000"/>
+              </a:lnSpc>
+              <a:spcBef>
+                <a:spcPts val="500"/>
+              </a:spcBef>
+              <a:buFont typeface="Arial" panose="020B0604020202020204" pitchFamily="34" charset="0"/>
+              <a:buChar char="•"/>
+              <a:defRPr sz="1800" kern="1200">
+                <a:solidFill>
+                  <a:schemeClr val="tx1"/>
+                </a:solidFill>
+                <a:latin typeface="+mn-lt"/>
+                <a:ea typeface="+mn-ea"/>
+                <a:cs typeface="+mn-cs"/>
+              </a:defRPr>
+            </a:lvl5pPr>
+            <a:lvl6pPr marL="2514600" indent="-228600" algn="l" defTabSz="914400" rtl="0" eaLnBrk="1" latinLnBrk="0" hangingPunct="1">
+              <a:lnSpc>
+                <a:spcPct val="90000"/>
+              </a:lnSpc>
+              <a:spcBef>
+                <a:spcPts val="500"/>
+              </a:spcBef>
+              <a:buFont typeface="Arial" panose="020B0604020202020204" pitchFamily="34" charset="0"/>
+              <a:buChar char="•"/>
+              <a:defRPr sz="1800" kern="1200">
+                <a:solidFill>
+                  <a:schemeClr val="tx1"/>
+                </a:solidFill>
+                <a:latin typeface="+mn-lt"/>
+                <a:ea typeface="+mn-ea"/>
+                <a:cs typeface="+mn-cs"/>
+              </a:defRPr>
+            </a:lvl6pPr>
+            <a:lvl7pPr marL="2971800" indent="-228600" algn="l" defTabSz="914400" rtl="0" eaLnBrk="1" latinLnBrk="0" hangingPunct="1">
+              <a:lnSpc>
+                <a:spcPct val="90000"/>
+              </a:lnSpc>
+              <a:spcBef>
+                <a:spcPts val="500"/>
+              </a:spcBef>
+              <a:buFont typeface="Arial" panose="020B0604020202020204" pitchFamily="34" charset="0"/>
+              <a:buChar char="•"/>
+              <a:defRPr sz="1800" kern="1200">
+                <a:solidFill>
+                  <a:schemeClr val="tx1"/>
+                </a:solidFill>
+                <a:latin typeface="+mn-lt"/>
+                <a:ea typeface="+mn-ea"/>
+                <a:cs typeface="+mn-cs"/>
+              </a:defRPr>
+            </a:lvl7pPr>
+            <a:lvl8pPr marL="3429000" indent="-228600" algn="l" defTabSz="914400" rtl="0" eaLnBrk="1" latinLnBrk="0" hangingPunct="1">
+              <a:lnSpc>
+                <a:spcPct val="90000"/>
+              </a:lnSpc>
+              <a:spcBef>
+                <a:spcPts val="500"/>
+              </a:spcBef>
+              <a:buFont typeface="Arial" panose="020B0604020202020204" pitchFamily="34" charset="0"/>
+              <a:buChar char="•"/>
+              <a:defRPr sz="1800" kern="1200">
+                <a:solidFill>
+                  <a:schemeClr val="tx1"/>
+                </a:solidFill>
+                <a:latin typeface="+mn-lt"/>
+                <a:ea typeface="+mn-ea"/>
+                <a:cs typeface="+mn-cs"/>
+              </a:defRPr>
+            </a:lvl8pPr>
+            <a:lvl9pPr marL="3886200" indent="-228600" algn="l" defTabSz="914400" rtl="0" eaLnBrk="1" latinLnBrk="0" hangingPunct="1">
+              <a:lnSpc>
+                <a:spcPct val="90000"/>
+              </a:lnSpc>
+              <a:spcBef>
+                <a:spcPts val="500"/>
+              </a:spcBef>
+              <a:buFont typeface="Arial" panose="020B0604020202020204" pitchFamily="34" charset="0"/>
+              <a:buChar char="•"/>
+              <a:defRPr sz="1800" kern="1200">
+                <a:solidFill>
+                  <a:schemeClr val="tx1"/>
+                </a:solidFill>
+                <a:latin typeface="+mn-lt"/>
+                <a:ea typeface="+mn-ea"/>
+                <a:cs typeface="+mn-cs"/>
+              </a:defRPr>
+            </a:lvl9pPr>
+          </a:lstStyle>
+          <a:p>
+            <a:pPr algn="just"/>
+            <a:r>
+              <a:rPr lang="pt-PT" err="1">
+                <a:ea typeface="+mn-lt"/>
+                <a:cs typeface="+mn-lt"/>
+              </a:rPr>
+              <a:t>After</a:t>
+            </a:r>
+            <a:r>
+              <a:rPr lang="pt-PT" dirty="0">
+                <a:ea typeface="+mn-lt"/>
+                <a:cs typeface="+mn-lt"/>
+              </a:rPr>
+              <a:t> </a:t>
+            </a:r>
+            <a:r>
+              <a:rPr lang="pt-PT" err="1">
+                <a:ea typeface="+mn-lt"/>
+                <a:cs typeface="+mn-lt"/>
+              </a:rPr>
+              <a:t>we’ve</a:t>
+            </a:r>
+            <a:r>
+              <a:rPr lang="pt-PT" dirty="0">
+                <a:ea typeface="+mn-lt"/>
+                <a:cs typeface="+mn-lt"/>
+              </a:rPr>
+              <a:t> </a:t>
+            </a:r>
+            <a:r>
+              <a:rPr lang="pt-PT" err="1">
+                <a:ea typeface="+mn-lt"/>
+                <a:cs typeface="+mn-lt"/>
+              </a:rPr>
+              <a:t>tried</a:t>
+            </a:r>
+            <a:r>
+              <a:rPr lang="pt-PT" dirty="0">
+                <a:ea typeface="+mn-lt"/>
+                <a:cs typeface="+mn-lt"/>
+              </a:rPr>
+              <a:t> a </a:t>
+            </a:r>
+            <a:r>
+              <a:rPr lang="pt-PT" err="1">
+                <a:ea typeface="+mn-lt"/>
+                <a:cs typeface="+mn-lt"/>
+              </a:rPr>
+              <a:t>certian</a:t>
+            </a:r>
+            <a:r>
+              <a:rPr lang="pt-PT" dirty="0">
+                <a:ea typeface="+mn-lt"/>
+                <a:cs typeface="+mn-lt"/>
+              </a:rPr>
+              <a:t> </a:t>
+            </a:r>
+            <a:r>
+              <a:rPr lang="pt-PT" err="1">
+                <a:ea typeface="+mn-lt"/>
+                <a:cs typeface="+mn-lt"/>
+              </a:rPr>
+              <a:t>number</a:t>
+            </a:r>
+            <a:r>
+              <a:rPr lang="pt-PT" dirty="0">
+                <a:ea typeface="+mn-lt"/>
+                <a:cs typeface="+mn-lt"/>
+              </a:rPr>
+              <a:t> </a:t>
+            </a:r>
+            <a:r>
+              <a:rPr lang="pt-PT" err="1">
+                <a:ea typeface="+mn-lt"/>
+                <a:cs typeface="+mn-lt"/>
+              </a:rPr>
+              <a:t>of</a:t>
+            </a:r>
+            <a:r>
+              <a:rPr lang="pt-PT" dirty="0">
+                <a:ea typeface="+mn-lt"/>
+                <a:cs typeface="+mn-lt"/>
+              </a:rPr>
+              <a:t> </a:t>
+            </a:r>
+            <a:r>
+              <a:rPr lang="pt-PT" err="1">
+                <a:ea typeface="+mn-lt"/>
+                <a:cs typeface="+mn-lt"/>
+              </a:rPr>
+              <a:t>hyperparameter</a:t>
+            </a:r>
+            <a:r>
+              <a:rPr lang="pt-PT" dirty="0">
+                <a:ea typeface="+mn-lt"/>
+                <a:cs typeface="+mn-lt"/>
+              </a:rPr>
+              <a:t> </a:t>
+            </a:r>
+            <a:r>
+              <a:rPr lang="pt-PT" err="1">
+                <a:ea typeface="+mn-lt"/>
+                <a:cs typeface="+mn-lt"/>
+              </a:rPr>
+              <a:t>combinations</a:t>
+            </a:r>
+            <a:r>
+              <a:rPr lang="pt-PT" dirty="0">
+                <a:ea typeface="+mn-lt"/>
+                <a:cs typeface="+mn-lt"/>
+              </a:rPr>
+              <a:t>, </a:t>
+            </a:r>
+            <a:r>
+              <a:rPr lang="pt-PT" err="1">
+                <a:ea typeface="+mn-lt"/>
+                <a:cs typeface="+mn-lt"/>
+              </a:rPr>
+              <a:t>we</a:t>
+            </a:r>
+            <a:r>
+              <a:rPr lang="pt-PT" dirty="0">
+                <a:ea typeface="+mn-lt"/>
+                <a:cs typeface="+mn-lt"/>
+              </a:rPr>
+              <a:t> can </a:t>
+            </a:r>
+            <a:r>
+              <a:rPr lang="pt-PT" err="1">
+                <a:ea typeface="+mn-lt"/>
+                <a:cs typeface="+mn-lt"/>
+              </a:rPr>
+              <a:t>condition</a:t>
+            </a:r>
+            <a:r>
+              <a:rPr lang="pt-PT" dirty="0">
+                <a:ea typeface="+mn-lt"/>
+                <a:cs typeface="+mn-lt"/>
+              </a:rPr>
+              <a:t> </a:t>
+            </a:r>
+            <a:r>
+              <a:rPr lang="pt-PT" err="1">
+                <a:ea typeface="+mn-lt"/>
+                <a:cs typeface="+mn-lt"/>
+              </a:rPr>
+              <a:t>on</a:t>
+            </a:r>
+            <a:r>
+              <a:rPr lang="pt-PT" dirty="0">
+                <a:ea typeface="+mn-lt"/>
+                <a:cs typeface="+mn-lt"/>
+              </a:rPr>
+              <a:t> </a:t>
+            </a:r>
+            <a:r>
+              <a:rPr lang="pt-PT" err="1">
+                <a:ea typeface="+mn-lt"/>
+                <a:cs typeface="+mn-lt"/>
+              </a:rPr>
+              <a:t>these</a:t>
+            </a:r>
+            <a:r>
+              <a:rPr lang="pt-PT" dirty="0">
+                <a:ea typeface="+mn-lt"/>
+                <a:cs typeface="+mn-lt"/>
+              </a:rPr>
+              <a:t> </a:t>
+            </a:r>
+            <a:r>
+              <a:rPr lang="pt-PT" err="1">
+                <a:ea typeface="+mn-lt"/>
+                <a:cs typeface="+mn-lt"/>
+              </a:rPr>
+              <a:t>hyperparameters</a:t>
+            </a:r>
+            <a:r>
+              <a:rPr lang="pt-PT" dirty="0">
+                <a:ea typeface="+mn-lt"/>
+                <a:cs typeface="+mn-lt"/>
+              </a:rPr>
+              <a:t> to </a:t>
+            </a:r>
+            <a:r>
+              <a:rPr lang="pt-PT" err="1">
+                <a:ea typeface="+mn-lt"/>
+                <a:cs typeface="+mn-lt"/>
+              </a:rPr>
+              <a:t>infer</a:t>
+            </a:r>
+            <a:r>
+              <a:rPr lang="pt-PT" dirty="0">
+                <a:ea typeface="+mn-lt"/>
+                <a:cs typeface="+mn-lt"/>
+              </a:rPr>
+              <a:t> </a:t>
+            </a:r>
+            <a:r>
+              <a:rPr lang="pt-PT" err="1">
+                <a:ea typeface="+mn-lt"/>
+                <a:cs typeface="+mn-lt"/>
+              </a:rPr>
+              <a:t>the</a:t>
+            </a:r>
+            <a:r>
+              <a:rPr lang="pt-PT" dirty="0">
+                <a:ea typeface="+mn-lt"/>
+                <a:cs typeface="+mn-lt"/>
+              </a:rPr>
+              <a:t> posterior </a:t>
+            </a:r>
+            <a:r>
+              <a:rPr lang="pt-PT" err="1">
+                <a:ea typeface="+mn-lt"/>
+                <a:cs typeface="+mn-lt"/>
+              </a:rPr>
+              <a:t>over</a:t>
+            </a:r>
+            <a:r>
+              <a:rPr lang="pt-PT" dirty="0">
+                <a:ea typeface="+mn-lt"/>
+                <a:cs typeface="+mn-lt"/>
+              </a:rPr>
+              <a:t> </a:t>
+            </a:r>
+            <a:r>
+              <a:rPr lang="pt-PT" err="1">
+                <a:ea typeface="+mn-lt"/>
+                <a:cs typeface="+mn-lt"/>
+              </a:rPr>
+              <a:t>the</a:t>
+            </a:r>
+            <a:r>
+              <a:rPr lang="pt-PT" dirty="0">
+                <a:ea typeface="+mn-lt"/>
+                <a:cs typeface="+mn-lt"/>
+              </a:rPr>
+              <a:t> </a:t>
+            </a:r>
+            <a:r>
+              <a:rPr lang="pt-PT" err="1">
+                <a:ea typeface="+mn-lt"/>
+                <a:cs typeface="+mn-lt"/>
+              </a:rPr>
+              <a:t>surrogate</a:t>
+            </a:r>
+            <a:r>
+              <a:rPr lang="pt-PT" dirty="0">
+                <a:ea typeface="+mn-lt"/>
+                <a:cs typeface="+mn-lt"/>
+              </a:rPr>
+              <a:t> </a:t>
+            </a:r>
+            <a:r>
+              <a:rPr lang="pt-PT" err="1">
+                <a:ea typeface="+mn-lt"/>
+                <a:cs typeface="+mn-lt"/>
+              </a:rPr>
+              <a:t>function</a:t>
+            </a:r>
+            <a:r>
+              <a:rPr lang="pt-PT" dirty="0">
+                <a:ea typeface="+mn-lt"/>
+                <a:cs typeface="+mn-lt"/>
+              </a:rPr>
+              <a:t> </a:t>
+            </a:r>
+            <a:r>
+              <a:rPr lang="pt-PT" err="1">
+                <a:ea typeface="+mn-lt"/>
+                <a:cs typeface="+mn-lt"/>
+              </a:rPr>
+              <a:t>using</a:t>
+            </a:r>
+            <a:r>
+              <a:rPr lang="pt-PT" dirty="0">
+                <a:ea typeface="+mn-lt"/>
+                <a:cs typeface="+mn-lt"/>
+              </a:rPr>
+              <a:t> for </a:t>
+            </a:r>
+            <a:r>
+              <a:rPr lang="pt-PT" err="1">
+                <a:ea typeface="+mn-lt"/>
+                <a:cs typeface="+mn-lt"/>
+              </a:rPr>
+              <a:t>instance</a:t>
+            </a:r>
+            <a:r>
+              <a:rPr lang="pt-PT" dirty="0">
+                <a:ea typeface="+mn-lt"/>
+                <a:cs typeface="+mn-lt"/>
+              </a:rPr>
+              <a:t> </a:t>
+            </a:r>
+            <a:r>
+              <a:rPr lang="pt-PT" err="1">
+                <a:ea typeface="+mn-lt"/>
+                <a:cs typeface="+mn-lt"/>
+              </a:rPr>
+              <a:t>Bayesian</a:t>
+            </a:r>
+            <a:r>
+              <a:rPr lang="pt-PT" dirty="0">
+                <a:ea typeface="+mn-lt"/>
+                <a:cs typeface="+mn-lt"/>
+              </a:rPr>
+              <a:t> linear </a:t>
+            </a:r>
+            <a:r>
+              <a:rPr lang="pt-PT" err="1">
+                <a:ea typeface="+mn-lt"/>
+                <a:cs typeface="+mn-lt"/>
+              </a:rPr>
+              <a:t>regression</a:t>
+            </a:r>
+            <a:r>
+              <a:rPr lang="pt-PT" dirty="0">
+                <a:ea typeface="+mn-lt"/>
+                <a:cs typeface="+mn-lt"/>
+              </a:rPr>
+              <a:t>.</a:t>
+            </a:r>
+            <a:endParaRPr lang="pt-PT" dirty="0" err="1"/>
+          </a:p>
+          <a:p>
+            <a:pPr algn="just"/>
+            <a:endParaRPr lang="pt-PT" dirty="0">
+              <a:ea typeface="+mn-lt"/>
+              <a:cs typeface="+mn-lt"/>
+            </a:endParaRPr>
+          </a:p>
+          <a:p>
+            <a:pPr algn="just"/>
+            <a:endParaRPr lang="pt-PT" dirty="0">
+              <a:ea typeface="+mn-lt"/>
+              <a:cs typeface="+mn-lt"/>
+            </a:endParaRPr>
+          </a:p>
+          <a:p>
+            <a:pPr algn="just"/>
+            <a:endParaRPr lang="pt-PT" dirty="0">
+              <a:ea typeface="+mn-lt"/>
+              <a:cs typeface="+mn-lt"/>
+            </a:endParaRPr>
+          </a:p>
+          <a:p>
+            <a:pPr algn="just"/>
+            <a:endParaRPr lang="pt-PT" dirty="0">
+              <a:ea typeface="+mn-lt"/>
+              <a:cs typeface="+mn-lt"/>
+            </a:endParaRPr>
+          </a:p>
+          <a:p>
+            <a:pPr algn="just"/>
+            <a:endParaRPr lang="pt-PT" dirty="0">
+              <a:ea typeface="+mn-lt"/>
+              <a:cs typeface="+mn-lt"/>
+            </a:endParaRPr>
+          </a:p>
+          <a:p>
+            <a:pPr algn="just"/>
+            <a:endParaRPr lang="pt-PT" dirty="0">
+              <a:ea typeface="+mn-lt"/>
+              <a:cs typeface="+mn-lt"/>
+            </a:endParaRPr>
+          </a:p>
+          <a:p>
+            <a:pPr lvl="1" algn="just">
+              <a:buFont typeface="Wingdings" panose="020B0604020202020204" pitchFamily="34" charset="0"/>
+              <a:buChar char="§"/>
+            </a:pPr>
+            <a:endParaRPr lang="pt-PT" dirty="0">
+              <a:ea typeface="+mn-lt"/>
+              <a:cs typeface="+mn-lt"/>
+            </a:endParaRPr>
+          </a:p>
+          <a:p>
+            <a:pPr algn="just"/>
+            <a:endParaRPr lang="pt-PT" dirty="0">
+              <a:ea typeface="+mn-lt"/>
+              <a:cs typeface="+mn-lt"/>
+            </a:endParaRPr>
+          </a:p>
+        </p:txBody>
+      </p:sp>
     </p:spTree>
     <p:extLst>
       <p:ext uri="{BB962C8B-B14F-4D97-AF65-F5344CB8AC3E}">
-        <p14:creationId xmlns:p14="http://schemas.microsoft.com/office/powerpoint/2010/main" val="4221015711"/>
+        <p14:creationId xmlns:p14="http://schemas.microsoft.com/office/powerpoint/2010/main" val="101910531"/>
       </p:ext>
     </p:extLst>
   </p:cSld>
@@ -21475,14 +22030,34 @@
           <a:lstStyle/>
           <a:p>
             <a:r>
-              <a:rPr lang="pt-PT" sz="3600" b="1" dirty="0">
+              <a:rPr lang="pt-PT" sz="3600" b="1" dirty="0" err="1">
                 <a:solidFill>
                   <a:srgbClr val="092953"/>
                 </a:solidFill>
                 <a:latin typeface="Cambria"/>
                 <a:ea typeface="Cambria"/>
               </a:rPr>
-              <a:t>TPE</a:t>
+              <a:t>Bayesian</a:t>
+            </a:r>
+            <a:r>
+              <a:rPr lang="pt-PT" sz="3600" b="1" dirty="0">
+                <a:solidFill>
+                  <a:srgbClr val="092953"/>
+                </a:solidFill>
+                <a:latin typeface="Cambria"/>
+                <a:ea typeface="Cambria"/>
+              </a:rPr>
+              <a:t> </a:t>
+            </a:r>
+            <a:r>
+              <a:rPr lang="pt-PT" sz="3600" b="1" dirty="0" err="1">
+                <a:solidFill>
+                  <a:srgbClr val="092953"/>
+                </a:solidFill>
+                <a:latin typeface="Cambria"/>
+                <a:ea typeface="Cambria"/>
+              </a:rPr>
+              <a:t>Optimization</a:t>
             </a:r>
           </a:p>
         </p:txBody>
@@ -21515,14 +22090,301 @@
           </a:bodyPr>
           <a:lstStyle/>
           <a:p>
-            <a:pPr marL="0" indent="0">
-              <a:buNone/>
-            </a:pPr>
-            <a:endParaRPr lang="pt-PT"/>
+            <a:r>
+              <a:rPr lang="pt-PT" dirty="0">
+                <a:ea typeface="+mn-lt"/>
+                <a:cs typeface="+mn-lt"/>
+              </a:rPr>
+              <a:t>To </a:t>
+            </a:r>
+            <a:r>
+              <a:rPr lang="pt-PT" dirty="0" err="1">
+                <a:ea typeface="+mn-lt"/>
+                <a:cs typeface="+mn-lt"/>
+              </a:rPr>
+              <a:t>choose</a:t>
+            </a:r>
+            <a:r>
+              <a:rPr lang="pt-PT" dirty="0">
+                <a:ea typeface="+mn-lt"/>
+                <a:cs typeface="+mn-lt"/>
+              </a:rPr>
+              <a:t> </a:t>
+            </a:r>
+            <a:r>
+              <a:rPr lang="pt-PT" dirty="0" err="1">
+                <a:ea typeface="+mn-lt"/>
+                <a:cs typeface="+mn-lt"/>
+              </a:rPr>
+              <a:t>the</a:t>
+            </a:r>
+            <a:r>
+              <a:rPr lang="pt-PT" dirty="0">
+                <a:ea typeface="+mn-lt"/>
+                <a:cs typeface="+mn-lt"/>
+              </a:rPr>
+              <a:t> </a:t>
+            </a:r>
+            <a:r>
+              <a:rPr lang="pt-PT" dirty="0" err="1">
+                <a:ea typeface="+mn-lt"/>
+                <a:cs typeface="+mn-lt"/>
+              </a:rPr>
+              <a:t>next</a:t>
+            </a:r>
+            <a:r>
+              <a:rPr lang="pt-PT" dirty="0">
+                <a:ea typeface="+mn-lt"/>
+                <a:cs typeface="+mn-lt"/>
+              </a:rPr>
+              <a:t> </a:t>
+            </a:r>
+            <a:r>
+              <a:rPr lang="pt-PT" dirty="0" err="1">
+                <a:ea typeface="+mn-lt"/>
+                <a:cs typeface="+mn-lt"/>
+              </a:rPr>
+              <a:t>point</a:t>
+            </a:r>
+            <a:r>
+              <a:rPr lang="pt-PT" dirty="0">
+                <a:ea typeface="+mn-lt"/>
+                <a:cs typeface="+mn-lt"/>
+              </a:rPr>
+              <a:t> to </a:t>
+            </a:r>
+            <a:r>
+              <a:rPr lang="pt-PT" dirty="0" err="1">
+                <a:ea typeface="+mn-lt"/>
+                <a:cs typeface="+mn-lt"/>
+              </a:rPr>
+              <a:t>query</a:t>
+            </a:r>
+            <a:r>
+              <a:rPr lang="pt-PT" dirty="0">
+                <a:ea typeface="+mn-lt"/>
+                <a:cs typeface="+mn-lt"/>
+              </a:rPr>
+              <a:t>, </a:t>
+            </a:r>
+            <a:r>
+              <a:rPr lang="pt-PT" dirty="0" err="1">
+                <a:ea typeface="+mn-lt"/>
+                <a:cs typeface="+mn-lt"/>
+              </a:rPr>
+              <a:t>we</a:t>
+            </a:r>
+            <a:r>
+              <a:rPr lang="pt-PT" dirty="0">
+                <a:ea typeface="+mn-lt"/>
+                <a:cs typeface="+mn-lt"/>
+              </a:rPr>
+              <a:t> must define </a:t>
+            </a:r>
+            <a:r>
+              <a:rPr lang="pt-PT" dirty="0" err="1">
+                <a:ea typeface="+mn-lt"/>
+                <a:cs typeface="+mn-lt"/>
+              </a:rPr>
+              <a:t>an</a:t>
+            </a:r>
+            <a:r>
+              <a:rPr lang="pt-PT" dirty="0">
+                <a:ea typeface="+mn-lt"/>
+                <a:cs typeface="+mn-lt"/>
+              </a:rPr>
+              <a:t> </a:t>
+            </a:r>
+            <a:r>
+              <a:rPr lang="pt-PT" dirty="0" err="1">
+                <a:ea typeface="+mn-lt"/>
+                <a:cs typeface="+mn-lt"/>
+              </a:rPr>
+              <a:t>acquisition</a:t>
+            </a:r>
+            <a:r>
+              <a:rPr lang="pt-PT" dirty="0">
+                <a:ea typeface="+mn-lt"/>
+                <a:cs typeface="+mn-lt"/>
+              </a:rPr>
+              <a:t> </a:t>
+            </a:r>
+            <a:r>
+              <a:rPr lang="pt-PT" dirty="0" err="1">
+                <a:ea typeface="+mn-lt"/>
+                <a:cs typeface="+mn-lt"/>
+              </a:rPr>
+              <a:t>function</a:t>
+            </a:r>
+            <a:r>
+              <a:rPr lang="pt-PT" dirty="0">
+                <a:ea typeface="+mn-lt"/>
+                <a:cs typeface="+mn-lt"/>
+              </a:rPr>
+              <a:t>, </a:t>
+            </a:r>
+            <a:r>
+              <a:rPr lang="pt-PT" dirty="0" err="1">
+                <a:ea typeface="+mn-lt"/>
+                <a:cs typeface="+mn-lt"/>
+              </a:rPr>
+              <a:t>which</a:t>
+            </a:r>
+            <a:r>
+              <a:rPr lang="pt-PT" dirty="0">
+                <a:ea typeface="+mn-lt"/>
+                <a:cs typeface="+mn-lt"/>
+              </a:rPr>
+              <a:t> </a:t>
+            </a:r>
+            <a:r>
+              <a:rPr lang="pt-PT" dirty="0" err="1">
+                <a:ea typeface="+mn-lt"/>
+                <a:cs typeface="+mn-lt"/>
+              </a:rPr>
+              <a:t>tells</a:t>
+            </a:r>
+            <a:r>
+              <a:rPr lang="pt-PT" dirty="0">
+                <a:ea typeface="+mn-lt"/>
+                <a:cs typeface="+mn-lt"/>
+              </a:rPr>
+              <a:t> </a:t>
+            </a:r>
+            <a:r>
+              <a:rPr lang="pt-PT" dirty="0" err="1">
+                <a:ea typeface="+mn-lt"/>
+                <a:cs typeface="+mn-lt"/>
+              </a:rPr>
+              <a:t>us</a:t>
+            </a:r>
+            <a:r>
+              <a:rPr lang="pt-PT" dirty="0">
+                <a:ea typeface="+mn-lt"/>
+                <a:cs typeface="+mn-lt"/>
+              </a:rPr>
+              <a:t> </a:t>
+            </a:r>
+            <a:r>
+              <a:rPr lang="pt-PT" dirty="0" err="1">
+                <a:ea typeface="+mn-lt"/>
+                <a:cs typeface="+mn-lt"/>
+              </a:rPr>
+              <a:t>how</a:t>
+            </a:r>
+            <a:r>
+              <a:rPr lang="pt-PT" dirty="0">
+                <a:ea typeface="+mn-lt"/>
+                <a:cs typeface="+mn-lt"/>
+              </a:rPr>
+              <a:t> </a:t>
+            </a:r>
+            <a:r>
+              <a:rPr lang="pt-PT" dirty="0" err="1">
+                <a:ea typeface="+mn-lt"/>
+                <a:cs typeface="+mn-lt"/>
+              </a:rPr>
+              <a:t>promising</a:t>
+            </a:r>
+            <a:r>
+              <a:rPr lang="pt-PT" dirty="0">
+                <a:ea typeface="+mn-lt"/>
+                <a:cs typeface="+mn-lt"/>
+              </a:rPr>
+              <a:t> a candidate </a:t>
+            </a:r>
+            <a:r>
+              <a:rPr lang="pt-PT" dirty="0" err="1">
+                <a:ea typeface="+mn-lt"/>
+                <a:cs typeface="+mn-lt"/>
+              </a:rPr>
+              <a:t>it</a:t>
+            </a:r>
+            <a:r>
+              <a:rPr lang="pt-PT" dirty="0">
+                <a:ea typeface="+mn-lt"/>
+                <a:cs typeface="+mn-lt"/>
+              </a:rPr>
+              <a:t> </a:t>
+            </a:r>
+            <a:r>
+              <a:rPr lang="pt-PT" dirty="0" err="1">
+                <a:ea typeface="+mn-lt"/>
+                <a:cs typeface="+mn-lt"/>
+              </a:rPr>
+              <a:t>is</a:t>
+            </a:r>
+            <a:r>
+              <a:rPr lang="pt-PT" dirty="0">
+                <a:ea typeface="+mn-lt"/>
+                <a:cs typeface="+mn-lt"/>
+              </a:rPr>
+              <a:t>.</a:t>
+            </a:r>
+            <a:endParaRPr lang="pt-PT" dirty="0"/>
           </a:p>
           <a:p>
             <a:pPr algn="just"/>
             <a:endParaRPr lang="pt-PT" dirty="0"/>
+          </a:p>
+          <a:p>
+            <a:pPr algn="just"/>
+            <a:r>
+              <a:rPr lang="pt-PT" b="1" dirty="0">
+                <a:ea typeface="+mn-lt"/>
+                <a:cs typeface="+mn-lt"/>
+              </a:rPr>
+              <a:t>Candidate 1:</a:t>
+            </a:r>
+            <a:r>
+              <a:rPr lang="pt-PT" dirty="0">
+                <a:ea typeface="+mn-lt"/>
+                <a:cs typeface="+mn-lt"/>
+              </a:rPr>
+              <a:t> </a:t>
+            </a:r>
+            <a:r>
+              <a:rPr lang="pt-PT" err="1">
+                <a:ea typeface="+mn-lt"/>
+                <a:cs typeface="+mn-lt"/>
+              </a:rPr>
+              <a:t>probability</a:t>
+            </a:r>
+            <a:r>
+              <a:rPr lang="pt-PT" dirty="0">
+                <a:ea typeface="+mn-lt"/>
+                <a:cs typeface="+mn-lt"/>
+              </a:rPr>
+              <a:t> </a:t>
+            </a:r>
+            <a:r>
+              <a:rPr lang="pt-PT" err="1">
+                <a:ea typeface="+mn-lt"/>
+                <a:cs typeface="+mn-lt"/>
+              </a:rPr>
+              <a:t>of</a:t>
+            </a:r>
+            <a:r>
+              <a:rPr lang="pt-PT" dirty="0">
+                <a:ea typeface="+mn-lt"/>
+                <a:cs typeface="+mn-lt"/>
+              </a:rPr>
+              <a:t> </a:t>
+            </a:r>
+            <a:r>
+              <a:rPr lang="pt-PT" err="1">
+                <a:ea typeface="+mn-lt"/>
+                <a:cs typeface="+mn-lt"/>
+              </a:rPr>
+              <a:t>improvement</a:t>
+            </a:r>
+            <a:r>
+              <a:rPr lang="pt-PT" dirty="0">
+                <a:ea typeface="+mn-lt"/>
+                <a:cs typeface="+mn-lt"/>
+              </a:rPr>
+              <a:t> (PI)</a:t>
+            </a:r>
           </a:p>
           <a:p>
             <a:pPr algn="just"/>
@@ -21534,6 +22396,363 @@
           <a:p>
             <a:pPr algn="just"/>
             <a:endParaRPr lang="pt-PT" dirty="0">
+              <a:ea typeface="+mn-lt"/>
+              <a:cs typeface="+mn-lt"/>
+            </a:endParaRPr>
+          </a:p>
+          <a:p>
+            <a:pPr algn="just"/>
+            <a:endParaRPr lang="pt-PT" dirty="0">
+              <a:ea typeface="+mn-lt"/>
+              <a:cs typeface="+mn-lt"/>
+            </a:endParaRPr>
+          </a:p>
+          <a:p>
+            <a:pPr algn="just"/>
+            <a:r>
+              <a:rPr lang="pt-PT" dirty="0" err="1">
+                <a:ea typeface="+mn-lt"/>
+                <a:cs typeface="+mn-lt"/>
+              </a:rPr>
+              <a:t>The</a:t>
+            </a:r>
+            <a:r>
+              <a:rPr lang="pt-PT" dirty="0">
+                <a:ea typeface="+mn-lt"/>
+                <a:cs typeface="+mn-lt"/>
+              </a:rPr>
+              <a:t> </a:t>
+            </a:r>
+            <a:r>
+              <a:rPr lang="pt-PT" dirty="0" err="1">
+                <a:ea typeface="+mn-lt"/>
+                <a:cs typeface="+mn-lt"/>
+              </a:rPr>
+              <a:t>problem</a:t>
+            </a:r>
+            <a:r>
+              <a:rPr lang="pt-PT" dirty="0">
+                <a:ea typeface="+mn-lt"/>
+                <a:cs typeface="+mn-lt"/>
+              </a:rPr>
+              <a:t> </a:t>
+            </a:r>
+            <a:r>
+              <a:rPr lang="pt-PT" dirty="0" err="1">
+                <a:ea typeface="+mn-lt"/>
+                <a:cs typeface="+mn-lt"/>
+              </a:rPr>
+              <a:t>with</a:t>
+            </a:r>
+            <a:r>
+              <a:rPr lang="pt-PT" dirty="0">
+                <a:ea typeface="+mn-lt"/>
+                <a:cs typeface="+mn-lt"/>
+              </a:rPr>
+              <a:t> </a:t>
+            </a:r>
+            <a:r>
+              <a:rPr lang="pt-PT" dirty="0" err="1">
+                <a:ea typeface="+mn-lt"/>
+                <a:cs typeface="+mn-lt"/>
+              </a:rPr>
+              <a:t>Probability</a:t>
+            </a:r>
+            <a:r>
+              <a:rPr lang="pt-PT" dirty="0">
+                <a:ea typeface="+mn-lt"/>
+                <a:cs typeface="+mn-lt"/>
+              </a:rPr>
+              <a:t> </a:t>
+            </a:r>
+            <a:r>
+              <a:rPr lang="pt-PT" dirty="0" err="1">
+                <a:ea typeface="+mn-lt"/>
+                <a:cs typeface="+mn-lt"/>
+              </a:rPr>
+              <a:t>of</a:t>
+            </a:r>
+            <a:r>
+              <a:rPr lang="pt-PT" dirty="0">
+                <a:ea typeface="+mn-lt"/>
+                <a:cs typeface="+mn-lt"/>
+              </a:rPr>
+              <a:t> </a:t>
+            </a:r>
+            <a:r>
+              <a:rPr lang="pt-PT" dirty="0" err="1">
+                <a:ea typeface="+mn-lt"/>
+                <a:cs typeface="+mn-lt"/>
+              </a:rPr>
+              <a:t>Improvement</a:t>
+            </a:r>
+            <a:r>
+              <a:rPr lang="pt-PT" dirty="0">
+                <a:ea typeface="+mn-lt"/>
+                <a:cs typeface="+mn-lt"/>
+              </a:rPr>
+              <a:t> (PI): </a:t>
+            </a:r>
+            <a:r>
+              <a:rPr lang="pt-PT" dirty="0" err="1">
+                <a:ea typeface="+mn-lt"/>
+                <a:cs typeface="+mn-lt"/>
+              </a:rPr>
+              <a:t>it</a:t>
+            </a:r>
+            <a:r>
+              <a:rPr lang="pt-PT" dirty="0">
+                <a:ea typeface="+mn-lt"/>
+                <a:cs typeface="+mn-lt"/>
+              </a:rPr>
+              <a:t> </a:t>
+            </a:r>
+            <a:r>
+              <a:rPr lang="pt-PT" dirty="0" err="1">
+                <a:ea typeface="+mn-lt"/>
+                <a:cs typeface="+mn-lt"/>
+              </a:rPr>
+              <a:t>queries</a:t>
+            </a:r>
+            <a:r>
+              <a:rPr lang="pt-PT" dirty="0">
+                <a:ea typeface="+mn-lt"/>
+                <a:cs typeface="+mn-lt"/>
+              </a:rPr>
+              <a:t> </a:t>
+            </a:r>
+            <a:r>
+              <a:rPr lang="pt-PT" dirty="0" err="1">
+                <a:ea typeface="+mn-lt"/>
+                <a:cs typeface="+mn-lt"/>
+              </a:rPr>
+              <a:t>points</a:t>
+            </a:r>
+            <a:r>
+              <a:rPr lang="pt-PT" dirty="0">
+                <a:ea typeface="+mn-lt"/>
+                <a:cs typeface="+mn-lt"/>
+              </a:rPr>
+              <a:t> </a:t>
+            </a:r>
+            <a:r>
+              <a:rPr lang="pt-PT" dirty="0" err="1">
+                <a:ea typeface="+mn-lt"/>
+                <a:cs typeface="+mn-lt"/>
+              </a:rPr>
+              <a:t>it</a:t>
+            </a:r>
+            <a:r>
+              <a:rPr lang="pt-PT" dirty="0">
+                <a:ea typeface="+mn-lt"/>
+                <a:cs typeface="+mn-lt"/>
+              </a:rPr>
+              <a:t> </a:t>
+            </a:r>
+            <a:r>
+              <a:rPr lang="pt-PT" dirty="0" err="1">
+                <a:ea typeface="+mn-lt"/>
+                <a:cs typeface="+mn-lt"/>
+              </a:rPr>
+              <a:t>is</a:t>
+            </a:r>
+            <a:r>
+              <a:rPr lang="pt-PT" dirty="0">
+                <a:ea typeface="+mn-lt"/>
+                <a:cs typeface="+mn-lt"/>
+              </a:rPr>
+              <a:t> </a:t>
+            </a:r>
+            <a:r>
+              <a:rPr lang="pt-PT" dirty="0" err="1">
+                <a:ea typeface="+mn-lt"/>
+                <a:cs typeface="+mn-lt"/>
+              </a:rPr>
+              <a:t>highly</a:t>
+            </a:r>
+            <a:r>
+              <a:rPr lang="pt-PT" dirty="0">
+                <a:ea typeface="+mn-lt"/>
+                <a:cs typeface="+mn-lt"/>
+              </a:rPr>
+              <a:t> </a:t>
+            </a:r>
+            <a:r>
+              <a:rPr lang="pt-PT" dirty="0" err="1">
+                <a:ea typeface="+mn-lt"/>
+                <a:cs typeface="+mn-lt"/>
+              </a:rPr>
+              <a:t>confident</a:t>
+            </a:r>
+            <a:r>
+              <a:rPr lang="pt-PT" dirty="0">
+                <a:ea typeface="+mn-lt"/>
+                <a:cs typeface="+mn-lt"/>
+              </a:rPr>
+              <a:t> </a:t>
+            </a:r>
+            <a:r>
+              <a:rPr lang="pt-PT" dirty="0" err="1">
+                <a:ea typeface="+mn-lt"/>
+                <a:cs typeface="+mn-lt"/>
+              </a:rPr>
+              <a:t>will</a:t>
+            </a:r>
+            <a:r>
+              <a:rPr lang="pt-PT" dirty="0">
+                <a:ea typeface="+mn-lt"/>
+                <a:cs typeface="+mn-lt"/>
+              </a:rPr>
+              <a:t> </a:t>
+            </a:r>
+            <a:r>
+              <a:rPr lang="pt-PT" dirty="0" err="1">
+                <a:ea typeface="+mn-lt"/>
+                <a:cs typeface="+mn-lt"/>
+              </a:rPr>
+              <a:t>have</a:t>
+            </a:r>
+            <a:r>
+              <a:rPr lang="pt-PT" dirty="0">
+                <a:ea typeface="+mn-lt"/>
+                <a:cs typeface="+mn-lt"/>
+              </a:rPr>
+              <a:t> a </a:t>
+            </a:r>
+            <a:r>
+              <a:rPr lang="pt-PT" dirty="0" err="1">
+                <a:ea typeface="+mn-lt"/>
+                <a:cs typeface="+mn-lt"/>
+              </a:rPr>
+              <a:t>small</a:t>
+            </a:r>
+            <a:r>
+              <a:rPr lang="pt-PT" dirty="0">
+                <a:ea typeface="+mn-lt"/>
+                <a:cs typeface="+mn-lt"/>
+              </a:rPr>
+              <a:t> </a:t>
+            </a:r>
+            <a:r>
+              <a:rPr lang="pt-PT" dirty="0" err="1">
+                <a:ea typeface="+mn-lt"/>
+                <a:cs typeface="+mn-lt"/>
+              </a:rPr>
+              <a:t>imporvement</a:t>
+            </a:r>
+            <a:endParaRPr lang="pt-PT" dirty="0"/>
+          </a:p>
+          <a:p>
+            <a:pPr lvl="1" algn="just">
+              <a:buFont typeface="Wingdings" panose="020B0604020202020204" pitchFamily="34" charset="0"/>
+              <a:buChar char="§"/>
+            </a:pPr>
+            <a:r>
+              <a:rPr lang="pt-PT" err="1">
+                <a:ea typeface="+mn-lt"/>
+                <a:cs typeface="+mn-lt"/>
+              </a:rPr>
+              <a:t>Usually</a:t>
+            </a:r>
+            <a:r>
+              <a:rPr lang="pt-PT" dirty="0">
+                <a:ea typeface="+mn-lt"/>
+                <a:cs typeface="+mn-lt"/>
+              </a:rPr>
+              <a:t> </a:t>
+            </a:r>
+            <a:r>
+              <a:rPr lang="pt-PT" err="1">
+                <a:ea typeface="+mn-lt"/>
+                <a:cs typeface="+mn-lt"/>
+              </a:rPr>
+              <a:t>these</a:t>
+            </a:r>
+            <a:r>
+              <a:rPr lang="pt-PT" dirty="0">
+                <a:ea typeface="+mn-lt"/>
+                <a:cs typeface="+mn-lt"/>
+              </a:rPr>
+              <a:t> are </a:t>
+            </a:r>
+            <a:r>
+              <a:rPr lang="pt-PT" err="1">
+                <a:ea typeface="+mn-lt"/>
+                <a:cs typeface="+mn-lt"/>
+              </a:rPr>
+              <a:t>right</a:t>
+            </a:r>
+            <a:r>
+              <a:rPr lang="pt-PT" dirty="0">
+                <a:ea typeface="+mn-lt"/>
+                <a:cs typeface="+mn-lt"/>
+              </a:rPr>
+              <a:t> </a:t>
+            </a:r>
+            <a:r>
+              <a:rPr lang="pt-PT" err="1">
+                <a:ea typeface="+mn-lt"/>
+                <a:cs typeface="+mn-lt"/>
+              </a:rPr>
+              <a:t>next</a:t>
+            </a:r>
+            <a:r>
+              <a:rPr lang="pt-PT" dirty="0">
+                <a:ea typeface="+mn-lt"/>
+                <a:cs typeface="+mn-lt"/>
+              </a:rPr>
+              <a:t> to </a:t>
+            </a:r>
+            <a:r>
+              <a:rPr lang="pt-PT" err="1">
+                <a:ea typeface="+mn-lt"/>
+                <a:cs typeface="+mn-lt"/>
+              </a:rPr>
+              <a:t>ones</a:t>
+            </a:r>
+            <a:r>
+              <a:rPr lang="pt-PT" dirty="0">
+                <a:ea typeface="+mn-lt"/>
+                <a:cs typeface="+mn-lt"/>
+              </a:rPr>
+              <a:t> </a:t>
+            </a:r>
+            <a:r>
+              <a:rPr lang="pt-PT" err="1">
+                <a:ea typeface="+mn-lt"/>
+                <a:cs typeface="+mn-lt"/>
+              </a:rPr>
+              <a:t>we’ve</a:t>
+            </a:r>
+            <a:r>
+              <a:rPr lang="pt-PT" dirty="0">
+                <a:ea typeface="+mn-lt"/>
+                <a:cs typeface="+mn-lt"/>
+              </a:rPr>
+              <a:t> </a:t>
+            </a:r>
+            <a:r>
+              <a:rPr lang="pt-PT" err="1">
+                <a:ea typeface="+mn-lt"/>
+                <a:cs typeface="+mn-lt"/>
+              </a:rPr>
+              <a:t>already</a:t>
+            </a:r>
+            <a:r>
+              <a:rPr lang="pt-PT" dirty="0">
+                <a:ea typeface="+mn-lt"/>
+                <a:cs typeface="+mn-lt"/>
+              </a:rPr>
+              <a:t> </a:t>
+            </a:r>
+            <a:r>
+              <a:rPr lang="pt-PT" err="1">
+                <a:ea typeface="+mn-lt"/>
+                <a:cs typeface="+mn-lt"/>
+              </a:rPr>
+              <a:t>evaluated</a:t>
+            </a:r>
+            <a:endParaRPr lang="pt-PT">
               <a:ea typeface="+mn-lt"/>
               <a:cs typeface="+mn-lt"/>
             </a:endParaRPr>
@@ -21817,42 +23036,12 @@
           </a:p>
         </p:txBody>
       </p:sp>
-      <p:pic>
-        <p:nvPicPr>
-          <p:cNvPr id="10" name="Imagem 9" descr="Uma imagem com texto, Tipo de letra, captura de ecrã, número&#10;&#10;Descrição gerada automaticamente">
+      <p:sp>
+        <p:nvSpPr>
+          <p:cNvPr id="11" name="CaixaDeTexto 10">
             <a:extLst>
               <a:ext uri="{FF2B5EF4-FFF2-40B4-BE49-F238E27FC236}">
-                <a16:creationId xmlns:a16="http://schemas.microsoft.com/office/drawing/2014/main" id="{5305B316-79C1-3ECC-7E60-53D3B28A3A47}"/>
-              </a:ext>
-            </a:extLst>
-          </p:cNvPr>
-          <p:cNvPicPr>
-            <a:picLocks noChangeAspect="1"/>
-          </p:cNvPicPr>
-          <p:nvPr/>
-        </p:nvPicPr>
-        <p:blipFill>
-          <a:blip r:embed="rId3"/>
-          <a:stretch>
-            <a:fillRect/>
-          </a:stretch>
-        </p:blipFill>
-        <p:spPr>
-          <a:xfrm>
-            <a:off x="435246" y="1542353"/>
-            <a:ext cx="11581703" cy="4014903"/>
-          </a:xfrm>
-          <a:prstGeom prst="rect">
-            <a:avLst/>
-          </a:prstGeom>
-        </p:spPr>
-      </p:pic>
-      <p:sp>
-        <p:nvSpPr>
-          <p:cNvPr id="12" name="CaixaDeTexto 11">
-            <a:extLst>
-              <a:ext uri="{FF2B5EF4-FFF2-40B4-BE49-F238E27FC236}">
-                <a16:creationId xmlns:a16="http://schemas.microsoft.com/office/drawing/2014/main" id="{5045B905-780B-983A-50A5-099CC5F812C8}"/>
+                <a16:creationId xmlns:a16="http://schemas.microsoft.com/office/drawing/2014/main" id="{8B07AB84-C223-320B-881C-FC4669F61BF7}"/>
               </a:ext>
             </a:extLst>
           </p:cNvPr>
@@ -21972,10 +23161,1002 @@
           </a:p>
         </p:txBody>
       </p:sp>
+      <p:pic>
+        <p:nvPicPr>
+          <p:cNvPr id="5" name="Imagem 4" descr="Uma imagem com texto, Tipo de letra, captura de ecrã, branco&#10;&#10;Descrição gerada automaticamente">
+            <a:extLst>
+              <a:ext uri="{FF2B5EF4-FFF2-40B4-BE49-F238E27FC236}">
+                <a16:creationId xmlns:a16="http://schemas.microsoft.com/office/drawing/2014/main" id="{AB098F7A-A1E4-C037-EE35-0BCC95091725}"/>
+              </a:ext>
+            </a:extLst>
+          </p:cNvPr>
+          <p:cNvPicPr>
+            <a:picLocks noChangeAspect="1"/>
+          </p:cNvPicPr>
+          <p:nvPr/>
+        </p:nvPicPr>
+        <p:blipFill>
+          <a:blip r:embed="rId3"/>
+          <a:stretch>
+            <a:fillRect/>
+          </a:stretch>
+        </p:blipFill>
+        <p:spPr>
+          <a:xfrm>
+            <a:off x="1039640" y="3343790"/>
+            <a:ext cx="5705475" cy="1200150"/>
+          </a:xfrm>
+          <a:prstGeom prst="rect">
+            <a:avLst/>
+          </a:prstGeom>
+        </p:spPr>
+      </p:pic>
+      <p:sp>
+        <p:nvSpPr>
+          <p:cNvPr id="13" name="CaixaDeTexto 12">
+            <a:extLst>
+              <a:ext uri="{FF2B5EF4-FFF2-40B4-BE49-F238E27FC236}">
+                <a16:creationId xmlns:a16="http://schemas.microsoft.com/office/drawing/2014/main" id="{DA0811D5-4C5E-875D-ECB2-ED2C542BBD4B}"/>
+              </a:ext>
+            </a:extLst>
+          </p:cNvPr>
+          <p:cNvSpPr txBox="1"/>
+          <p:nvPr/>
+        </p:nvSpPr>
+        <p:spPr>
+          <a:xfrm>
+            <a:off x="7753864" y="2440459"/>
+            <a:ext cx="4050955" cy="2308324"/>
+          </a:xfrm>
+          <a:prstGeom prst="rect">
+            <a:avLst/>
+          </a:prstGeom>
+          <a:noFill/>
+          <a:ln w="28575">
+            <a:solidFill>
+              <a:schemeClr val="accent1"/>
+            </a:solidFill>
+          </a:ln>
+        </p:spPr>
+        <p:txBody>
+          <a:bodyPr rot="0" spcFirstLastPara="0" vertOverflow="overflow" horzOverflow="overflow" vert="horz" wrap="square" lIns="91440" tIns="45720" rIns="91440" bIns="45720" numCol="1" spcCol="0" rtlCol="0" fromWordArt="0" anchor="t" anchorCtr="0" forceAA="0" compatLnSpc="1">
+            <a:prstTxWarp prst="textNoShape">
+              <a:avLst/>
+            </a:prstTxWarp>
+            <a:spAutoFit/>
+          </a:bodyPr>
+          <a:lstStyle/>
+          <a:p>
+            <a:r>
+              <a:rPr lang="pt-PT" sz="1200" b="1" dirty="0">
+                <a:ea typeface="+mn-lt"/>
+                <a:cs typeface="+mn-lt"/>
+              </a:rPr>
+              <a:t>PI</a:t>
+            </a:r>
+            <a:r>
+              <a:rPr lang="pt-PT" sz="1200" dirty="0">
+                <a:ea typeface="+mn-lt"/>
+                <a:cs typeface="+mn-lt"/>
+              </a:rPr>
+              <a:t>: </a:t>
+            </a:r>
+            <a:r>
+              <a:rPr lang="pt-PT" sz="1200" err="1">
+                <a:ea typeface="+mn-lt"/>
+                <a:cs typeface="+mn-lt"/>
+              </a:rPr>
+              <a:t>Probability</a:t>
+            </a:r>
+            <a:r>
+              <a:rPr lang="pt-PT" sz="1200" dirty="0">
+                <a:ea typeface="+mn-lt"/>
+                <a:cs typeface="+mn-lt"/>
+              </a:rPr>
+              <a:t> </a:t>
+            </a:r>
+            <a:r>
+              <a:rPr lang="pt-PT" sz="1200" err="1">
+                <a:ea typeface="+mn-lt"/>
+                <a:cs typeface="+mn-lt"/>
+              </a:rPr>
+              <a:t>of</a:t>
+            </a:r>
+            <a:r>
+              <a:rPr lang="pt-PT" sz="1200" dirty="0">
+                <a:ea typeface="+mn-lt"/>
+                <a:cs typeface="+mn-lt"/>
+              </a:rPr>
+              <a:t> </a:t>
+            </a:r>
+            <a:r>
+              <a:rPr lang="pt-PT" sz="1200" err="1">
+                <a:ea typeface="+mn-lt"/>
+                <a:cs typeface="+mn-lt"/>
+              </a:rPr>
+              <a:t>Improvement</a:t>
+            </a:r>
+            <a:r>
+              <a:rPr lang="pt-PT" sz="1200" dirty="0">
+                <a:ea typeface="+mn-lt"/>
+                <a:cs typeface="+mn-lt"/>
+              </a:rPr>
+              <a:t>.</a:t>
+            </a:r>
+            <a:endParaRPr lang="pt-PT" sz="1200"/>
+          </a:p>
+          <a:p>
+            <a:r>
+              <a:rPr lang="pt-PT" sz="1200" b="1" dirty="0" err="1">
+                <a:ea typeface="+mn-lt"/>
+                <a:cs typeface="+mn-lt"/>
+              </a:rPr>
+              <a:t>Pr</a:t>
+            </a:r>
+            <a:r>
+              <a:rPr lang="pt-PT" sz="1200" dirty="0">
+                <a:ea typeface="+mn-lt"/>
+                <a:cs typeface="+mn-lt"/>
+              </a:rPr>
+              <a:t>: </a:t>
+            </a:r>
+            <a:r>
+              <a:rPr lang="pt-PT" sz="1200" dirty="0" err="1">
+                <a:ea typeface="+mn-lt"/>
+                <a:cs typeface="+mn-lt"/>
+              </a:rPr>
+              <a:t>Probability</a:t>
+            </a:r>
+            <a:r>
+              <a:rPr lang="pt-PT" sz="1200" dirty="0">
+                <a:ea typeface="+mn-lt"/>
+                <a:cs typeface="+mn-lt"/>
+              </a:rPr>
+              <a:t>.</a:t>
+            </a:r>
+            <a:endParaRPr lang="pt-PT" sz="1200"/>
+          </a:p>
+          <a:p>
+            <a:r>
+              <a:rPr lang="pt-PT" sz="1200" b="1" dirty="0">
+                <a:ea typeface="+mn-lt"/>
+                <a:cs typeface="+mn-lt"/>
+              </a:rPr>
+              <a:t>f(θ)</a:t>
+            </a:r>
+            <a:r>
+              <a:rPr lang="pt-PT" sz="1200" dirty="0">
+                <a:ea typeface="+mn-lt"/>
+                <a:cs typeface="+mn-lt"/>
+              </a:rPr>
+              <a:t>: </a:t>
+            </a:r>
+            <a:r>
+              <a:rPr lang="pt-PT" sz="1200" dirty="0" err="1">
+                <a:ea typeface="+mn-lt"/>
+                <a:cs typeface="+mn-lt"/>
+              </a:rPr>
+              <a:t>The</a:t>
+            </a:r>
+            <a:r>
+              <a:rPr lang="pt-PT" sz="1200" dirty="0">
+                <a:ea typeface="+mn-lt"/>
+                <a:cs typeface="+mn-lt"/>
+              </a:rPr>
+              <a:t> </a:t>
+            </a:r>
+            <a:r>
+              <a:rPr lang="pt-PT" sz="1200" dirty="0" err="1">
+                <a:ea typeface="+mn-lt"/>
+                <a:cs typeface="+mn-lt"/>
+              </a:rPr>
+              <a:t>objective</a:t>
+            </a:r>
+            <a:r>
+              <a:rPr lang="pt-PT" sz="1200" dirty="0">
+                <a:ea typeface="+mn-lt"/>
+                <a:cs typeface="+mn-lt"/>
+              </a:rPr>
+              <a:t> </a:t>
+            </a:r>
+            <a:r>
+              <a:rPr lang="pt-PT" sz="1200" dirty="0" err="1">
+                <a:ea typeface="+mn-lt"/>
+                <a:cs typeface="+mn-lt"/>
+              </a:rPr>
+              <a:t>function</a:t>
+            </a:r>
+            <a:r>
+              <a:rPr lang="pt-PT" sz="1200" dirty="0">
+                <a:ea typeface="+mn-lt"/>
+                <a:cs typeface="+mn-lt"/>
+              </a:rPr>
+              <a:t> </a:t>
+            </a:r>
+            <a:r>
+              <a:rPr lang="pt-PT" sz="1200" dirty="0" err="1">
+                <a:ea typeface="+mn-lt"/>
+                <a:cs typeface="+mn-lt"/>
+              </a:rPr>
+              <a:t>value</a:t>
+            </a:r>
+            <a:r>
+              <a:rPr lang="pt-PT" sz="1200" dirty="0">
+                <a:ea typeface="+mn-lt"/>
+                <a:cs typeface="+mn-lt"/>
+              </a:rPr>
+              <a:t> </a:t>
+            </a:r>
+            <a:r>
+              <a:rPr lang="pt-PT" sz="1200" dirty="0" err="1">
+                <a:ea typeface="+mn-lt"/>
+                <a:cs typeface="+mn-lt"/>
+              </a:rPr>
+              <a:t>at</a:t>
+            </a:r>
+            <a:r>
+              <a:rPr lang="pt-PT" sz="1200" dirty="0">
+                <a:ea typeface="+mn-lt"/>
+                <a:cs typeface="+mn-lt"/>
+              </a:rPr>
+              <a:t> a </a:t>
+            </a:r>
+            <a:r>
+              <a:rPr lang="pt-PT" sz="1200" dirty="0" err="1">
+                <a:ea typeface="+mn-lt"/>
+                <a:cs typeface="+mn-lt"/>
+              </a:rPr>
+              <a:t>specific</a:t>
+            </a:r>
+            <a:r>
+              <a:rPr lang="pt-PT" sz="1200" dirty="0">
+                <a:ea typeface="+mn-lt"/>
+                <a:cs typeface="+mn-lt"/>
+              </a:rPr>
+              <a:t> </a:t>
+            </a:r>
+            <a:r>
+              <a:rPr lang="pt-PT" sz="1200" dirty="0" err="1">
+                <a:ea typeface="+mn-lt"/>
+                <a:cs typeface="+mn-lt"/>
+              </a:rPr>
+              <a:t>point</a:t>
+            </a:r>
+            <a:r>
+              <a:rPr lang="pt-PT" sz="1200" dirty="0">
+                <a:ea typeface="+mn-lt"/>
+                <a:cs typeface="+mn-lt"/>
+              </a:rPr>
+              <a:t> θ in </a:t>
+            </a:r>
+            <a:r>
+              <a:rPr lang="pt-PT" sz="1200" dirty="0" err="1">
+                <a:ea typeface="+mn-lt"/>
+                <a:cs typeface="+mn-lt"/>
+              </a:rPr>
+              <a:t>the</a:t>
+            </a:r>
+            <a:r>
+              <a:rPr lang="pt-PT" sz="1200" dirty="0">
+                <a:ea typeface="+mn-lt"/>
+                <a:cs typeface="+mn-lt"/>
+              </a:rPr>
+              <a:t> </a:t>
+            </a:r>
+            <a:r>
+              <a:rPr lang="pt-PT" sz="1200" dirty="0" err="1">
+                <a:ea typeface="+mn-lt"/>
+                <a:cs typeface="+mn-lt"/>
+              </a:rPr>
+              <a:t>parameter</a:t>
+            </a:r>
+            <a:r>
+              <a:rPr lang="pt-PT" sz="1200" dirty="0">
+                <a:ea typeface="+mn-lt"/>
+                <a:cs typeface="+mn-lt"/>
+              </a:rPr>
+              <a:t> </a:t>
+            </a:r>
+            <a:r>
+              <a:rPr lang="pt-PT" sz="1200" dirty="0" err="1">
+                <a:ea typeface="+mn-lt"/>
+                <a:cs typeface="+mn-lt"/>
+              </a:rPr>
+              <a:t>space</a:t>
+            </a:r>
+            <a:r>
+              <a:rPr lang="pt-PT" sz="1200" dirty="0">
+                <a:ea typeface="+mn-lt"/>
+                <a:cs typeface="+mn-lt"/>
+              </a:rPr>
+              <a:t>. </a:t>
+            </a:r>
+            <a:r>
+              <a:rPr lang="pt-PT" sz="1200" dirty="0" err="1">
+                <a:ea typeface="+mn-lt"/>
+                <a:cs typeface="+mn-lt"/>
+              </a:rPr>
+              <a:t>This</a:t>
+            </a:r>
+            <a:r>
+              <a:rPr lang="pt-PT" sz="1200" dirty="0">
+                <a:ea typeface="+mn-lt"/>
+                <a:cs typeface="+mn-lt"/>
+              </a:rPr>
+              <a:t> </a:t>
+            </a:r>
+            <a:r>
+              <a:rPr lang="pt-PT" sz="1200" dirty="0" err="1">
+                <a:ea typeface="+mn-lt"/>
+                <a:cs typeface="+mn-lt"/>
+              </a:rPr>
+              <a:t>function</a:t>
+            </a:r>
+            <a:r>
+              <a:rPr lang="pt-PT" sz="1200" dirty="0">
+                <a:ea typeface="+mn-lt"/>
+                <a:cs typeface="+mn-lt"/>
+              </a:rPr>
+              <a:t> </a:t>
+            </a:r>
+            <a:r>
+              <a:rPr lang="pt-PT" sz="1200" dirty="0" err="1">
+                <a:ea typeface="+mn-lt"/>
+                <a:cs typeface="+mn-lt"/>
+              </a:rPr>
+              <a:t>represents</a:t>
+            </a:r>
+            <a:r>
+              <a:rPr lang="pt-PT" sz="1200" dirty="0">
+                <a:ea typeface="+mn-lt"/>
+                <a:cs typeface="+mn-lt"/>
+              </a:rPr>
+              <a:t> </a:t>
+            </a:r>
+            <a:r>
+              <a:rPr lang="pt-PT" sz="1200" dirty="0" err="1">
+                <a:ea typeface="+mn-lt"/>
+                <a:cs typeface="+mn-lt"/>
+              </a:rPr>
+              <a:t>the</a:t>
+            </a:r>
+            <a:r>
+              <a:rPr lang="pt-PT" sz="1200" dirty="0">
+                <a:ea typeface="+mn-lt"/>
+                <a:cs typeface="+mn-lt"/>
+              </a:rPr>
+              <a:t> performance </a:t>
+            </a:r>
+            <a:r>
+              <a:rPr lang="pt-PT" sz="1200" dirty="0" err="1">
+                <a:ea typeface="+mn-lt"/>
+                <a:cs typeface="+mn-lt"/>
+              </a:rPr>
+              <a:t>measure</a:t>
+            </a:r>
+            <a:r>
+              <a:rPr lang="pt-PT" sz="1200" dirty="0">
+                <a:ea typeface="+mn-lt"/>
+                <a:cs typeface="+mn-lt"/>
+              </a:rPr>
+              <a:t> </a:t>
+            </a:r>
+            <a:r>
+              <a:rPr lang="pt-PT" sz="1200" dirty="0" err="1">
+                <a:ea typeface="+mn-lt"/>
+                <a:cs typeface="+mn-lt"/>
+              </a:rPr>
+              <a:t>being</a:t>
+            </a:r>
+            <a:r>
+              <a:rPr lang="pt-PT" sz="1200" dirty="0">
+                <a:ea typeface="+mn-lt"/>
+                <a:cs typeface="+mn-lt"/>
+              </a:rPr>
+              <a:t> </a:t>
+            </a:r>
+            <a:r>
+              <a:rPr lang="pt-PT" sz="1200" dirty="0" err="1">
+                <a:ea typeface="+mn-lt"/>
+                <a:cs typeface="+mn-lt"/>
+              </a:rPr>
+              <a:t>optimized</a:t>
+            </a:r>
+            <a:r>
+              <a:rPr lang="pt-PT" sz="1200" dirty="0">
+                <a:ea typeface="+mn-lt"/>
+                <a:cs typeface="+mn-lt"/>
+              </a:rPr>
+              <a:t> (e.g., </a:t>
+            </a:r>
+            <a:r>
+              <a:rPr lang="pt-PT" sz="1200" dirty="0" err="1">
+                <a:ea typeface="+mn-lt"/>
+                <a:cs typeface="+mn-lt"/>
+              </a:rPr>
+              <a:t>accuracy</a:t>
+            </a:r>
+            <a:r>
+              <a:rPr lang="pt-PT" sz="1200" dirty="0">
+                <a:ea typeface="+mn-lt"/>
+                <a:cs typeface="+mn-lt"/>
+              </a:rPr>
+              <a:t>, </a:t>
+            </a:r>
+            <a:r>
+              <a:rPr lang="pt-PT" sz="1200" dirty="0" err="1">
+                <a:ea typeface="+mn-lt"/>
+                <a:cs typeface="+mn-lt"/>
+              </a:rPr>
+              <a:t>loss</a:t>
+            </a:r>
+            <a:r>
+              <a:rPr lang="pt-PT" sz="1200" dirty="0">
+                <a:ea typeface="+mn-lt"/>
+                <a:cs typeface="+mn-lt"/>
+              </a:rPr>
+              <a:t>).</a:t>
+            </a:r>
+            <a:endParaRPr lang="pt-PT" sz="1200"/>
+          </a:p>
+          <a:p>
+            <a:r>
+              <a:rPr lang="pt-PT" sz="1200" b="1" dirty="0">
+                <a:ea typeface="+mn-lt"/>
+                <a:cs typeface="+mn-lt"/>
+              </a:rPr>
+              <a:t>γ</a:t>
+            </a:r>
+            <a:r>
+              <a:rPr lang="pt-PT" sz="1200" dirty="0">
+                <a:ea typeface="+mn-lt"/>
+                <a:cs typeface="+mn-lt"/>
+              </a:rPr>
+              <a:t>: </a:t>
+            </a:r>
+            <a:r>
+              <a:rPr lang="pt-PT" sz="1200" dirty="0" err="1">
+                <a:ea typeface="+mn-lt"/>
+                <a:cs typeface="+mn-lt"/>
+              </a:rPr>
+              <a:t>The</a:t>
+            </a:r>
+            <a:r>
+              <a:rPr lang="pt-PT" sz="1200" dirty="0">
+                <a:ea typeface="+mn-lt"/>
+                <a:cs typeface="+mn-lt"/>
+              </a:rPr>
+              <a:t> </a:t>
+            </a:r>
+            <a:r>
+              <a:rPr lang="pt-PT" sz="1200" dirty="0" err="1">
+                <a:ea typeface="+mn-lt"/>
+                <a:cs typeface="+mn-lt"/>
+              </a:rPr>
+              <a:t>best</a:t>
+            </a:r>
+            <a:r>
+              <a:rPr lang="pt-PT" sz="1200" dirty="0">
+                <a:ea typeface="+mn-lt"/>
+                <a:cs typeface="+mn-lt"/>
+              </a:rPr>
+              <a:t> </a:t>
+            </a:r>
+            <a:r>
+              <a:rPr lang="pt-PT" sz="1200" dirty="0" err="1">
+                <a:ea typeface="+mn-lt"/>
+                <a:cs typeface="+mn-lt"/>
+              </a:rPr>
+              <a:t>value</a:t>
+            </a:r>
+            <a:r>
+              <a:rPr lang="pt-PT" sz="1200" dirty="0">
+                <a:ea typeface="+mn-lt"/>
+                <a:cs typeface="+mn-lt"/>
+              </a:rPr>
+              <a:t> </a:t>
+            </a:r>
+            <a:r>
+              <a:rPr lang="pt-PT" sz="1200" dirty="0" err="1">
+                <a:ea typeface="+mn-lt"/>
+                <a:cs typeface="+mn-lt"/>
+              </a:rPr>
+              <a:t>obtained</a:t>
+            </a:r>
+            <a:r>
+              <a:rPr lang="pt-PT" sz="1200" dirty="0">
+                <a:ea typeface="+mn-lt"/>
+                <a:cs typeface="+mn-lt"/>
+              </a:rPr>
+              <a:t> </a:t>
+            </a:r>
+            <a:r>
+              <a:rPr lang="pt-PT" sz="1200" dirty="0" err="1">
+                <a:ea typeface="+mn-lt"/>
+                <a:cs typeface="+mn-lt"/>
+              </a:rPr>
+              <a:t>so</a:t>
+            </a:r>
+            <a:r>
+              <a:rPr lang="pt-PT" sz="1200" dirty="0">
+                <a:ea typeface="+mn-lt"/>
+                <a:cs typeface="+mn-lt"/>
+              </a:rPr>
+              <a:t> </a:t>
+            </a:r>
+            <a:r>
+              <a:rPr lang="pt-PT" sz="1200" dirty="0" err="1">
+                <a:ea typeface="+mn-lt"/>
+                <a:cs typeface="+mn-lt"/>
+              </a:rPr>
+              <a:t>far</a:t>
+            </a:r>
+            <a:r>
+              <a:rPr lang="pt-PT" sz="1200" dirty="0">
+                <a:ea typeface="+mn-lt"/>
+                <a:cs typeface="+mn-lt"/>
+              </a:rPr>
+              <a:t> (</a:t>
+            </a:r>
+            <a:r>
+              <a:rPr lang="pt-PT" sz="1200" dirty="0" err="1">
+                <a:ea typeface="+mn-lt"/>
+                <a:cs typeface="+mn-lt"/>
+              </a:rPr>
+              <a:t>the</a:t>
+            </a:r>
+            <a:r>
+              <a:rPr lang="pt-PT" sz="1200" dirty="0">
+                <a:ea typeface="+mn-lt"/>
+                <a:cs typeface="+mn-lt"/>
+              </a:rPr>
+              <a:t> </a:t>
+            </a:r>
+            <a:r>
+              <a:rPr lang="pt-PT" sz="1200" dirty="0" err="1">
+                <a:ea typeface="+mn-lt"/>
+                <a:cs typeface="+mn-lt"/>
+              </a:rPr>
+              <a:t>optimal</a:t>
+            </a:r>
+            <a:r>
+              <a:rPr lang="pt-PT" sz="1200" dirty="0">
+                <a:ea typeface="+mn-lt"/>
+                <a:cs typeface="+mn-lt"/>
+              </a:rPr>
+              <a:t> </a:t>
+            </a:r>
+            <a:r>
+              <a:rPr lang="pt-PT" sz="1200" dirty="0" err="1">
+                <a:ea typeface="+mn-lt"/>
+                <a:cs typeface="+mn-lt"/>
+              </a:rPr>
+              <a:t>value</a:t>
+            </a:r>
+            <a:r>
+              <a:rPr lang="pt-PT" sz="1200" dirty="0">
+                <a:ea typeface="+mn-lt"/>
+                <a:cs typeface="+mn-lt"/>
+              </a:rPr>
+              <a:t>) </a:t>
+            </a:r>
+            <a:r>
+              <a:rPr lang="pt-PT" sz="1200" dirty="0" err="1">
+                <a:ea typeface="+mn-lt"/>
+                <a:cs typeface="+mn-lt"/>
+              </a:rPr>
+              <a:t>during</a:t>
+            </a:r>
+            <a:r>
+              <a:rPr lang="pt-PT" sz="1200" dirty="0">
+                <a:ea typeface="+mn-lt"/>
+                <a:cs typeface="+mn-lt"/>
+              </a:rPr>
+              <a:t> </a:t>
+            </a:r>
+            <a:r>
+              <a:rPr lang="pt-PT" sz="1200" dirty="0" err="1">
+                <a:ea typeface="+mn-lt"/>
+                <a:cs typeface="+mn-lt"/>
+              </a:rPr>
+              <a:t>the</a:t>
+            </a:r>
+            <a:r>
+              <a:rPr lang="pt-PT" sz="1200" dirty="0">
+                <a:ea typeface="+mn-lt"/>
+                <a:cs typeface="+mn-lt"/>
+              </a:rPr>
+              <a:t> </a:t>
+            </a:r>
+            <a:r>
+              <a:rPr lang="pt-PT" sz="1200" dirty="0" err="1">
+                <a:ea typeface="+mn-lt"/>
+                <a:cs typeface="+mn-lt"/>
+              </a:rPr>
+              <a:t>optimization</a:t>
+            </a:r>
+            <a:r>
+              <a:rPr lang="pt-PT" sz="1200" dirty="0">
+                <a:ea typeface="+mn-lt"/>
+                <a:cs typeface="+mn-lt"/>
+              </a:rPr>
+              <a:t> </a:t>
+            </a:r>
+            <a:r>
+              <a:rPr lang="pt-PT" sz="1200" dirty="0" err="1">
+                <a:ea typeface="+mn-lt"/>
+                <a:cs typeface="+mn-lt"/>
+              </a:rPr>
+              <a:t>process</a:t>
+            </a:r>
+            <a:r>
+              <a:rPr lang="pt-PT" sz="1200" dirty="0">
+                <a:ea typeface="+mn-lt"/>
+                <a:cs typeface="+mn-lt"/>
+              </a:rPr>
+              <a:t>.</a:t>
+            </a:r>
+            <a:endParaRPr lang="pt-PT" sz="1200"/>
+          </a:p>
+          <a:p>
+            <a:r>
+              <a:rPr lang="pt-PT" sz="1200" b="1" dirty="0">
+                <a:ea typeface="+mn-lt"/>
+                <a:cs typeface="+mn-lt"/>
+              </a:rPr>
+              <a:t>ε</a:t>
+            </a:r>
+            <a:r>
+              <a:rPr lang="pt-PT" sz="1200" dirty="0">
+                <a:ea typeface="+mn-lt"/>
+                <a:cs typeface="+mn-lt"/>
+              </a:rPr>
+              <a:t>: A </a:t>
+            </a:r>
+            <a:r>
+              <a:rPr lang="pt-PT" sz="1200" dirty="0" err="1">
+                <a:ea typeface="+mn-lt"/>
+                <a:cs typeface="+mn-lt"/>
+              </a:rPr>
+              <a:t>small</a:t>
+            </a:r>
+            <a:r>
+              <a:rPr lang="pt-PT" sz="1200" dirty="0">
+                <a:ea typeface="+mn-lt"/>
+                <a:cs typeface="+mn-lt"/>
+              </a:rPr>
+              <a:t> positive </a:t>
+            </a:r>
+            <a:r>
+              <a:rPr lang="pt-PT" sz="1200" dirty="0" err="1">
+                <a:ea typeface="+mn-lt"/>
+                <a:cs typeface="+mn-lt"/>
+              </a:rPr>
+              <a:t>value</a:t>
+            </a:r>
+            <a:r>
+              <a:rPr lang="pt-PT" sz="1200" dirty="0">
+                <a:ea typeface="+mn-lt"/>
+                <a:cs typeface="+mn-lt"/>
+              </a:rPr>
+              <a:t> </a:t>
+            </a:r>
+            <a:r>
+              <a:rPr lang="pt-PT" sz="1200" dirty="0" err="1">
+                <a:ea typeface="+mn-lt"/>
+                <a:cs typeface="+mn-lt"/>
+              </a:rPr>
+              <a:t>that</a:t>
+            </a:r>
+            <a:r>
+              <a:rPr lang="pt-PT" sz="1200" dirty="0">
+                <a:ea typeface="+mn-lt"/>
+                <a:cs typeface="+mn-lt"/>
+              </a:rPr>
+              <a:t> </a:t>
+            </a:r>
+            <a:r>
+              <a:rPr lang="pt-PT" sz="1200" dirty="0" err="1">
+                <a:ea typeface="+mn-lt"/>
+                <a:cs typeface="+mn-lt"/>
+              </a:rPr>
+              <a:t>represents</a:t>
+            </a:r>
+            <a:r>
+              <a:rPr lang="pt-PT" sz="1200" dirty="0">
+                <a:ea typeface="+mn-lt"/>
+                <a:cs typeface="+mn-lt"/>
+              </a:rPr>
+              <a:t> a </a:t>
+            </a:r>
+            <a:r>
+              <a:rPr lang="pt-PT" sz="1200" dirty="0" err="1">
+                <a:ea typeface="+mn-lt"/>
+                <a:cs typeface="+mn-lt"/>
+              </a:rPr>
+              <a:t>margin</a:t>
+            </a:r>
+            <a:r>
+              <a:rPr lang="pt-PT" sz="1200" dirty="0">
+                <a:ea typeface="+mn-lt"/>
+                <a:cs typeface="+mn-lt"/>
+              </a:rPr>
+              <a:t> </a:t>
+            </a:r>
+            <a:r>
+              <a:rPr lang="pt-PT" sz="1200" dirty="0" err="1">
+                <a:ea typeface="+mn-lt"/>
+                <a:cs typeface="+mn-lt"/>
+              </a:rPr>
+              <a:t>of</a:t>
+            </a:r>
+            <a:r>
+              <a:rPr lang="pt-PT" sz="1200" dirty="0">
+                <a:ea typeface="+mn-lt"/>
+                <a:cs typeface="+mn-lt"/>
+              </a:rPr>
+              <a:t> </a:t>
+            </a:r>
+            <a:r>
+              <a:rPr lang="pt-PT" sz="1200" dirty="0" err="1">
+                <a:ea typeface="+mn-lt"/>
+                <a:cs typeface="+mn-lt"/>
+              </a:rPr>
+              <a:t>improvement</a:t>
+            </a:r>
+            <a:r>
+              <a:rPr lang="pt-PT" sz="1200" dirty="0">
+                <a:ea typeface="+mn-lt"/>
+                <a:cs typeface="+mn-lt"/>
+              </a:rPr>
+              <a:t>. </a:t>
+            </a:r>
+            <a:r>
+              <a:rPr lang="pt-PT" sz="1200" dirty="0" err="1">
+                <a:ea typeface="+mn-lt"/>
+                <a:cs typeface="+mn-lt"/>
+              </a:rPr>
+              <a:t>It</a:t>
+            </a:r>
+            <a:r>
+              <a:rPr lang="pt-PT" sz="1200" dirty="0">
+                <a:ea typeface="+mn-lt"/>
+                <a:cs typeface="+mn-lt"/>
+              </a:rPr>
+              <a:t> </a:t>
+            </a:r>
+            <a:r>
+              <a:rPr lang="pt-PT" sz="1200" dirty="0" err="1">
+                <a:ea typeface="+mn-lt"/>
+                <a:cs typeface="+mn-lt"/>
+              </a:rPr>
+              <a:t>is</a:t>
+            </a:r>
+            <a:r>
+              <a:rPr lang="pt-PT" sz="1200" dirty="0">
+                <a:ea typeface="+mn-lt"/>
+                <a:cs typeface="+mn-lt"/>
+              </a:rPr>
+              <a:t> </a:t>
+            </a:r>
+            <a:r>
+              <a:rPr lang="pt-PT" sz="1200" dirty="0" err="1">
+                <a:ea typeface="+mn-lt"/>
+                <a:cs typeface="+mn-lt"/>
+              </a:rPr>
+              <a:t>used</a:t>
+            </a:r>
+            <a:r>
+              <a:rPr lang="pt-PT" sz="1200" dirty="0">
+                <a:ea typeface="+mn-lt"/>
+                <a:cs typeface="+mn-lt"/>
+              </a:rPr>
+              <a:t> to define </a:t>
+            </a:r>
+            <a:r>
+              <a:rPr lang="pt-PT" sz="1200" dirty="0" err="1">
+                <a:ea typeface="+mn-lt"/>
+                <a:cs typeface="+mn-lt"/>
+              </a:rPr>
+              <a:t>how</a:t>
+            </a:r>
+            <a:r>
+              <a:rPr lang="pt-PT" sz="1200" dirty="0">
+                <a:ea typeface="+mn-lt"/>
+                <a:cs typeface="+mn-lt"/>
+              </a:rPr>
+              <a:t> </a:t>
+            </a:r>
+            <a:r>
+              <a:rPr lang="pt-PT" sz="1200" dirty="0" err="1">
+                <a:ea typeface="+mn-lt"/>
+                <a:cs typeface="+mn-lt"/>
+              </a:rPr>
+              <a:t>much</a:t>
+            </a:r>
+            <a:r>
+              <a:rPr lang="pt-PT" sz="1200" dirty="0">
+                <a:ea typeface="+mn-lt"/>
+                <a:cs typeface="+mn-lt"/>
+              </a:rPr>
+              <a:t> </a:t>
+            </a:r>
+            <a:r>
+              <a:rPr lang="pt-PT" sz="1200" dirty="0" err="1">
+                <a:ea typeface="+mn-lt"/>
+                <a:cs typeface="+mn-lt"/>
+              </a:rPr>
+              <a:t>better</a:t>
+            </a:r>
+            <a:r>
+              <a:rPr lang="pt-PT" sz="1200" dirty="0">
+                <a:ea typeface="+mn-lt"/>
+                <a:cs typeface="+mn-lt"/>
+              </a:rPr>
+              <a:t> a </a:t>
+            </a:r>
+            <a:r>
+              <a:rPr lang="pt-PT" sz="1200" dirty="0" err="1">
+                <a:ea typeface="+mn-lt"/>
+                <a:cs typeface="+mn-lt"/>
+              </a:rPr>
+              <a:t>new</a:t>
+            </a:r>
+            <a:r>
+              <a:rPr lang="pt-PT" sz="1200" dirty="0">
+                <a:ea typeface="+mn-lt"/>
+                <a:cs typeface="+mn-lt"/>
+              </a:rPr>
+              <a:t> sample must </a:t>
+            </a:r>
+            <a:r>
+              <a:rPr lang="pt-PT" sz="1200" dirty="0" err="1">
+                <a:ea typeface="+mn-lt"/>
+                <a:cs typeface="+mn-lt"/>
+              </a:rPr>
+              <a:t>be</a:t>
+            </a:r>
+            <a:r>
+              <a:rPr lang="pt-PT" sz="1200" dirty="0">
+                <a:ea typeface="+mn-lt"/>
+                <a:cs typeface="+mn-lt"/>
+              </a:rPr>
+              <a:t> </a:t>
+            </a:r>
+            <a:r>
+              <a:rPr lang="pt-PT" sz="1200" dirty="0" err="1">
+                <a:ea typeface="+mn-lt"/>
+                <a:cs typeface="+mn-lt"/>
+              </a:rPr>
+              <a:t>compared</a:t>
+            </a:r>
+            <a:r>
+              <a:rPr lang="pt-PT" sz="1200" dirty="0">
+                <a:ea typeface="+mn-lt"/>
+                <a:cs typeface="+mn-lt"/>
+              </a:rPr>
+              <a:t> to </a:t>
+            </a:r>
+            <a:r>
+              <a:rPr lang="pt-PT" sz="1200" dirty="0" err="1">
+                <a:ea typeface="+mn-lt"/>
+                <a:cs typeface="+mn-lt"/>
+              </a:rPr>
+              <a:t>the</a:t>
+            </a:r>
+            <a:r>
+              <a:rPr lang="pt-PT" sz="1200" dirty="0">
+                <a:ea typeface="+mn-lt"/>
+                <a:cs typeface="+mn-lt"/>
+              </a:rPr>
+              <a:t> </a:t>
+            </a:r>
+            <a:r>
+              <a:rPr lang="pt-PT" sz="1200" dirty="0" err="1">
+                <a:ea typeface="+mn-lt"/>
+                <a:cs typeface="+mn-lt"/>
+              </a:rPr>
+              <a:t>current</a:t>
+            </a:r>
+            <a:r>
+              <a:rPr lang="pt-PT" sz="1200" dirty="0">
+                <a:ea typeface="+mn-lt"/>
+                <a:cs typeface="+mn-lt"/>
+              </a:rPr>
+              <a:t> </a:t>
+            </a:r>
+            <a:r>
+              <a:rPr lang="pt-PT" sz="1200" dirty="0" err="1">
+                <a:ea typeface="+mn-lt"/>
+                <a:cs typeface="+mn-lt"/>
+              </a:rPr>
+              <a:t>best</a:t>
+            </a:r>
+            <a:r>
+              <a:rPr lang="pt-PT" sz="1200" dirty="0">
+                <a:ea typeface="+mn-lt"/>
+                <a:cs typeface="+mn-lt"/>
+              </a:rPr>
+              <a:t> </a:t>
+            </a:r>
+            <a:r>
+              <a:rPr lang="pt-PT" sz="1200" dirty="0" err="1">
+                <a:ea typeface="+mn-lt"/>
+                <a:cs typeface="+mn-lt"/>
+              </a:rPr>
+              <a:t>value</a:t>
+            </a:r>
+            <a:r>
+              <a:rPr lang="pt-PT" sz="1200" dirty="0">
+                <a:ea typeface="+mn-lt"/>
+                <a:cs typeface="+mn-lt"/>
+              </a:rPr>
+              <a:t> γ to </a:t>
+            </a:r>
+            <a:r>
+              <a:rPr lang="pt-PT" sz="1200" dirty="0" err="1">
+                <a:ea typeface="+mn-lt"/>
+                <a:cs typeface="+mn-lt"/>
+              </a:rPr>
+              <a:t>be</a:t>
+            </a:r>
+            <a:r>
+              <a:rPr lang="pt-PT" sz="1200" dirty="0">
+                <a:ea typeface="+mn-lt"/>
+                <a:cs typeface="+mn-lt"/>
+              </a:rPr>
+              <a:t> </a:t>
+            </a:r>
+            <a:r>
+              <a:rPr lang="pt-PT" sz="1200" dirty="0" err="1">
+                <a:ea typeface="+mn-lt"/>
+                <a:cs typeface="+mn-lt"/>
+              </a:rPr>
+              <a:t>considered</a:t>
+            </a:r>
+            <a:r>
+              <a:rPr lang="pt-PT" sz="1200" dirty="0">
+                <a:ea typeface="+mn-lt"/>
+                <a:cs typeface="+mn-lt"/>
+              </a:rPr>
+              <a:t> </a:t>
+            </a:r>
+            <a:r>
+              <a:rPr lang="pt-PT" sz="1200" dirty="0" err="1">
+                <a:ea typeface="+mn-lt"/>
+                <a:cs typeface="+mn-lt"/>
+              </a:rPr>
+              <a:t>an</a:t>
+            </a:r>
+            <a:r>
+              <a:rPr lang="pt-PT" sz="1200" dirty="0">
+                <a:ea typeface="+mn-lt"/>
+                <a:cs typeface="+mn-lt"/>
+              </a:rPr>
+              <a:t> </a:t>
+            </a:r>
+            <a:r>
+              <a:rPr lang="pt-PT" sz="1200" dirty="0" err="1">
+                <a:ea typeface="+mn-lt"/>
+                <a:cs typeface="+mn-lt"/>
+              </a:rPr>
+              <a:t>improvement</a:t>
+            </a:r>
+            <a:r>
+              <a:rPr lang="pt-PT" sz="1200" dirty="0">
+                <a:ea typeface="+mn-lt"/>
+                <a:cs typeface="+mn-lt"/>
+              </a:rPr>
+              <a:t>.</a:t>
+            </a:r>
+            <a:endParaRPr lang="pt-PT" sz="1200" dirty="0"/>
+          </a:p>
+        </p:txBody>
+      </p:sp>
     </p:spTree>
     <p:extLst>
       <p:ext uri="{BB962C8B-B14F-4D97-AF65-F5344CB8AC3E}">
-        <p14:creationId xmlns:p14="http://schemas.microsoft.com/office/powerpoint/2010/main" val="1916210645"/>
+        <p14:creationId xmlns:p14="http://schemas.microsoft.com/office/powerpoint/2010/main" val="4221015711"/>
       </p:ext>
     </p:extLst>
   </p:cSld>
@@ -22586,6 +24767,4906 @@
 </file>
 
 <file path=ppt/slides/slide30.xml><?xml version="1.0" encoding="utf-8"?>
+<p:sld xmlns:a="http://schemas.openxmlformats.org/drawingml/2006/main" xmlns:r="http://schemas.openxmlformats.org/officeDocument/2006/relationships" xmlns:p="http://schemas.openxmlformats.org/presentationml/2006/main">
+  <p:cSld>
+    <p:spTree>
+      <p:nvGrpSpPr>
+        <p:cNvPr id="1" name=""/>
+        <p:cNvGrpSpPr/>
+        <p:nvPr/>
+      </p:nvGrpSpPr>
+      <p:grpSpPr>
+        <a:xfrm>
+          <a:off x="0" y="0"/>
+          <a:ext cx="0" cy="0"/>
+          <a:chOff x="0" y="0"/>
+          <a:chExt cx="0" cy="0"/>
+        </a:xfrm>
+      </p:grpSpPr>
+      <p:sp>
+        <p:nvSpPr>
+          <p:cNvPr id="2" name="Título 1">
+            <a:extLst>
+              <a:ext uri="{FF2B5EF4-FFF2-40B4-BE49-F238E27FC236}">
+                <a16:creationId xmlns:a16="http://schemas.microsoft.com/office/drawing/2014/main" id="{4D56E20A-6DB5-4A6B-9EEB-FA9732C72527}"/>
+              </a:ext>
+            </a:extLst>
+          </p:cNvPr>
+          <p:cNvSpPr>
+            <a:spLocks noGrp="1"/>
+          </p:cNvSpPr>
+          <p:nvPr>
+            <p:ph type="title"/>
+          </p:nvPr>
+        </p:nvSpPr>
+        <p:spPr>
+          <a:xfrm>
+            <a:off x="170048" y="-177"/>
+            <a:ext cx="10515600" cy="1325563"/>
+          </a:xfrm>
+        </p:spPr>
+        <p:txBody>
+          <a:bodyPr>
+            <a:normAutofit/>
+          </a:bodyPr>
+          <a:lstStyle/>
+          <a:p>
+            <a:r>
+              <a:rPr lang="pt-PT" sz="3600" b="1" dirty="0" err="1">
+                <a:solidFill>
+                  <a:srgbClr val="092953"/>
+                </a:solidFill>
+                <a:latin typeface="Cambria"/>
+                <a:ea typeface="Cambria"/>
+              </a:rPr>
+              <a:t>Bayesian</a:t>
+            </a:r>
+            <a:r>
+              <a:rPr lang="pt-PT" sz="3600" b="1" dirty="0">
+                <a:solidFill>
+                  <a:srgbClr val="092953"/>
+                </a:solidFill>
+                <a:latin typeface="Cambria"/>
+                <a:ea typeface="Cambria"/>
+              </a:rPr>
+              <a:t> </a:t>
+            </a:r>
+            <a:r>
+              <a:rPr lang="pt-PT" sz="3600" b="1" dirty="0" err="1">
+                <a:solidFill>
+                  <a:srgbClr val="092953"/>
+                </a:solidFill>
+                <a:latin typeface="Cambria"/>
+                <a:ea typeface="Cambria"/>
+              </a:rPr>
+              <a:t>Optimization</a:t>
+            </a:r>
+          </a:p>
+        </p:txBody>
+      </p:sp>
+      <p:sp>
+        <p:nvSpPr>
+          <p:cNvPr id="3" name="Marcador de Posição de Conteúdo 2">
+            <a:extLst>
+              <a:ext uri="{FF2B5EF4-FFF2-40B4-BE49-F238E27FC236}">
+                <a16:creationId xmlns:a16="http://schemas.microsoft.com/office/drawing/2014/main" id="{1B32614E-E287-1059-727D-571681FEAF1D}"/>
+              </a:ext>
+            </a:extLst>
+          </p:cNvPr>
+          <p:cNvSpPr>
+            <a:spLocks noGrp="1"/>
+          </p:cNvSpPr>
+          <p:nvPr>
+            <p:ph idx="1"/>
+          </p:nvPr>
+        </p:nvSpPr>
+        <p:spPr>
+          <a:xfrm>
+            <a:off x="548426" y="1321203"/>
+            <a:ext cx="11001375" cy="5230829"/>
+          </a:xfrm>
+        </p:spPr>
+        <p:txBody>
+          <a:bodyPr vert="horz" lIns="91440" tIns="45720" rIns="91440" bIns="45720" rtlCol="0" anchor="t">
+            <a:normAutofit/>
+          </a:bodyPr>
+          <a:lstStyle/>
+          <a:p>
+            <a:r>
+              <a:rPr lang="pt-PT" dirty="0">
+                <a:ea typeface="+mn-lt"/>
+                <a:cs typeface="+mn-lt"/>
+              </a:rPr>
+              <a:t>A </a:t>
+            </a:r>
+            <a:r>
+              <a:rPr lang="pt-PT" err="1">
+                <a:ea typeface="+mn-lt"/>
+                <a:cs typeface="+mn-lt"/>
+              </a:rPr>
+              <a:t>better</a:t>
+            </a:r>
+            <a:r>
+              <a:rPr lang="pt-PT" dirty="0">
+                <a:ea typeface="+mn-lt"/>
+                <a:cs typeface="+mn-lt"/>
+              </a:rPr>
+              <a:t> </a:t>
+            </a:r>
+            <a:r>
+              <a:rPr lang="pt-PT" err="1">
+                <a:ea typeface="+mn-lt"/>
+                <a:cs typeface="+mn-lt"/>
+              </a:rPr>
+              <a:t>choice</a:t>
+            </a:r>
+            <a:r>
+              <a:rPr lang="pt-PT" dirty="0">
+                <a:ea typeface="+mn-lt"/>
+                <a:cs typeface="+mn-lt"/>
+              </a:rPr>
+              <a:t>: </a:t>
+            </a:r>
+            <a:r>
+              <a:rPr lang="pt-PT" b="1" err="1">
+                <a:ea typeface="+mn-lt"/>
+                <a:cs typeface="+mn-lt"/>
+              </a:rPr>
+              <a:t>Expected</a:t>
+            </a:r>
+            <a:r>
+              <a:rPr lang="pt-PT" b="1" dirty="0">
+                <a:ea typeface="+mn-lt"/>
+                <a:cs typeface="+mn-lt"/>
+              </a:rPr>
+              <a:t> </a:t>
+            </a:r>
+            <a:r>
+              <a:rPr lang="pt-PT" b="1" err="1">
+                <a:ea typeface="+mn-lt"/>
+                <a:cs typeface="+mn-lt"/>
+              </a:rPr>
+              <a:t>Improvement</a:t>
+            </a:r>
+            <a:r>
+              <a:rPr lang="pt-PT" b="1" dirty="0">
+                <a:ea typeface="+mn-lt"/>
+                <a:cs typeface="+mn-lt"/>
+              </a:rPr>
+              <a:t> (EI)</a:t>
+            </a:r>
+            <a:endParaRPr lang="pt-PT" b="1" dirty="0"/>
+          </a:p>
+          <a:p>
+            <a:endParaRPr lang="pt-PT" b="1" dirty="0"/>
+          </a:p>
+          <a:p>
+            <a:endParaRPr lang="pt-PT" b="1" dirty="0">
+              <a:ea typeface="+mn-lt"/>
+              <a:cs typeface="+mn-lt"/>
+            </a:endParaRPr>
+          </a:p>
+          <a:p>
+            <a:endParaRPr lang="pt-PT" b="1" dirty="0">
+              <a:ea typeface="+mn-lt"/>
+              <a:cs typeface="+mn-lt"/>
+            </a:endParaRPr>
+          </a:p>
+          <a:p>
+            <a:pPr lvl="1">
+              <a:buFont typeface="Wingdings" panose="020B0604020202020204" pitchFamily="34" charset="0"/>
+              <a:buChar char="§"/>
+            </a:pPr>
+            <a:r>
+              <a:rPr lang="pt-PT" dirty="0" err="1">
+                <a:ea typeface="+mn-lt"/>
+                <a:cs typeface="+mn-lt"/>
+              </a:rPr>
+              <a:t>The</a:t>
+            </a:r>
+            <a:r>
+              <a:rPr lang="pt-PT" dirty="0">
+                <a:ea typeface="+mn-lt"/>
+                <a:cs typeface="+mn-lt"/>
+              </a:rPr>
+              <a:t> </a:t>
+            </a:r>
+            <a:r>
+              <a:rPr lang="pt-PT" dirty="0" err="1">
+                <a:ea typeface="+mn-lt"/>
+                <a:cs typeface="+mn-lt"/>
+              </a:rPr>
+              <a:t>idea</a:t>
+            </a:r>
+            <a:r>
+              <a:rPr lang="pt-PT" dirty="0">
+                <a:ea typeface="+mn-lt"/>
+                <a:cs typeface="+mn-lt"/>
+              </a:rPr>
+              <a:t>: </a:t>
+            </a:r>
+            <a:r>
+              <a:rPr lang="pt-PT" dirty="0" err="1">
+                <a:ea typeface="+mn-lt"/>
+                <a:cs typeface="+mn-lt"/>
+              </a:rPr>
+              <a:t>if</a:t>
+            </a:r>
+            <a:r>
+              <a:rPr lang="pt-PT" dirty="0">
+                <a:ea typeface="+mn-lt"/>
+                <a:cs typeface="+mn-lt"/>
+              </a:rPr>
+              <a:t> </a:t>
+            </a:r>
+            <a:r>
+              <a:rPr lang="pt-PT" dirty="0" err="1">
+                <a:ea typeface="+mn-lt"/>
+                <a:cs typeface="+mn-lt"/>
+              </a:rPr>
+              <a:t>the</a:t>
+            </a:r>
+            <a:r>
+              <a:rPr lang="pt-PT" dirty="0">
+                <a:ea typeface="+mn-lt"/>
+                <a:cs typeface="+mn-lt"/>
+              </a:rPr>
+              <a:t> </a:t>
+            </a:r>
+            <a:r>
+              <a:rPr lang="pt-PT" dirty="0" err="1">
+                <a:ea typeface="+mn-lt"/>
+                <a:cs typeface="+mn-lt"/>
+              </a:rPr>
+              <a:t>new</a:t>
+            </a:r>
+            <a:r>
+              <a:rPr lang="pt-PT" dirty="0">
+                <a:ea typeface="+mn-lt"/>
+                <a:cs typeface="+mn-lt"/>
+              </a:rPr>
+              <a:t> </a:t>
+            </a:r>
+            <a:r>
+              <a:rPr lang="pt-PT" dirty="0" err="1">
+                <a:ea typeface="+mn-lt"/>
+                <a:cs typeface="+mn-lt"/>
+              </a:rPr>
+              <a:t>value</a:t>
+            </a:r>
+            <a:r>
+              <a:rPr lang="pt-PT" dirty="0">
+                <a:ea typeface="+mn-lt"/>
+                <a:cs typeface="+mn-lt"/>
+              </a:rPr>
+              <a:t> </a:t>
+            </a:r>
+            <a:r>
+              <a:rPr lang="pt-PT" dirty="0" err="1">
+                <a:ea typeface="+mn-lt"/>
+                <a:cs typeface="+mn-lt"/>
+              </a:rPr>
+              <a:t>is</a:t>
+            </a:r>
+            <a:r>
+              <a:rPr lang="pt-PT" dirty="0">
+                <a:ea typeface="+mn-lt"/>
+                <a:cs typeface="+mn-lt"/>
+              </a:rPr>
+              <a:t> </a:t>
+            </a:r>
+            <a:r>
+              <a:rPr lang="pt-PT" dirty="0" err="1">
+                <a:ea typeface="+mn-lt"/>
+                <a:cs typeface="+mn-lt"/>
+              </a:rPr>
+              <a:t>much</a:t>
+            </a:r>
+            <a:r>
+              <a:rPr lang="pt-PT" dirty="0">
+                <a:ea typeface="+mn-lt"/>
+                <a:cs typeface="+mn-lt"/>
+              </a:rPr>
+              <a:t> </a:t>
+            </a:r>
+            <a:r>
+              <a:rPr lang="pt-PT" dirty="0" err="1">
+                <a:ea typeface="+mn-lt"/>
+                <a:cs typeface="+mn-lt"/>
+              </a:rPr>
+              <a:t>better</a:t>
+            </a:r>
+            <a:r>
+              <a:rPr lang="pt-PT" dirty="0">
+                <a:ea typeface="+mn-lt"/>
+                <a:cs typeface="+mn-lt"/>
+              </a:rPr>
+              <a:t>, </a:t>
+            </a:r>
+            <a:r>
+              <a:rPr lang="pt-PT" dirty="0" err="1">
+                <a:ea typeface="+mn-lt"/>
+                <a:cs typeface="+mn-lt"/>
+              </a:rPr>
+              <a:t>we</a:t>
+            </a:r>
+            <a:r>
+              <a:rPr lang="pt-PT" dirty="0">
+                <a:ea typeface="+mn-lt"/>
+                <a:cs typeface="+mn-lt"/>
+              </a:rPr>
+              <a:t> </a:t>
+            </a:r>
+            <a:r>
+              <a:rPr lang="pt-PT" dirty="0" err="1">
+                <a:ea typeface="+mn-lt"/>
+                <a:cs typeface="+mn-lt"/>
+              </a:rPr>
+              <a:t>win</a:t>
+            </a:r>
+            <a:r>
+              <a:rPr lang="pt-PT" dirty="0">
+                <a:ea typeface="+mn-lt"/>
+                <a:cs typeface="+mn-lt"/>
+              </a:rPr>
+              <a:t> </a:t>
+            </a:r>
+            <a:r>
+              <a:rPr lang="pt-PT" dirty="0" err="1">
+                <a:ea typeface="+mn-lt"/>
+                <a:cs typeface="+mn-lt"/>
+              </a:rPr>
+              <a:t>by</a:t>
+            </a:r>
+            <a:r>
+              <a:rPr lang="pt-PT" dirty="0">
+                <a:ea typeface="+mn-lt"/>
+                <a:cs typeface="+mn-lt"/>
+              </a:rPr>
+              <a:t> a </a:t>
+            </a:r>
+            <a:r>
+              <a:rPr lang="pt-PT" dirty="0" err="1">
+                <a:ea typeface="+mn-lt"/>
+                <a:cs typeface="+mn-lt"/>
+              </a:rPr>
+              <a:t>lot</a:t>
+            </a:r>
+            <a:r>
+              <a:rPr lang="pt-PT" dirty="0">
+                <a:ea typeface="+mn-lt"/>
+                <a:cs typeface="+mn-lt"/>
+              </a:rPr>
+              <a:t>; </a:t>
+            </a:r>
+            <a:r>
+              <a:rPr lang="pt-PT" dirty="0" err="1">
+                <a:ea typeface="+mn-lt"/>
+                <a:cs typeface="+mn-lt"/>
+              </a:rPr>
+              <a:t>if</a:t>
+            </a:r>
+            <a:r>
+              <a:rPr lang="pt-PT" dirty="0">
+                <a:ea typeface="+mn-lt"/>
+                <a:cs typeface="+mn-lt"/>
+              </a:rPr>
+              <a:t> </a:t>
+            </a:r>
+            <a:r>
+              <a:rPr lang="pt-PT" dirty="0" err="1">
+                <a:ea typeface="+mn-lt"/>
+                <a:cs typeface="+mn-lt"/>
+              </a:rPr>
+              <a:t>it’s</a:t>
+            </a:r>
+            <a:r>
+              <a:rPr lang="pt-PT" dirty="0">
+                <a:ea typeface="+mn-lt"/>
+                <a:cs typeface="+mn-lt"/>
+              </a:rPr>
+              <a:t> </a:t>
+            </a:r>
+            <a:r>
+              <a:rPr lang="pt-PT" dirty="0" err="1">
+                <a:ea typeface="+mn-lt"/>
+                <a:cs typeface="+mn-lt"/>
+              </a:rPr>
+              <a:t>much</a:t>
+            </a:r>
+            <a:r>
+              <a:rPr lang="pt-PT" dirty="0">
+                <a:ea typeface="+mn-lt"/>
+                <a:cs typeface="+mn-lt"/>
+              </a:rPr>
+              <a:t> </a:t>
+            </a:r>
+            <a:r>
+              <a:rPr lang="pt-PT" dirty="0" err="1">
+                <a:ea typeface="+mn-lt"/>
+                <a:cs typeface="+mn-lt"/>
+              </a:rPr>
+              <a:t>worse</a:t>
+            </a:r>
+            <a:r>
+              <a:rPr lang="pt-PT" dirty="0">
+                <a:ea typeface="+mn-lt"/>
+                <a:cs typeface="+mn-lt"/>
+              </a:rPr>
+              <a:t>, </a:t>
+            </a:r>
+            <a:r>
+              <a:rPr lang="pt-PT" dirty="0" err="1">
+                <a:ea typeface="+mn-lt"/>
+                <a:cs typeface="+mn-lt"/>
+              </a:rPr>
+              <a:t>we</a:t>
+            </a:r>
+            <a:r>
+              <a:rPr lang="pt-PT" dirty="0">
+                <a:ea typeface="+mn-lt"/>
+                <a:cs typeface="+mn-lt"/>
+              </a:rPr>
+              <a:t> </a:t>
+            </a:r>
+            <a:r>
+              <a:rPr lang="pt-PT" dirty="0" err="1">
+                <a:ea typeface="+mn-lt"/>
+                <a:cs typeface="+mn-lt"/>
+              </a:rPr>
+              <a:t>haven’t</a:t>
+            </a:r>
+            <a:r>
+              <a:rPr lang="pt-PT" dirty="0">
+                <a:ea typeface="+mn-lt"/>
+                <a:cs typeface="+mn-lt"/>
+              </a:rPr>
+              <a:t> </a:t>
+            </a:r>
+            <a:r>
+              <a:rPr lang="pt-PT" dirty="0" err="1">
+                <a:ea typeface="+mn-lt"/>
+                <a:cs typeface="+mn-lt"/>
+              </a:rPr>
+              <a:t>lost</a:t>
+            </a:r>
+            <a:r>
+              <a:rPr lang="pt-PT" dirty="0">
+                <a:ea typeface="+mn-lt"/>
+                <a:cs typeface="+mn-lt"/>
+              </a:rPr>
+              <a:t> </a:t>
+            </a:r>
+            <a:r>
+              <a:rPr lang="pt-PT" dirty="0" err="1">
+                <a:ea typeface="+mn-lt"/>
+                <a:cs typeface="+mn-lt"/>
+              </a:rPr>
+              <a:t>anything</a:t>
+            </a:r>
+            <a:endParaRPr lang="pt-PT" dirty="0" err="1"/>
+          </a:p>
+          <a:p>
+            <a:pPr lvl="1">
+              <a:buFont typeface="Wingdings" panose="020B0604020202020204" pitchFamily="34" charset="0"/>
+              <a:buChar char="§"/>
+            </a:pPr>
+            <a:endParaRPr lang="pt-PT" dirty="0">
+              <a:ea typeface="+mn-lt"/>
+              <a:cs typeface="+mn-lt"/>
+            </a:endParaRPr>
+          </a:p>
+          <a:p>
+            <a:pPr lvl="1">
+              <a:buFont typeface="Wingdings" panose="020B0604020202020204" pitchFamily="34" charset="0"/>
+              <a:buChar char="§"/>
+            </a:pPr>
+            <a:r>
+              <a:rPr lang="pt-PT" dirty="0" err="1">
+                <a:ea typeface="+mn-lt"/>
+                <a:cs typeface="+mn-lt"/>
+              </a:rPr>
+              <a:t>The</a:t>
+            </a:r>
+            <a:r>
+              <a:rPr lang="pt-PT" dirty="0">
+                <a:ea typeface="+mn-lt"/>
+                <a:cs typeface="+mn-lt"/>
+              </a:rPr>
+              <a:t> </a:t>
+            </a:r>
+            <a:r>
+              <a:rPr lang="pt-PT" dirty="0" err="1">
+                <a:ea typeface="+mn-lt"/>
+                <a:cs typeface="+mn-lt"/>
+              </a:rPr>
+              <a:t>Expected</a:t>
+            </a:r>
+            <a:r>
+              <a:rPr lang="pt-PT" dirty="0">
+                <a:ea typeface="+mn-lt"/>
+                <a:cs typeface="+mn-lt"/>
+              </a:rPr>
+              <a:t> </a:t>
+            </a:r>
+            <a:r>
+              <a:rPr lang="pt-PT" dirty="0" err="1">
+                <a:ea typeface="+mn-lt"/>
+                <a:cs typeface="+mn-lt"/>
+              </a:rPr>
+              <a:t>Improvement</a:t>
+            </a:r>
+            <a:r>
+              <a:rPr lang="pt-PT" dirty="0">
+                <a:ea typeface="+mn-lt"/>
+                <a:cs typeface="+mn-lt"/>
+              </a:rPr>
+              <a:t> (EI) </a:t>
+            </a:r>
+            <a:r>
+              <a:rPr lang="pt-PT" dirty="0" err="1">
+                <a:ea typeface="+mn-lt"/>
+                <a:cs typeface="+mn-lt"/>
+              </a:rPr>
+              <a:t>metric</a:t>
+            </a:r>
+            <a:r>
+              <a:rPr lang="pt-PT" dirty="0">
+                <a:ea typeface="+mn-lt"/>
+                <a:cs typeface="+mn-lt"/>
+              </a:rPr>
+              <a:t> balances </a:t>
+            </a:r>
+            <a:r>
+              <a:rPr lang="pt-PT" dirty="0" err="1">
+                <a:ea typeface="+mn-lt"/>
+                <a:cs typeface="+mn-lt"/>
+              </a:rPr>
+              <a:t>exploitation</a:t>
+            </a:r>
+            <a:r>
+              <a:rPr lang="pt-PT" dirty="0">
+                <a:ea typeface="+mn-lt"/>
+                <a:cs typeface="+mn-lt"/>
+              </a:rPr>
+              <a:t> (</a:t>
+            </a:r>
+            <a:r>
+              <a:rPr lang="pt-PT" dirty="0" err="1">
+                <a:ea typeface="+mn-lt"/>
+                <a:cs typeface="+mn-lt"/>
+              </a:rPr>
+              <a:t>sampling</a:t>
+            </a:r>
+            <a:r>
+              <a:rPr lang="pt-PT" dirty="0">
+                <a:ea typeface="+mn-lt"/>
+                <a:cs typeface="+mn-lt"/>
+              </a:rPr>
+              <a:t> </a:t>
+            </a:r>
+            <a:r>
+              <a:rPr lang="pt-PT" dirty="0" err="1">
+                <a:ea typeface="+mn-lt"/>
+                <a:cs typeface="+mn-lt"/>
+              </a:rPr>
+              <a:t>where</a:t>
+            </a:r>
+            <a:r>
+              <a:rPr lang="pt-PT" dirty="0">
+                <a:ea typeface="+mn-lt"/>
+                <a:cs typeface="+mn-lt"/>
+              </a:rPr>
+              <a:t> </a:t>
+            </a:r>
+            <a:r>
+              <a:rPr lang="pt-PT" dirty="0" err="1">
+                <a:ea typeface="+mn-lt"/>
+                <a:cs typeface="+mn-lt"/>
+              </a:rPr>
+              <a:t>the</a:t>
+            </a:r>
+            <a:r>
+              <a:rPr lang="pt-PT" dirty="0">
+                <a:ea typeface="+mn-lt"/>
+                <a:cs typeface="+mn-lt"/>
+              </a:rPr>
+              <a:t> </a:t>
+            </a:r>
+            <a:r>
+              <a:rPr lang="pt-PT" dirty="0" err="1">
+                <a:ea typeface="+mn-lt"/>
+                <a:cs typeface="+mn-lt"/>
+              </a:rPr>
+              <a:t>model</a:t>
+            </a:r>
+            <a:r>
+              <a:rPr lang="pt-PT" dirty="0">
+                <a:ea typeface="+mn-lt"/>
+                <a:cs typeface="+mn-lt"/>
+              </a:rPr>
+              <a:t> </a:t>
+            </a:r>
+            <a:r>
+              <a:rPr lang="pt-PT" dirty="0" err="1">
+                <a:ea typeface="+mn-lt"/>
+                <a:cs typeface="+mn-lt"/>
+              </a:rPr>
+              <a:t>predicts</a:t>
+            </a:r>
+            <a:r>
+              <a:rPr lang="pt-PT" dirty="0">
+                <a:ea typeface="+mn-lt"/>
+                <a:cs typeface="+mn-lt"/>
+              </a:rPr>
+              <a:t> </a:t>
+            </a:r>
+            <a:r>
+              <a:rPr lang="pt-PT" dirty="0" err="1">
+                <a:ea typeface="+mn-lt"/>
+                <a:cs typeface="+mn-lt"/>
+              </a:rPr>
+              <a:t>good</a:t>
+            </a:r>
+            <a:r>
+              <a:rPr lang="pt-PT" dirty="0">
+                <a:ea typeface="+mn-lt"/>
+                <a:cs typeface="+mn-lt"/>
+              </a:rPr>
+              <a:t> performance) </a:t>
+            </a:r>
+            <a:r>
+              <a:rPr lang="pt-PT" dirty="0" err="1">
+                <a:ea typeface="+mn-lt"/>
+                <a:cs typeface="+mn-lt"/>
+              </a:rPr>
+              <a:t>and</a:t>
+            </a:r>
+            <a:r>
+              <a:rPr lang="pt-PT" dirty="0">
+                <a:ea typeface="+mn-lt"/>
+                <a:cs typeface="+mn-lt"/>
+              </a:rPr>
+              <a:t> </a:t>
+            </a:r>
+            <a:r>
+              <a:rPr lang="pt-PT" dirty="0" err="1">
+                <a:ea typeface="+mn-lt"/>
+                <a:cs typeface="+mn-lt"/>
+              </a:rPr>
+              <a:t>exploration</a:t>
+            </a:r>
+            <a:r>
+              <a:rPr lang="pt-PT" dirty="0">
+                <a:ea typeface="+mn-lt"/>
+                <a:cs typeface="+mn-lt"/>
+              </a:rPr>
+              <a:t> (</a:t>
+            </a:r>
+            <a:r>
+              <a:rPr lang="pt-PT" dirty="0" err="1">
+                <a:ea typeface="+mn-lt"/>
+                <a:cs typeface="+mn-lt"/>
+              </a:rPr>
+              <a:t>sampling</a:t>
+            </a:r>
+            <a:r>
+              <a:rPr lang="pt-PT" dirty="0">
+                <a:ea typeface="+mn-lt"/>
+                <a:cs typeface="+mn-lt"/>
+              </a:rPr>
+              <a:t> </a:t>
+            </a:r>
+            <a:r>
+              <a:rPr lang="pt-PT" dirty="0" err="1">
+                <a:ea typeface="+mn-lt"/>
+                <a:cs typeface="+mn-lt"/>
+              </a:rPr>
+              <a:t>where</a:t>
+            </a:r>
+            <a:r>
+              <a:rPr lang="pt-PT" dirty="0">
+                <a:ea typeface="+mn-lt"/>
+                <a:cs typeface="+mn-lt"/>
+              </a:rPr>
+              <a:t> </a:t>
+            </a:r>
+            <a:r>
+              <a:rPr lang="pt-PT" dirty="0" err="1">
+                <a:ea typeface="+mn-lt"/>
+                <a:cs typeface="+mn-lt"/>
+              </a:rPr>
+              <a:t>uncertainty</a:t>
+            </a:r>
+            <a:r>
+              <a:rPr lang="pt-PT" dirty="0">
+                <a:ea typeface="+mn-lt"/>
+                <a:cs typeface="+mn-lt"/>
+              </a:rPr>
+              <a:t> </a:t>
+            </a:r>
+            <a:r>
+              <a:rPr lang="pt-PT" dirty="0" err="1">
+                <a:ea typeface="+mn-lt"/>
+                <a:cs typeface="+mn-lt"/>
+              </a:rPr>
+              <a:t>is</a:t>
+            </a:r>
+            <a:r>
+              <a:rPr lang="pt-PT" dirty="0">
+                <a:ea typeface="+mn-lt"/>
+                <a:cs typeface="+mn-lt"/>
+              </a:rPr>
+              <a:t> </a:t>
+            </a:r>
+            <a:r>
+              <a:rPr lang="pt-PT" dirty="0" err="1">
+                <a:ea typeface="+mn-lt"/>
+                <a:cs typeface="+mn-lt"/>
+              </a:rPr>
+              <a:t>high</a:t>
+            </a:r>
+            <a:r>
+              <a:rPr lang="pt-PT" dirty="0">
+                <a:ea typeface="+mn-lt"/>
+                <a:cs typeface="+mn-lt"/>
+              </a:rPr>
+              <a:t>).</a:t>
+            </a:r>
+          </a:p>
+          <a:p>
+            <a:pPr algn="just"/>
+            <a:endParaRPr lang="pt-PT" dirty="0">
+              <a:ea typeface="+mn-lt"/>
+              <a:cs typeface="+mn-lt"/>
+            </a:endParaRPr>
+          </a:p>
+          <a:p>
+            <a:pPr algn="just"/>
+            <a:endParaRPr lang="pt-PT" dirty="0">
+              <a:ea typeface="+mn-lt"/>
+              <a:cs typeface="+mn-lt"/>
+            </a:endParaRPr>
+          </a:p>
+          <a:p>
+            <a:pPr algn="just"/>
+            <a:endParaRPr lang="pt-PT" dirty="0">
+              <a:ea typeface="+mn-lt"/>
+              <a:cs typeface="+mn-lt"/>
+            </a:endParaRPr>
+          </a:p>
+          <a:p>
+            <a:pPr algn="just"/>
+            <a:endParaRPr lang="pt-PT" dirty="0">
+              <a:ea typeface="+mn-lt"/>
+              <a:cs typeface="+mn-lt"/>
+            </a:endParaRPr>
+          </a:p>
+          <a:p>
+            <a:pPr algn="just"/>
+            <a:endParaRPr lang="pt-PT" dirty="0">
+              <a:ea typeface="+mn-lt"/>
+              <a:cs typeface="+mn-lt"/>
+            </a:endParaRPr>
+          </a:p>
+          <a:p>
+            <a:pPr algn="just"/>
+            <a:endParaRPr lang="pt-PT" dirty="0">
+              <a:ea typeface="+mn-lt"/>
+              <a:cs typeface="+mn-lt"/>
+            </a:endParaRPr>
+          </a:p>
+          <a:p>
+            <a:pPr lvl="1" algn="just">
+              <a:buFont typeface="Wingdings" panose="020B0604020202020204" pitchFamily="34" charset="0"/>
+              <a:buChar char="§"/>
+            </a:pPr>
+            <a:endParaRPr lang="pt-PT" dirty="0">
+              <a:ea typeface="+mn-lt"/>
+              <a:cs typeface="+mn-lt"/>
+            </a:endParaRPr>
+          </a:p>
+          <a:p>
+            <a:pPr algn="just"/>
+            <a:endParaRPr lang="pt-PT" dirty="0">
+              <a:ea typeface="+mn-lt"/>
+              <a:cs typeface="+mn-lt"/>
+            </a:endParaRPr>
+          </a:p>
+        </p:txBody>
+      </p:sp>
+      <p:sp>
+        <p:nvSpPr>
+          <p:cNvPr id="4" name="Retângulo 3">
+            <a:extLst>
+              <a:ext uri="{FF2B5EF4-FFF2-40B4-BE49-F238E27FC236}">
+                <a16:creationId xmlns:a16="http://schemas.microsoft.com/office/drawing/2014/main" id="{C49AACF5-CCF4-E6B6-98B5-BF66BBB3419C}"/>
+              </a:ext>
+            </a:extLst>
+          </p:cNvPr>
+          <p:cNvSpPr/>
+          <p:nvPr/>
+        </p:nvSpPr>
+        <p:spPr>
+          <a:xfrm>
+            <a:off x="0" y="6626645"/>
+            <a:ext cx="12192000" cy="231355"/>
+          </a:xfrm>
+          <a:prstGeom prst="rect">
+            <a:avLst/>
+          </a:prstGeom>
+          <a:solidFill>
+            <a:srgbClr val="092953"/>
+          </a:solidFill>
+          <a:ln>
+            <a:solidFill>
+              <a:srgbClr val="092953"/>
+            </a:solidFill>
+          </a:ln>
+        </p:spPr>
+        <p:style>
+          <a:lnRef idx="2">
+            <a:schemeClr val="accent1">
+              <a:shade val="15000"/>
+            </a:schemeClr>
+          </a:lnRef>
+          <a:fillRef idx="1">
+            <a:schemeClr val="accent1"/>
+          </a:fillRef>
+          <a:effectRef idx="0">
+            <a:schemeClr val="accent1"/>
+          </a:effectRef>
+          <a:fontRef idx="minor">
+            <a:schemeClr val="lt1"/>
+          </a:fontRef>
+        </p:style>
+        <p:txBody>
+          <a:bodyPr rot="0" spcFirstLastPara="0" vert="horz" wrap="square" lIns="91440" tIns="45720" rIns="91440" bIns="45720" numCol="1" spcCol="0" rtlCol="0" fromWordArt="0" anchor="ctr" anchorCtr="0" forceAA="0" compatLnSpc="1">
+            <a:prstTxWarp prst="textNoShape">
+              <a:avLst/>
+            </a:prstTxWarp>
+            <a:noAutofit/>
+          </a:bodyPr>
+          <a:lstStyle>
+            <a:defPPr>
+              <a:defRPr lang="pt-PT"/>
+            </a:defPPr>
+            <a:lvl1pPr marL="0" algn="l" defTabSz="914400" rtl="0" eaLnBrk="1" latinLnBrk="0" hangingPunct="1">
+              <a:defRPr sz="1800" kern="1200">
+                <a:solidFill>
+                  <a:schemeClr val="lt1"/>
+                </a:solidFill>
+                <a:latin typeface="+mn-lt"/>
+                <a:ea typeface="+mn-ea"/>
+                <a:cs typeface="+mn-cs"/>
+              </a:defRPr>
+            </a:lvl1pPr>
+            <a:lvl2pPr marL="457200" algn="l" defTabSz="914400" rtl="0" eaLnBrk="1" latinLnBrk="0" hangingPunct="1">
+              <a:defRPr sz="1800" kern="1200">
+                <a:solidFill>
+                  <a:schemeClr val="lt1"/>
+                </a:solidFill>
+                <a:latin typeface="+mn-lt"/>
+                <a:ea typeface="+mn-ea"/>
+                <a:cs typeface="+mn-cs"/>
+              </a:defRPr>
+            </a:lvl2pPr>
+            <a:lvl3pPr marL="914400" algn="l" defTabSz="914400" rtl="0" eaLnBrk="1" latinLnBrk="0" hangingPunct="1">
+              <a:defRPr sz="1800" kern="1200">
+                <a:solidFill>
+                  <a:schemeClr val="lt1"/>
+                </a:solidFill>
+                <a:latin typeface="+mn-lt"/>
+                <a:ea typeface="+mn-ea"/>
+                <a:cs typeface="+mn-cs"/>
+              </a:defRPr>
+            </a:lvl3pPr>
+            <a:lvl4pPr marL="1371600" algn="l" defTabSz="914400" rtl="0" eaLnBrk="1" latinLnBrk="0" hangingPunct="1">
+              <a:defRPr sz="1800" kern="1200">
+                <a:solidFill>
+                  <a:schemeClr val="lt1"/>
+                </a:solidFill>
+                <a:latin typeface="+mn-lt"/>
+                <a:ea typeface="+mn-ea"/>
+                <a:cs typeface="+mn-cs"/>
+              </a:defRPr>
+            </a:lvl4pPr>
+            <a:lvl5pPr marL="1828800" algn="l" defTabSz="914400" rtl="0" eaLnBrk="1" latinLnBrk="0" hangingPunct="1">
+              <a:defRPr sz="1800" kern="1200">
+                <a:solidFill>
+                  <a:schemeClr val="lt1"/>
+                </a:solidFill>
+                <a:latin typeface="+mn-lt"/>
+                <a:ea typeface="+mn-ea"/>
+                <a:cs typeface="+mn-cs"/>
+              </a:defRPr>
+            </a:lvl5pPr>
+            <a:lvl6pPr marL="2286000" algn="l" defTabSz="914400" rtl="0" eaLnBrk="1" latinLnBrk="0" hangingPunct="1">
+              <a:defRPr sz="1800" kern="1200">
+                <a:solidFill>
+                  <a:schemeClr val="lt1"/>
+                </a:solidFill>
+                <a:latin typeface="+mn-lt"/>
+                <a:ea typeface="+mn-ea"/>
+                <a:cs typeface="+mn-cs"/>
+              </a:defRPr>
+            </a:lvl6pPr>
+            <a:lvl7pPr marL="2743200" algn="l" defTabSz="914400" rtl="0" eaLnBrk="1" latinLnBrk="0" hangingPunct="1">
+              <a:defRPr sz="1800" kern="1200">
+                <a:solidFill>
+                  <a:schemeClr val="lt1"/>
+                </a:solidFill>
+                <a:latin typeface="+mn-lt"/>
+                <a:ea typeface="+mn-ea"/>
+                <a:cs typeface="+mn-cs"/>
+              </a:defRPr>
+            </a:lvl7pPr>
+            <a:lvl8pPr marL="3200400" algn="l" defTabSz="914400" rtl="0" eaLnBrk="1" latinLnBrk="0" hangingPunct="1">
+              <a:defRPr sz="1800" kern="1200">
+                <a:solidFill>
+                  <a:schemeClr val="lt1"/>
+                </a:solidFill>
+                <a:latin typeface="+mn-lt"/>
+                <a:ea typeface="+mn-ea"/>
+                <a:cs typeface="+mn-cs"/>
+              </a:defRPr>
+            </a:lvl8pPr>
+            <a:lvl9pPr marL="3657600" algn="l" defTabSz="914400" rtl="0" eaLnBrk="1" latinLnBrk="0" hangingPunct="1">
+              <a:defRPr sz="1800" kern="1200">
+                <a:solidFill>
+                  <a:schemeClr val="lt1"/>
+                </a:solidFill>
+                <a:latin typeface="+mn-lt"/>
+                <a:ea typeface="+mn-ea"/>
+                <a:cs typeface="+mn-cs"/>
+              </a:defRPr>
+            </a:lvl9pPr>
+          </a:lstStyle>
+          <a:p>
+            <a:pPr algn="ctr"/>
+            <a:endParaRPr lang="pt-PT"/>
+          </a:p>
+        </p:txBody>
+      </p:sp>
+      <p:pic>
+        <p:nvPicPr>
+          <p:cNvPr id="7" name="Imagem 6" descr="Portal do Colaborador">
+            <a:extLst>
+              <a:ext uri="{FF2B5EF4-FFF2-40B4-BE49-F238E27FC236}">
+                <a16:creationId xmlns:a16="http://schemas.microsoft.com/office/drawing/2014/main" id="{A59B6DA3-4BA1-94F4-4AA2-59A6261305AE}"/>
+              </a:ext>
+            </a:extLst>
+          </p:cNvPr>
+          <p:cNvPicPr>
+            <a:picLocks noChangeAspect="1"/>
+          </p:cNvPicPr>
+          <p:nvPr/>
+        </p:nvPicPr>
+        <p:blipFill>
+          <a:blip r:embed="rId2"/>
+          <a:stretch>
+            <a:fillRect/>
+          </a:stretch>
+        </p:blipFill>
+        <p:spPr>
+          <a:xfrm>
+            <a:off x="10199775" y="117119"/>
+            <a:ext cx="1877314" cy="869240"/>
+          </a:xfrm>
+          <a:prstGeom prst="rect">
+            <a:avLst/>
+          </a:prstGeom>
+        </p:spPr>
+      </p:pic>
+      <p:sp>
+        <p:nvSpPr>
+          <p:cNvPr id="6" name="CaixaDeTexto 5">
+            <a:extLst>
+              <a:ext uri="{FF2B5EF4-FFF2-40B4-BE49-F238E27FC236}">
+                <a16:creationId xmlns:a16="http://schemas.microsoft.com/office/drawing/2014/main" id="{AE4BAC88-6A2B-E578-4ABE-EF35CB42086C}"/>
+              </a:ext>
+            </a:extLst>
+          </p:cNvPr>
+          <p:cNvSpPr txBox="1"/>
+          <p:nvPr/>
+        </p:nvSpPr>
+        <p:spPr>
+          <a:xfrm>
+            <a:off x="5275244" y="6624808"/>
+            <a:ext cx="6801079" cy="230832"/>
+          </a:xfrm>
+          <a:prstGeom prst="rect">
+            <a:avLst/>
+          </a:prstGeom>
+          <a:noFill/>
+        </p:spPr>
+        <p:txBody>
+          <a:bodyPr rot="0" spcFirstLastPara="0" vertOverflow="overflow" horzOverflow="overflow" vert="horz" wrap="square" lIns="91440" tIns="45720" rIns="91440" bIns="45720" numCol="1" spcCol="0" rtlCol="0" fromWordArt="0" anchor="t" anchorCtr="0" forceAA="0" compatLnSpc="1">
+            <a:prstTxWarp prst="textNoShape">
+              <a:avLst/>
+            </a:prstTxWarp>
+            <a:spAutoFit/>
+          </a:bodyPr>
+          <a:lstStyle/>
+          <a:p>
+            <a:pPr algn="r"/>
+            <a:r>
+              <a:rPr lang="pt-PT" sz="900" dirty="0" err="1">
+                <a:solidFill>
+                  <a:srgbClr val="FFFFFF"/>
+                </a:solidFill>
+                <a:latin typeface="Times New Roman"/>
+                <a:cs typeface="Times New Roman"/>
+              </a:rPr>
+              <a:t>Session</a:t>
+            </a:r>
+            <a:r>
+              <a:rPr lang="pt-PT" sz="900" dirty="0">
+                <a:solidFill>
+                  <a:srgbClr val="FFFFFF"/>
+                </a:solidFill>
+                <a:latin typeface="Times New Roman"/>
+                <a:cs typeface="Times New Roman"/>
+              </a:rPr>
+              <a:t> 7</a:t>
+            </a:r>
+            <a:endParaRPr lang="pt-PT" dirty="0"/>
+          </a:p>
+        </p:txBody>
+      </p:sp>
+      <p:sp>
+        <p:nvSpPr>
+          <p:cNvPr id="11" name="CaixaDeTexto 10">
+            <a:extLst>
+              <a:ext uri="{FF2B5EF4-FFF2-40B4-BE49-F238E27FC236}">
+                <a16:creationId xmlns:a16="http://schemas.microsoft.com/office/drawing/2014/main" id="{8B07AB84-C223-320B-881C-FC4669F61BF7}"/>
+              </a:ext>
+            </a:extLst>
+          </p:cNvPr>
+          <p:cNvSpPr txBox="1"/>
+          <p:nvPr/>
+        </p:nvSpPr>
+        <p:spPr>
+          <a:xfrm>
+            <a:off x="60594" y="6624809"/>
+            <a:ext cx="6801079" cy="230832"/>
+          </a:xfrm>
+          <a:prstGeom prst="rect">
+            <a:avLst/>
+          </a:prstGeom>
+          <a:noFill/>
+        </p:spPr>
+        <p:txBody>
+          <a:bodyPr rot="0" spcFirstLastPara="0" vertOverflow="overflow" horzOverflow="overflow" vert="horz" wrap="square" lIns="91440" tIns="45720" rIns="91440" bIns="45720" numCol="1" spcCol="0" rtlCol="0" fromWordArt="0" anchor="t" anchorCtr="0" forceAA="0" compatLnSpc="1">
+            <a:prstTxWarp prst="textNoShape">
+              <a:avLst/>
+            </a:prstTxWarp>
+            <a:spAutoFit/>
+          </a:bodyPr>
+          <a:lstStyle/>
+          <a:p>
+            <a:r>
+              <a:rPr lang="pt-PT" sz="900" dirty="0" err="1">
+                <a:solidFill>
+                  <a:srgbClr val="FFFFFF"/>
+                </a:solidFill>
+                <a:ea typeface="+mn-lt"/>
+                <a:cs typeface="+mn-lt"/>
+              </a:rPr>
+              <a:t>Model</a:t>
+            </a:r>
+            <a:r>
+              <a:rPr lang="pt-PT" sz="900" dirty="0">
+                <a:solidFill>
+                  <a:srgbClr val="FFFFFF"/>
+                </a:solidFill>
+                <a:ea typeface="+mn-lt"/>
+                <a:cs typeface="+mn-lt"/>
+              </a:rPr>
+              <a:t> </a:t>
+            </a:r>
+            <a:r>
+              <a:rPr lang="pt-PT" sz="900" dirty="0" err="1">
+                <a:solidFill>
+                  <a:srgbClr val="FFFFFF"/>
+                </a:solidFill>
+                <a:ea typeface="+mn-lt"/>
+                <a:cs typeface="+mn-lt"/>
+              </a:rPr>
+              <a:t>Selection</a:t>
+            </a:r>
+            <a:r>
+              <a:rPr lang="pt-PT" sz="900" dirty="0">
+                <a:solidFill>
+                  <a:srgbClr val="FFFFFF"/>
+                </a:solidFill>
+                <a:ea typeface="+mn-lt"/>
+                <a:cs typeface="+mn-lt"/>
+              </a:rPr>
+              <a:t> </a:t>
+            </a:r>
+            <a:r>
+              <a:rPr lang="pt-PT" sz="900" dirty="0" err="1">
+                <a:solidFill>
+                  <a:srgbClr val="FFFFFF"/>
+                </a:solidFill>
+                <a:ea typeface="+mn-lt"/>
+                <a:cs typeface="+mn-lt"/>
+              </a:rPr>
+              <a:t>and</a:t>
+            </a:r>
+            <a:r>
+              <a:rPr lang="pt-PT" sz="900" dirty="0">
+                <a:solidFill>
+                  <a:srgbClr val="FFFFFF"/>
+                </a:solidFill>
+                <a:ea typeface="+mn-lt"/>
+                <a:cs typeface="+mn-lt"/>
+              </a:rPr>
+              <a:t> </a:t>
+            </a:r>
+            <a:r>
+              <a:rPr lang="pt-PT" sz="900" dirty="0" err="1">
+                <a:solidFill>
+                  <a:srgbClr val="FFFFFF"/>
+                </a:solidFill>
+                <a:ea typeface="+mn-lt"/>
+                <a:cs typeface="+mn-lt"/>
+              </a:rPr>
+              <a:t>Hyperparameter</a:t>
+            </a:r>
+            <a:r>
+              <a:rPr lang="pt-PT" sz="900" dirty="0">
+                <a:solidFill>
+                  <a:srgbClr val="FFFFFF"/>
+                </a:solidFill>
+                <a:ea typeface="+mn-lt"/>
+                <a:cs typeface="+mn-lt"/>
+              </a:rPr>
+              <a:t> </a:t>
+            </a:r>
+            <a:r>
+              <a:rPr lang="pt-PT" sz="900" dirty="0" err="1">
+                <a:solidFill>
+                  <a:srgbClr val="FFFFFF"/>
+                </a:solidFill>
+                <a:ea typeface="+mn-lt"/>
+                <a:cs typeface="+mn-lt"/>
+              </a:rPr>
+              <a:t>Tuning</a:t>
+            </a:r>
+            <a:endParaRPr lang="pt-PT" dirty="0" err="1"/>
+          </a:p>
+        </p:txBody>
+      </p:sp>
+      <p:pic>
+        <p:nvPicPr>
+          <p:cNvPr id="5" name="Imagem 4" descr="Uma imagem com Tipo de letra, tipografia, texto, caligrafia&#10;&#10;Descrição gerada automaticamente">
+            <a:extLst>
+              <a:ext uri="{FF2B5EF4-FFF2-40B4-BE49-F238E27FC236}">
+                <a16:creationId xmlns:a16="http://schemas.microsoft.com/office/drawing/2014/main" id="{6231CB28-F945-61CA-F1F0-7733066BDE3D}"/>
+              </a:ext>
+            </a:extLst>
+          </p:cNvPr>
+          <p:cNvPicPr>
+            <a:picLocks noChangeAspect="1"/>
+          </p:cNvPicPr>
+          <p:nvPr/>
+        </p:nvPicPr>
+        <p:blipFill>
+          <a:blip r:embed="rId3"/>
+          <a:stretch>
+            <a:fillRect/>
+          </a:stretch>
+        </p:blipFill>
+        <p:spPr>
+          <a:xfrm>
+            <a:off x="3855051" y="1926624"/>
+            <a:ext cx="3143250" cy="533400"/>
+          </a:xfrm>
+          <a:prstGeom prst="rect">
+            <a:avLst/>
+          </a:prstGeom>
+        </p:spPr>
+      </p:pic>
+      <p:sp>
+        <p:nvSpPr>
+          <p:cNvPr id="10" name="CaixaDeTexto 9">
+            <a:extLst>
+              <a:ext uri="{FF2B5EF4-FFF2-40B4-BE49-F238E27FC236}">
+                <a16:creationId xmlns:a16="http://schemas.microsoft.com/office/drawing/2014/main" id="{49DEC5E7-121F-ABCC-E4CD-FF722120E950}"/>
+              </a:ext>
+            </a:extLst>
+          </p:cNvPr>
+          <p:cNvSpPr txBox="1"/>
+          <p:nvPr/>
+        </p:nvSpPr>
+        <p:spPr>
+          <a:xfrm>
+            <a:off x="7825946" y="1719648"/>
+            <a:ext cx="4050955" cy="1569660"/>
+          </a:xfrm>
+          <a:prstGeom prst="rect">
+            <a:avLst/>
+          </a:prstGeom>
+          <a:noFill/>
+          <a:ln w="28575">
+            <a:solidFill>
+              <a:schemeClr val="accent1"/>
+            </a:solidFill>
+          </a:ln>
+        </p:spPr>
+        <p:txBody>
+          <a:bodyPr rot="0" spcFirstLastPara="0" vertOverflow="overflow" horzOverflow="overflow" vert="horz" wrap="square" lIns="91440" tIns="45720" rIns="91440" bIns="45720" numCol="1" spcCol="0" rtlCol="0" fromWordArt="0" anchor="t" anchorCtr="0" forceAA="0" compatLnSpc="1">
+            <a:prstTxWarp prst="textNoShape">
+              <a:avLst/>
+            </a:prstTxWarp>
+            <a:spAutoFit/>
+          </a:bodyPr>
+          <a:lstStyle/>
+          <a:p>
+            <a:r>
+              <a:rPr lang="pt-PT" sz="1200" b="1" dirty="0">
+                <a:ea typeface="+mn-lt"/>
+                <a:cs typeface="+mn-lt"/>
+              </a:rPr>
+              <a:t>EI</a:t>
+            </a:r>
+            <a:r>
+              <a:rPr lang="pt-PT" sz="1200" dirty="0">
+                <a:ea typeface="+mn-lt"/>
+                <a:cs typeface="+mn-lt"/>
+              </a:rPr>
+              <a:t>: </a:t>
+            </a:r>
+            <a:r>
+              <a:rPr lang="pt-PT" sz="1200" dirty="0" err="1">
+                <a:ea typeface="+mn-lt"/>
+                <a:cs typeface="+mn-lt"/>
+              </a:rPr>
+              <a:t>Expected</a:t>
+            </a:r>
+            <a:r>
+              <a:rPr lang="pt-PT" sz="1200" dirty="0">
+                <a:ea typeface="+mn-lt"/>
+                <a:cs typeface="+mn-lt"/>
+              </a:rPr>
+              <a:t> </a:t>
+            </a:r>
+            <a:r>
+              <a:rPr lang="pt-PT" sz="1200" dirty="0" err="1">
+                <a:ea typeface="+mn-lt"/>
+                <a:cs typeface="+mn-lt"/>
+              </a:rPr>
+              <a:t>Improvement</a:t>
+            </a:r>
+            <a:r>
+              <a:rPr lang="pt-PT" sz="1200" dirty="0">
+                <a:ea typeface="+mn-lt"/>
+                <a:cs typeface="+mn-lt"/>
+              </a:rPr>
+              <a:t>.</a:t>
+            </a:r>
+            <a:endParaRPr lang="pt-PT" dirty="0">
+              <a:ea typeface="+mn-lt"/>
+              <a:cs typeface="+mn-lt"/>
+            </a:endParaRPr>
+          </a:p>
+          <a:p>
+            <a:r>
+              <a:rPr lang="pt-PT" sz="1200" b="1" dirty="0">
+                <a:ea typeface="+mn-lt"/>
+                <a:cs typeface="+mn-lt"/>
+              </a:rPr>
+              <a:t>E</a:t>
+            </a:r>
+            <a:r>
+              <a:rPr lang="pt-PT" sz="1200" dirty="0">
+                <a:ea typeface="+mn-lt"/>
+                <a:cs typeface="+mn-lt"/>
+              </a:rPr>
+              <a:t>: </a:t>
+            </a:r>
+            <a:r>
+              <a:rPr lang="pt-PT" sz="1200" dirty="0" err="1">
+                <a:ea typeface="+mn-lt"/>
+                <a:cs typeface="+mn-lt"/>
+              </a:rPr>
+              <a:t>Expectation</a:t>
+            </a:r>
+            <a:r>
+              <a:rPr lang="pt-PT" sz="1200" dirty="0">
+                <a:ea typeface="+mn-lt"/>
+                <a:cs typeface="+mn-lt"/>
+              </a:rPr>
+              <a:t> (</a:t>
+            </a:r>
+            <a:r>
+              <a:rPr lang="pt-PT" sz="1200" dirty="0" err="1">
+                <a:ea typeface="+mn-lt"/>
+                <a:cs typeface="+mn-lt"/>
+              </a:rPr>
+              <a:t>or</a:t>
+            </a:r>
+            <a:r>
+              <a:rPr lang="pt-PT" sz="1200" dirty="0">
+                <a:ea typeface="+mn-lt"/>
+                <a:cs typeface="+mn-lt"/>
+              </a:rPr>
+              <a:t> </a:t>
+            </a:r>
+            <a:r>
+              <a:rPr lang="pt-PT" sz="1200" dirty="0" err="1">
+                <a:ea typeface="+mn-lt"/>
+                <a:cs typeface="+mn-lt"/>
+              </a:rPr>
+              <a:t>average</a:t>
+            </a:r>
+            <a:r>
+              <a:rPr lang="pt-PT" sz="1200" dirty="0">
+                <a:ea typeface="+mn-lt"/>
+                <a:cs typeface="+mn-lt"/>
+              </a:rPr>
+              <a:t>) </a:t>
+            </a:r>
+            <a:r>
+              <a:rPr lang="pt-PT" sz="1200" dirty="0" err="1">
+                <a:ea typeface="+mn-lt"/>
+                <a:cs typeface="+mn-lt"/>
+              </a:rPr>
+              <a:t>over</a:t>
+            </a:r>
+            <a:r>
+              <a:rPr lang="pt-PT" sz="1200" dirty="0">
+                <a:ea typeface="+mn-lt"/>
+                <a:cs typeface="+mn-lt"/>
+              </a:rPr>
+              <a:t> </a:t>
+            </a:r>
+            <a:r>
+              <a:rPr lang="pt-PT" sz="1200" dirty="0" err="1">
+                <a:ea typeface="+mn-lt"/>
+                <a:cs typeface="+mn-lt"/>
+              </a:rPr>
+              <a:t>the</a:t>
+            </a:r>
+            <a:r>
+              <a:rPr lang="pt-PT" sz="1200" dirty="0">
+                <a:ea typeface="+mn-lt"/>
+                <a:cs typeface="+mn-lt"/>
+              </a:rPr>
+              <a:t> </a:t>
+            </a:r>
+            <a:r>
+              <a:rPr lang="pt-PT" sz="1200" dirty="0" err="1">
+                <a:ea typeface="+mn-lt"/>
+                <a:cs typeface="+mn-lt"/>
+              </a:rPr>
+              <a:t>distribution</a:t>
+            </a:r>
+            <a:r>
+              <a:rPr lang="pt-PT" sz="1200" dirty="0">
+                <a:ea typeface="+mn-lt"/>
+                <a:cs typeface="+mn-lt"/>
+              </a:rPr>
+              <a:t> </a:t>
+            </a:r>
+            <a:r>
+              <a:rPr lang="pt-PT" sz="1200" dirty="0" err="1">
+                <a:ea typeface="+mn-lt"/>
+                <a:cs typeface="+mn-lt"/>
+              </a:rPr>
+              <a:t>of</a:t>
+            </a:r>
+            <a:r>
+              <a:rPr lang="pt-PT" sz="1200" dirty="0">
+                <a:ea typeface="+mn-lt"/>
+                <a:cs typeface="+mn-lt"/>
+              </a:rPr>
+              <a:t> </a:t>
+            </a:r>
+            <a:r>
+              <a:rPr lang="pt-PT" sz="1200" dirty="0" err="1">
+                <a:ea typeface="+mn-lt"/>
+                <a:cs typeface="+mn-lt"/>
+              </a:rPr>
+              <a:t>possible</a:t>
+            </a:r>
+            <a:r>
+              <a:rPr lang="pt-PT" sz="1200" dirty="0">
+                <a:ea typeface="+mn-lt"/>
+                <a:cs typeface="+mn-lt"/>
+              </a:rPr>
+              <a:t> </a:t>
+            </a:r>
+            <a:r>
+              <a:rPr lang="pt-PT" sz="1200" dirty="0" err="1">
+                <a:ea typeface="+mn-lt"/>
+                <a:cs typeface="+mn-lt"/>
+              </a:rPr>
+              <a:t>function</a:t>
+            </a:r>
+            <a:r>
+              <a:rPr lang="pt-PT" sz="1200" dirty="0">
+                <a:ea typeface="+mn-lt"/>
+                <a:cs typeface="+mn-lt"/>
+              </a:rPr>
+              <a:t> </a:t>
+            </a:r>
+            <a:r>
+              <a:rPr lang="pt-PT" sz="1200" dirty="0" err="1">
+                <a:ea typeface="+mn-lt"/>
+                <a:cs typeface="+mn-lt"/>
+              </a:rPr>
+              <a:t>values</a:t>
+            </a:r>
+            <a:r>
+              <a:rPr lang="pt-PT" sz="1200" dirty="0">
+                <a:ea typeface="+mn-lt"/>
+                <a:cs typeface="+mn-lt"/>
+              </a:rPr>
+              <a:t> </a:t>
+            </a:r>
+            <a:r>
+              <a:rPr lang="pt-PT" sz="1200" dirty="0" err="1">
+                <a:ea typeface="+mn-lt"/>
+                <a:cs typeface="+mn-lt"/>
+              </a:rPr>
+              <a:t>at</a:t>
+            </a:r>
+            <a:r>
+              <a:rPr lang="pt-PT" sz="1200" dirty="0">
+                <a:ea typeface="+mn-lt"/>
+                <a:cs typeface="+mn-lt"/>
+              </a:rPr>
+              <a:t> </a:t>
+            </a:r>
+            <a:r>
+              <a:rPr lang="pt-PT" sz="1200" b="1" dirty="0">
+                <a:ea typeface="+mn-lt"/>
+                <a:cs typeface="+mn-lt"/>
+              </a:rPr>
+              <a:t>θ</a:t>
+            </a:r>
+            <a:r>
+              <a:rPr lang="pt-PT" sz="1200" dirty="0">
+                <a:ea typeface="+mn-lt"/>
+                <a:cs typeface="+mn-lt"/>
+              </a:rPr>
+              <a:t>.</a:t>
+            </a:r>
+            <a:endParaRPr lang="pt-PT" dirty="0">
+              <a:ea typeface="+mn-lt"/>
+              <a:cs typeface="+mn-lt"/>
+            </a:endParaRPr>
+          </a:p>
+          <a:p>
+            <a:r>
+              <a:rPr lang="pt-PT" sz="1200" b="1" dirty="0" err="1">
+                <a:ea typeface="+mn-lt"/>
+                <a:cs typeface="+mn-lt"/>
+              </a:rPr>
+              <a:t>max</a:t>
+            </a:r>
+            <a:r>
+              <a:rPr lang="pt-PT" sz="1200" b="1" dirty="0">
+                <a:ea typeface="+mn-lt"/>
+                <a:cs typeface="+mn-lt"/>
+              </a:rPr>
+              <a:t>(γ - f(θ), 0)</a:t>
+            </a:r>
+            <a:r>
+              <a:rPr lang="pt-PT" sz="1200" dirty="0">
+                <a:ea typeface="+mn-lt"/>
+                <a:cs typeface="+mn-lt"/>
+              </a:rPr>
+              <a:t>: </a:t>
+            </a:r>
+            <a:r>
+              <a:rPr lang="pt-PT" sz="1200" dirty="0" err="1">
+                <a:ea typeface="+mn-lt"/>
+                <a:cs typeface="+mn-lt"/>
+              </a:rPr>
+              <a:t>The</a:t>
+            </a:r>
+            <a:r>
+              <a:rPr lang="pt-PT" sz="1200" dirty="0">
+                <a:ea typeface="+mn-lt"/>
+                <a:cs typeface="+mn-lt"/>
+              </a:rPr>
+              <a:t> </a:t>
+            </a:r>
+            <a:r>
+              <a:rPr lang="pt-PT" sz="1200" dirty="0" err="1">
+                <a:ea typeface="+mn-lt"/>
+                <a:cs typeface="+mn-lt"/>
+              </a:rPr>
+              <a:t>improvement</a:t>
+            </a:r>
+            <a:r>
+              <a:rPr lang="pt-PT" sz="1200" dirty="0">
+                <a:ea typeface="+mn-lt"/>
+                <a:cs typeface="+mn-lt"/>
+              </a:rPr>
+              <a:t> </a:t>
+            </a:r>
+            <a:r>
+              <a:rPr lang="pt-PT" sz="1200" dirty="0" err="1">
+                <a:ea typeface="+mn-lt"/>
+                <a:cs typeface="+mn-lt"/>
+              </a:rPr>
+              <a:t>at</a:t>
+            </a:r>
+            <a:r>
+              <a:rPr lang="pt-PT" sz="1200" dirty="0">
+                <a:ea typeface="+mn-lt"/>
+                <a:cs typeface="+mn-lt"/>
+              </a:rPr>
+              <a:t> a particular </a:t>
+            </a:r>
+            <a:r>
+              <a:rPr lang="pt-PT" sz="1200" dirty="0" err="1">
+                <a:ea typeface="+mn-lt"/>
+                <a:cs typeface="+mn-lt"/>
+              </a:rPr>
+              <a:t>point</a:t>
+            </a:r>
+            <a:r>
+              <a:rPr lang="pt-PT" sz="1200" dirty="0">
+                <a:ea typeface="+mn-lt"/>
+                <a:cs typeface="+mn-lt"/>
+              </a:rPr>
+              <a:t> </a:t>
+            </a:r>
+            <a:r>
+              <a:rPr lang="pt-PT" sz="1200" b="1" dirty="0">
+                <a:ea typeface="+mn-lt"/>
+                <a:cs typeface="+mn-lt"/>
+              </a:rPr>
+              <a:t>θ</a:t>
+            </a:r>
+            <a:r>
+              <a:rPr lang="pt-PT" sz="1200" dirty="0">
+                <a:ea typeface="+mn-lt"/>
+                <a:cs typeface="+mn-lt"/>
+              </a:rPr>
+              <a:t>, </a:t>
+            </a:r>
+            <a:r>
+              <a:rPr lang="pt-PT" sz="1200" dirty="0" err="1">
+                <a:ea typeface="+mn-lt"/>
+                <a:cs typeface="+mn-lt"/>
+              </a:rPr>
+              <a:t>which</a:t>
+            </a:r>
+            <a:r>
+              <a:rPr lang="pt-PT" sz="1200" dirty="0">
+                <a:ea typeface="+mn-lt"/>
+                <a:cs typeface="+mn-lt"/>
+              </a:rPr>
+              <a:t> </a:t>
+            </a:r>
+            <a:r>
+              <a:rPr lang="pt-PT" sz="1200" dirty="0" err="1">
+                <a:ea typeface="+mn-lt"/>
+                <a:cs typeface="+mn-lt"/>
+              </a:rPr>
+              <a:t>is</a:t>
+            </a:r>
+            <a:r>
+              <a:rPr lang="pt-PT" sz="1200" dirty="0">
+                <a:ea typeface="+mn-lt"/>
+                <a:cs typeface="+mn-lt"/>
+              </a:rPr>
+              <a:t> </a:t>
+            </a:r>
+            <a:r>
+              <a:rPr lang="pt-PT" sz="1200" dirty="0" err="1">
+                <a:ea typeface="+mn-lt"/>
+                <a:cs typeface="+mn-lt"/>
+              </a:rPr>
+              <a:t>the</a:t>
+            </a:r>
+            <a:r>
+              <a:rPr lang="pt-PT" sz="1200" dirty="0">
+                <a:ea typeface="+mn-lt"/>
+                <a:cs typeface="+mn-lt"/>
+              </a:rPr>
+              <a:t> </a:t>
+            </a:r>
+            <a:r>
+              <a:rPr lang="pt-PT" sz="1200" dirty="0" err="1">
+                <a:ea typeface="+mn-lt"/>
+                <a:cs typeface="+mn-lt"/>
+              </a:rPr>
+              <a:t>difference</a:t>
+            </a:r>
+            <a:r>
+              <a:rPr lang="pt-PT" sz="1200" dirty="0">
+                <a:ea typeface="+mn-lt"/>
+                <a:cs typeface="+mn-lt"/>
+              </a:rPr>
+              <a:t> </a:t>
+            </a:r>
+            <a:r>
+              <a:rPr lang="pt-PT" sz="1200" dirty="0" err="1">
+                <a:ea typeface="+mn-lt"/>
+                <a:cs typeface="+mn-lt"/>
+              </a:rPr>
+              <a:t>between</a:t>
+            </a:r>
+            <a:r>
+              <a:rPr lang="pt-PT" sz="1200" dirty="0">
+                <a:ea typeface="+mn-lt"/>
+                <a:cs typeface="+mn-lt"/>
+              </a:rPr>
+              <a:t> </a:t>
+            </a:r>
+            <a:r>
+              <a:rPr lang="pt-PT" sz="1200" dirty="0" err="1">
+                <a:ea typeface="+mn-lt"/>
+                <a:cs typeface="+mn-lt"/>
+              </a:rPr>
+              <a:t>the</a:t>
+            </a:r>
+            <a:r>
+              <a:rPr lang="pt-PT" sz="1200" dirty="0">
+                <a:ea typeface="+mn-lt"/>
+                <a:cs typeface="+mn-lt"/>
+              </a:rPr>
+              <a:t> </a:t>
+            </a:r>
+            <a:r>
+              <a:rPr lang="pt-PT" sz="1200" dirty="0" err="1">
+                <a:ea typeface="+mn-lt"/>
+                <a:cs typeface="+mn-lt"/>
+              </a:rPr>
+              <a:t>best</a:t>
+            </a:r>
+            <a:r>
+              <a:rPr lang="pt-PT" sz="1200" dirty="0">
+                <a:ea typeface="+mn-lt"/>
+                <a:cs typeface="+mn-lt"/>
+              </a:rPr>
+              <a:t> </a:t>
+            </a:r>
+            <a:r>
+              <a:rPr lang="pt-PT" sz="1200" dirty="0" err="1">
+                <a:ea typeface="+mn-lt"/>
+                <a:cs typeface="+mn-lt"/>
+              </a:rPr>
+              <a:t>value</a:t>
+            </a:r>
+            <a:r>
+              <a:rPr lang="pt-PT" sz="1200" dirty="0">
+                <a:ea typeface="+mn-lt"/>
+                <a:cs typeface="+mn-lt"/>
+              </a:rPr>
+              <a:t> </a:t>
+            </a:r>
+            <a:r>
+              <a:rPr lang="pt-PT" sz="1200" b="1" dirty="0">
+                <a:ea typeface="+mn-lt"/>
+                <a:cs typeface="+mn-lt"/>
+              </a:rPr>
+              <a:t>γ</a:t>
+            </a:r>
+            <a:r>
+              <a:rPr lang="pt-PT" sz="1200" dirty="0">
+                <a:ea typeface="+mn-lt"/>
+                <a:cs typeface="+mn-lt"/>
+              </a:rPr>
+              <a:t> </a:t>
+            </a:r>
+            <a:r>
+              <a:rPr lang="pt-PT" sz="1200" dirty="0" err="1">
+                <a:ea typeface="+mn-lt"/>
+                <a:cs typeface="+mn-lt"/>
+              </a:rPr>
+              <a:t>and</a:t>
+            </a:r>
+            <a:r>
+              <a:rPr lang="pt-PT" sz="1200" dirty="0">
+                <a:ea typeface="+mn-lt"/>
+                <a:cs typeface="+mn-lt"/>
+              </a:rPr>
+              <a:t> </a:t>
+            </a:r>
+            <a:r>
+              <a:rPr lang="pt-PT" sz="1200" dirty="0" err="1">
+                <a:ea typeface="+mn-lt"/>
+                <a:cs typeface="+mn-lt"/>
+              </a:rPr>
+              <a:t>the</a:t>
+            </a:r>
+            <a:r>
+              <a:rPr lang="pt-PT" sz="1200" dirty="0">
+                <a:ea typeface="+mn-lt"/>
+                <a:cs typeface="+mn-lt"/>
+              </a:rPr>
+              <a:t> </a:t>
+            </a:r>
+            <a:r>
+              <a:rPr lang="pt-PT" sz="1200" dirty="0" err="1">
+                <a:ea typeface="+mn-lt"/>
+                <a:cs typeface="+mn-lt"/>
+              </a:rPr>
+              <a:t>predicted</a:t>
+            </a:r>
+            <a:r>
+              <a:rPr lang="pt-PT" sz="1200" dirty="0">
+                <a:ea typeface="+mn-lt"/>
+                <a:cs typeface="+mn-lt"/>
+              </a:rPr>
+              <a:t> </a:t>
+            </a:r>
+            <a:r>
+              <a:rPr lang="pt-PT" sz="1200" dirty="0" err="1">
+                <a:ea typeface="+mn-lt"/>
+                <a:cs typeface="+mn-lt"/>
+              </a:rPr>
+              <a:t>value</a:t>
+            </a:r>
+            <a:r>
+              <a:rPr lang="pt-PT" sz="1200" dirty="0">
+                <a:ea typeface="+mn-lt"/>
+                <a:cs typeface="+mn-lt"/>
+              </a:rPr>
+              <a:t> </a:t>
+            </a:r>
+            <a:r>
+              <a:rPr lang="pt-PT" sz="1200" b="1" dirty="0">
+                <a:ea typeface="+mn-lt"/>
+                <a:cs typeface="+mn-lt"/>
+              </a:rPr>
+              <a:t>f(θ)</a:t>
+            </a:r>
+            <a:r>
+              <a:rPr lang="pt-PT" sz="1200" dirty="0">
+                <a:ea typeface="+mn-lt"/>
+                <a:cs typeface="+mn-lt"/>
+              </a:rPr>
+              <a:t>. </a:t>
+            </a:r>
+            <a:r>
+              <a:rPr lang="pt-PT" sz="1200" dirty="0" err="1">
+                <a:ea typeface="+mn-lt"/>
+                <a:cs typeface="+mn-lt"/>
+              </a:rPr>
+              <a:t>If</a:t>
+            </a:r>
+            <a:r>
+              <a:rPr lang="pt-PT" sz="1200" dirty="0">
+                <a:ea typeface="+mn-lt"/>
+                <a:cs typeface="+mn-lt"/>
+              </a:rPr>
+              <a:t> </a:t>
+            </a:r>
+            <a:r>
+              <a:rPr lang="pt-PT" sz="1200" dirty="0" err="1">
+                <a:ea typeface="+mn-lt"/>
+                <a:cs typeface="+mn-lt"/>
+              </a:rPr>
+              <a:t>the</a:t>
+            </a:r>
+            <a:r>
+              <a:rPr lang="pt-PT" sz="1200" dirty="0">
+                <a:ea typeface="+mn-lt"/>
+                <a:cs typeface="+mn-lt"/>
+              </a:rPr>
+              <a:t> </a:t>
+            </a:r>
+            <a:r>
+              <a:rPr lang="pt-PT" sz="1200" dirty="0" err="1">
+                <a:ea typeface="+mn-lt"/>
+                <a:cs typeface="+mn-lt"/>
+              </a:rPr>
+              <a:t>predicted</a:t>
+            </a:r>
+            <a:r>
+              <a:rPr lang="pt-PT" sz="1200" dirty="0">
+                <a:ea typeface="+mn-lt"/>
+                <a:cs typeface="+mn-lt"/>
+              </a:rPr>
+              <a:t> </a:t>
+            </a:r>
+            <a:r>
+              <a:rPr lang="pt-PT" sz="1200" dirty="0" err="1">
+                <a:ea typeface="+mn-lt"/>
+                <a:cs typeface="+mn-lt"/>
+              </a:rPr>
+              <a:t>value</a:t>
+            </a:r>
+            <a:r>
+              <a:rPr lang="pt-PT" sz="1200" dirty="0">
+                <a:ea typeface="+mn-lt"/>
+                <a:cs typeface="+mn-lt"/>
+              </a:rPr>
+              <a:t> </a:t>
+            </a:r>
+            <a:r>
+              <a:rPr lang="pt-PT" sz="1200" dirty="0" err="1">
+                <a:ea typeface="+mn-lt"/>
+                <a:cs typeface="+mn-lt"/>
+              </a:rPr>
+              <a:t>is</a:t>
+            </a:r>
+            <a:r>
+              <a:rPr lang="pt-PT" sz="1200" dirty="0">
+                <a:ea typeface="+mn-lt"/>
+                <a:cs typeface="+mn-lt"/>
+              </a:rPr>
+              <a:t> </a:t>
+            </a:r>
+            <a:r>
+              <a:rPr lang="pt-PT" sz="1200" dirty="0" err="1">
+                <a:ea typeface="+mn-lt"/>
+                <a:cs typeface="+mn-lt"/>
+              </a:rPr>
+              <a:t>worse</a:t>
+            </a:r>
+            <a:r>
+              <a:rPr lang="pt-PT" sz="1200" dirty="0">
+                <a:ea typeface="+mn-lt"/>
+                <a:cs typeface="+mn-lt"/>
+              </a:rPr>
+              <a:t> </a:t>
+            </a:r>
+            <a:r>
+              <a:rPr lang="pt-PT" sz="1200" dirty="0" err="1">
+                <a:ea typeface="+mn-lt"/>
+                <a:cs typeface="+mn-lt"/>
+              </a:rPr>
+              <a:t>than</a:t>
+            </a:r>
+            <a:r>
+              <a:rPr lang="pt-PT" sz="1200" dirty="0">
+                <a:ea typeface="+mn-lt"/>
+                <a:cs typeface="+mn-lt"/>
+              </a:rPr>
+              <a:t> </a:t>
+            </a:r>
+            <a:r>
+              <a:rPr lang="pt-PT" sz="1200" b="1" dirty="0">
+                <a:ea typeface="+mn-lt"/>
+                <a:cs typeface="+mn-lt"/>
+              </a:rPr>
+              <a:t>γ</a:t>
+            </a:r>
+            <a:r>
+              <a:rPr lang="pt-PT" sz="1200" dirty="0">
+                <a:ea typeface="+mn-lt"/>
+                <a:cs typeface="+mn-lt"/>
+              </a:rPr>
+              <a:t>, </a:t>
+            </a:r>
+            <a:r>
+              <a:rPr lang="pt-PT" sz="1200" dirty="0" err="1">
+                <a:ea typeface="+mn-lt"/>
+                <a:cs typeface="+mn-lt"/>
+              </a:rPr>
+              <a:t>the</a:t>
+            </a:r>
+            <a:r>
+              <a:rPr lang="pt-PT" sz="1200" dirty="0">
+                <a:ea typeface="+mn-lt"/>
+                <a:cs typeface="+mn-lt"/>
+              </a:rPr>
+              <a:t> </a:t>
+            </a:r>
+            <a:r>
+              <a:rPr lang="pt-PT" sz="1200" dirty="0" err="1">
+                <a:ea typeface="+mn-lt"/>
+                <a:cs typeface="+mn-lt"/>
+              </a:rPr>
+              <a:t>improvement</a:t>
+            </a:r>
+            <a:r>
+              <a:rPr lang="pt-PT" sz="1200" dirty="0">
+                <a:ea typeface="+mn-lt"/>
+                <a:cs typeface="+mn-lt"/>
+              </a:rPr>
+              <a:t> </a:t>
+            </a:r>
+            <a:r>
+              <a:rPr lang="pt-PT" sz="1200" dirty="0" err="1">
+                <a:ea typeface="+mn-lt"/>
+                <a:cs typeface="+mn-lt"/>
+              </a:rPr>
+              <a:t>is</a:t>
+            </a:r>
+            <a:r>
+              <a:rPr lang="pt-PT" sz="1200" dirty="0">
+                <a:ea typeface="+mn-lt"/>
+                <a:cs typeface="+mn-lt"/>
+              </a:rPr>
+              <a:t> set to 0 (i.e., no </a:t>
+            </a:r>
+            <a:r>
+              <a:rPr lang="pt-PT" sz="1200" dirty="0" err="1">
+                <a:ea typeface="+mn-lt"/>
+                <a:cs typeface="+mn-lt"/>
+              </a:rPr>
+              <a:t>improvement</a:t>
+            </a:r>
+            <a:r>
+              <a:rPr lang="pt-PT" sz="1200" dirty="0">
+                <a:ea typeface="+mn-lt"/>
+                <a:cs typeface="+mn-lt"/>
+              </a:rPr>
+              <a:t>).</a:t>
+            </a:r>
+            <a:endParaRPr lang="pt-PT" dirty="0"/>
+          </a:p>
+          <a:p>
+            <a:endParaRPr lang="pt-PT" sz="1200" dirty="0"/>
+          </a:p>
+        </p:txBody>
+      </p:sp>
+    </p:spTree>
+    <p:extLst>
+      <p:ext uri="{BB962C8B-B14F-4D97-AF65-F5344CB8AC3E}">
+        <p14:creationId xmlns:p14="http://schemas.microsoft.com/office/powerpoint/2010/main" val="708924134"/>
+      </p:ext>
+    </p:extLst>
+  </p:cSld>
+  <p:clrMapOvr>
+    <a:masterClrMapping/>
+  </p:clrMapOvr>
+</p:sld>
+</file>
+
+<file path=ppt/slides/slide31.xml><?xml version="1.0" encoding="utf-8"?>
+<p:sld xmlns:a="http://schemas.openxmlformats.org/drawingml/2006/main" xmlns:r="http://schemas.openxmlformats.org/officeDocument/2006/relationships" xmlns:p="http://schemas.openxmlformats.org/presentationml/2006/main">
+  <p:cSld>
+    <p:spTree>
+      <p:nvGrpSpPr>
+        <p:cNvPr id="1" name=""/>
+        <p:cNvGrpSpPr/>
+        <p:nvPr/>
+      </p:nvGrpSpPr>
+      <p:grpSpPr>
+        <a:xfrm>
+          <a:off x="0" y="0"/>
+          <a:ext cx="0" cy="0"/>
+          <a:chOff x="0" y="0"/>
+          <a:chExt cx="0" cy="0"/>
+        </a:xfrm>
+      </p:grpSpPr>
+      <p:sp>
+        <p:nvSpPr>
+          <p:cNvPr id="2" name="Título 1">
+            <a:extLst>
+              <a:ext uri="{FF2B5EF4-FFF2-40B4-BE49-F238E27FC236}">
+                <a16:creationId xmlns:a16="http://schemas.microsoft.com/office/drawing/2014/main" id="{4D56E20A-6DB5-4A6B-9EEB-FA9732C72527}"/>
+              </a:ext>
+            </a:extLst>
+          </p:cNvPr>
+          <p:cNvSpPr>
+            <a:spLocks noGrp="1"/>
+          </p:cNvSpPr>
+          <p:nvPr>
+            <p:ph type="title"/>
+          </p:nvPr>
+        </p:nvSpPr>
+        <p:spPr>
+          <a:xfrm>
+            <a:off x="170048" y="-177"/>
+            <a:ext cx="10515600" cy="1325563"/>
+          </a:xfrm>
+        </p:spPr>
+        <p:txBody>
+          <a:bodyPr>
+            <a:normAutofit/>
+          </a:bodyPr>
+          <a:lstStyle/>
+          <a:p>
+            <a:r>
+              <a:rPr lang="pt-PT" sz="3600" b="1" dirty="0" err="1">
+                <a:solidFill>
+                  <a:srgbClr val="092953"/>
+                </a:solidFill>
+                <a:latin typeface="Cambria"/>
+                <a:ea typeface="Cambria"/>
+              </a:rPr>
+              <a:t>Bayesian</a:t>
+            </a:r>
+            <a:r>
+              <a:rPr lang="pt-PT" sz="3600" b="1" dirty="0">
+                <a:solidFill>
+                  <a:srgbClr val="092953"/>
+                </a:solidFill>
+                <a:latin typeface="Cambria"/>
+                <a:ea typeface="Cambria"/>
+              </a:rPr>
+              <a:t> </a:t>
+            </a:r>
+            <a:r>
+              <a:rPr lang="pt-PT" sz="3600" b="1" dirty="0" err="1">
+                <a:solidFill>
+                  <a:srgbClr val="092953"/>
+                </a:solidFill>
+                <a:latin typeface="Cambria"/>
+                <a:ea typeface="Cambria"/>
+              </a:rPr>
+              <a:t>Optimization</a:t>
+            </a:r>
+          </a:p>
+        </p:txBody>
+      </p:sp>
+      <p:sp>
+        <p:nvSpPr>
+          <p:cNvPr id="4" name="Retângulo 3">
+            <a:extLst>
+              <a:ext uri="{FF2B5EF4-FFF2-40B4-BE49-F238E27FC236}">
+                <a16:creationId xmlns:a16="http://schemas.microsoft.com/office/drawing/2014/main" id="{C49AACF5-CCF4-E6B6-98B5-BF66BBB3419C}"/>
+              </a:ext>
+            </a:extLst>
+          </p:cNvPr>
+          <p:cNvSpPr/>
+          <p:nvPr/>
+        </p:nvSpPr>
+        <p:spPr>
+          <a:xfrm>
+            <a:off x="0" y="6626645"/>
+            <a:ext cx="12192000" cy="231355"/>
+          </a:xfrm>
+          <a:prstGeom prst="rect">
+            <a:avLst/>
+          </a:prstGeom>
+          <a:solidFill>
+            <a:srgbClr val="092953"/>
+          </a:solidFill>
+          <a:ln>
+            <a:solidFill>
+              <a:srgbClr val="092953"/>
+            </a:solidFill>
+          </a:ln>
+        </p:spPr>
+        <p:style>
+          <a:lnRef idx="2">
+            <a:schemeClr val="accent1">
+              <a:shade val="15000"/>
+            </a:schemeClr>
+          </a:lnRef>
+          <a:fillRef idx="1">
+            <a:schemeClr val="accent1"/>
+          </a:fillRef>
+          <a:effectRef idx="0">
+            <a:schemeClr val="accent1"/>
+          </a:effectRef>
+          <a:fontRef idx="minor">
+            <a:schemeClr val="lt1"/>
+          </a:fontRef>
+        </p:style>
+        <p:txBody>
+          <a:bodyPr rot="0" spcFirstLastPara="0" vert="horz" wrap="square" lIns="91440" tIns="45720" rIns="91440" bIns="45720" numCol="1" spcCol="0" rtlCol="0" fromWordArt="0" anchor="ctr" anchorCtr="0" forceAA="0" compatLnSpc="1">
+            <a:prstTxWarp prst="textNoShape">
+              <a:avLst/>
+            </a:prstTxWarp>
+            <a:noAutofit/>
+          </a:bodyPr>
+          <a:lstStyle>
+            <a:defPPr>
+              <a:defRPr lang="pt-PT"/>
+            </a:defPPr>
+            <a:lvl1pPr marL="0" algn="l" defTabSz="914400" rtl="0" eaLnBrk="1" latinLnBrk="0" hangingPunct="1">
+              <a:defRPr sz="1800" kern="1200">
+                <a:solidFill>
+                  <a:schemeClr val="lt1"/>
+                </a:solidFill>
+                <a:latin typeface="+mn-lt"/>
+                <a:ea typeface="+mn-ea"/>
+                <a:cs typeface="+mn-cs"/>
+              </a:defRPr>
+            </a:lvl1pPr>
+            <a:lvl2pPr marL="457200" algn="l" defTabSz="914400" rtl="0" eaLnBrk="1" latinLnBrk="0" hangingPunct="1">
+              <a:defRPr sz="1800" kern="1200">
+                <a:solidFill>
+                  <a:schemeClr val="lt1"/>
+                </a:solidFill>
+                <a:latin typeface="+mn-lt"/>
+                <a:ea typeface="+mn-ea"/>
+                <a:cs typeface="+mn-cs"/>
+              </a:defRPr>
+            </a:lvl2pPr>
+            <a:lvl3pPr marL="914400" algn="l" defTabSz="914400" rtl="0" eaLnBrk="1" latinLnBrk="0" hangingPunct="1">
+              <a:defRPr sz="1800" kern="1200">
+                <a:solidFill>
+                  <a:schemeClr val="lt1"/>
+                </a:solidFill>
+                <a:latin typeface="+mn-lt"/>
+                <a:ea typeface="+mn-ea"/>
+                <a:cs typeface="+mn-cs"/>
+              </a:defRPr>
+            </a:lvl3pPr>
+            <a:lvl4pPr marL="1371600" algn="l" defTabSz="914400" rtl="0" eaLnBrk="1" latinLnBrk="0" hangingPunct="1">
+              <a:defRPr sz="1800" kern="1200">
+                <a:solidFill>
+                  <a:schemeClr val="lt1"/>
+                </a:solidFill>
+                <a:latin typeface="+mn-lt"/>
+                <a:ea typeface="+mn-ea"/>
+                <a:cs typeface="+mn-cs"/>
+              </a:defRPr>
+            </a:lvl4pPr>
+            <a:lvl5pPr marL="1828800" algn="l" defTabSz="914400" rtl="0" eaLnBrk="1" latinLnBrk="0" hangingPunct="1">
+              <a:defRPr sz="1800" kern="1200">
+                <a:solidFill>
+                  <a:schemeClr val="lt1"/>
+                </a:solidFill>
+                <a:latin typeface="+mn-lt"/>
+                <a:ea typeface="+mn-ea"/>
+                <a:cs typeface="+mn-cs"/>
+              </a:defRPr>
+            </a:lvl5pPr>
+            <a:lvl6pPr marL="2286000" algn="l" defTabSz="914400" rtl="0" eaLnBrk="1" latinLnBrk="0" hangingPunct="1">
+              <a:defRPr sz="1800" kern="1200">
+                <a:solidFill>
+                  <a:schemeClr val="lt1"/>
+                </a:solidFill>
+                <a:latin typeface="+mn-lt"/>
+                <a:ea typeface="+mn-ea"/>
+                <a:cs typeface="+mn-cs"/>
+              </a:defRPr>
+            </a:lvl6pPr>
+            <a:lvl7pPr marL="2743200" algn="l" defTabSz="914400" rtl="0" eaLnBrk="1" latinLnBrk="0" hangingPunct="1">
+              <a:defRPr sz="1800" kern="1200">
+                <a:solidFill>
+                  <a:schemeClr val="lt1"/>
+                </a:solidFill>
+                <a:latin typeface="+mn-lt"/>
+                <a:ea typeface="+mn-ea"/>
+                <a:cs typeface="+mn-cs"/>
+              </a:defRPr>
+            </a:lvl7pPr>
+            <a:lvl8pPr marL="3200400" algn="l" defTabSz="914400" rtl="0" eaLnBrk="1" latinLnBrk="0" hangingPunct="1">
+              <a:defRPr sz="1800" kern="1200">
+                <a:solidFill>
+                  <a:schemeClr val="lt1"/>
+                </a:solidFill>
+                <a:latin typeface="+mn-lt"/>
+                <a:ea typeface="+mn-ea"/>
+                <a:cs typeface="+mn-cs"/>
+              </a:defRPr>
+            </a:lvl8pPr>
+            <a:lvl9pPr marL="3657600" algn="l" defTabSz="914400" rtl="0" eaLnBrk="1" latinLnBrk="0" hangingPunct="1">
+              <a:defRPr sz="1800" kern="1200">
+                <a:solidFill>
+                  <a:schemeClr val="lt1"/>
+                </a:solidFill>
+                <a:latin typeface="+mn-lt"/>
+                <a:ea typeface="+mn-ea"/>
+                <a:cs typeface="+mn-cs"/>
+              </a:defRPr>
+            </a:lvl9pPr>
+          </a:lstStyle>
+          <a:p>
+            <a:pPr algn="ctr"/>
+            <a:endParaRPr lang="pt-PT"/>
+          </a:p>
+        </p:txBody>
+      </p:sp>
+      <p:pic>
+        <p:nvPicPr>
+          <p:cNvPr id="7" name="Imagem 6" descr="Portal do Colaborador">
+            <a:extLst>
+              <a:ext uri="{FF2B5EF4-FFF2-40B4-BE49-F238E27FC236}">
+                <a16:creationId xmlns:a16="http://schemas.microsoft.com/office/drawing/2014/main" id="{A59B6DA3-4BA1-94F4-4AA2-59A6261305AE}"/>
+              </a:ext>
+            </a:extLst>
+          </p:cNvPr>
+          <p:cNvPicPr>
+            <a:picLocks noChangeAspect="1"/>
+          </p:cNvPicPr>
+          <p:nvPr/>
+        </p:nvPicPr>
+        <p:blipFill>
+          <a:blip r:embed="rId2"/>
+          <a:stretch>
+            <a:fillRect/>
+          </a:stretch>
+        </p:blipFill>
+        <p:spPr>
+          <a:xfrm>
+            <a:off x="10199775" y="117119"/>
+            <a:ext cx="1877314" cy="869240"/>
+          </a:xfrm>
+          <a:prstGeom prst="rect">
+            <a:avLst/>
+          </a:prstGeom>
+        </p:spPr>
+      </p:pic>
+      <p:sp>
+        <p:nvSpPr>
+          <p:cNvPr id="6" name="CaixaDeTexto 5">
+            <a:extLst>
+              <a:ext uri="{FF2B5EF4-FFF2-40B4-BE49-F238E27FC236}">
+                <a16:creationId xmlns:a16="http://schemas.microsoft.com/office/drawing/2014/main" id="{AE4BAC88-6A2B-E578-4ABE-EF35CB42086C}"/>
+              </a:ext>
+            </a:extLst>
+          </p:cNvPr>
+          <p:cNvSpPr txBox="1"/>
+          <p:nvPr/>
+        </p:nvSpPr>
+        <p:spPr>
+          <a:xfrm>
+            <a:off x="5275244" y="6624808"/>
+            <a:ext cx="6801079" cy="230832"/>
+          </a:xfrm>
+          <a:prstGeom prst="rect">
+            <a:avLst/>
+          </a:prstGeom>
+          <a:noFill/>
+        </p:spPr>
+        <p:txBody>
+          <a:bodyPr rot="0" spcFirstLastPara="0" vertOverflow="overflow" horzOverflow="overflow" vert="horz" wrap="square" lIns="91440" tIns="45720" rIns="91440" bIns="45720" numCol="1" spcCol="0" rtlCol="0" fromWordArt="0" anchor="t" anchorCtr="0" forceAA="0" compatLnSpc="1">
+            <a:prstTxWarp prst="textNoShape">
+              <a:avLst/>
+            </a:prstTxWarp>
+            <a:spAutoFit/>
+          </a:bodyPr>
+          <a:lstStyle/>
+          <a:p>
+            <a:pPr algn="r"/>
+            <a:r>
+              <a:rPr lang="pt-PT" sz="900" dirty="0" err="1">
+                <a:solidFill>
+                  <a:srgbClr val="FFFFFF"/>
+                </a:solidFill>
+                <a:latin typeface="Times New Roman"/>
+                <a:cs typeface="Times New Roman"/>
+              </a:rPr>
+              <a:t>Session</a:t>
+            </a:r>
+            <a:r>
+              <a:rPr lang="pt-PT" sz="900" dirty="0">
+                <a:solidFill>
+                  <a:srgbClr val="FFFFFF"/>
+                </a:solidFill>
+                <a:latin typeface="Times New Roman"/>
+                <a:cs typeface="Times New Roman"/>
+              </a:rPr>
+              <a:t> 7</a:t>
+            </a:r>
+            <a:endParaRPr lang="pt-PT" dirty="0"/>
+          </a:p>
+        </p:txBody>
+      </p:sp>
+      <p:sp>
+        <p:nvSpPr>
+          <p:cNvPr id="11" name="CaixaDeTexto 10">
+            <a:extLst>
+              <a:ext uri="{FF2B5EF4-FFF2-40B4-BE49-F238E27FC236}">
+                <a16:creationId xmlns:a16="http://schemas.microsoft.com/office/drawing/2014/main" id="{8B07AB84-C223-320B-881C-FC4669F61BF7}"/>
+              </a:ext>
+            </a:extLst>
+          </p:cNvPr>
+          <p:cNvSpPr txBox="1"/>
+          <p:nvPr/>
+        </p:nvSpPr>
+        <p:spPr>
+          <a:xfrm>
+            <a:off x="60594" y="6624809"/>
+            <a:ext cx="6801079" cy="230832"/>
+          </a:xfrm>
+          <a:prstGeom prst="rect">
+            <a:avLst/>
+          </a:prstGeom>
+          <a:noFill/>
+        </p:spPr>
+        <p:txBody>
+          <a:bodyPr rot="0" spcFirstLastPara="0" vertOverflow="overflow" horzOverflow="overflow" vert="horz" wrap="square" lIns="91440" tIns="45720" rIns="91440" bIns="45720" numCol="1" spcCol="0" rtlCol="0" fromWordArt="0" anchor="t" anchorCtr="0" forceAA="0" compatLnSpc="1">
+            <a:prstTxWarp prst="textNoShape">
+              <a:avLst/>
+            </a:prstTxWarp>
+            <a:spAutoFit/>
+          </a:bodyPr>
+          <a:lstStyle/>
+          <a:p>
+            <a:r>
+              <a:rPr lang="pt-PT" sz="900" dirty="0" err="1">
+                <a:solidFill>
+                  <a:srgbClr val="FFFFFF"/>
+                </a:solidFill>
+                <a:ea typeface="+mn-lt"/>
+                <a:cs typeface="+mn-lt"/>
+              </a:rPr>
+              <a:t>Model</a:t>
+            </a:r>
+            <a:r>
+              <a:rPr lang="pt-PT" sz="900" dirty="0">
+                <a:solidFill>
+                  <a:srgbClr val="FFFFFF"/>
+                </a:solidFill>
+                <a:ea typeface="+mn-lt"/>
+                <a:cs typeface="+mn-lt"/>
+              </a:rPr>
+              <a:t> </a:t>
+            </a:r>
+            <a:r>
+              <a:rPr lang="pt-PT" sz="900" dirty="0" err="1">
+                <a:solidFill>
+                  <a:srgbClr val="FFFFFF"/>
+                </a:solidFill>
+                <a:ea typeface="+mn-lt"/>
+                <a:cs typeface="+mn-lt"/>
+              </a:rPr>
+              <a:t>Selection</a:t>
+            </a:r>
+            <a:r>
+              <a:rPr lang="pt-PT" sz="900" dirty="0">
+                <a:solidFill>
+                  <a:srgbClr val="FFFFFF"/>
+                </a:solidFill>
+                <a:ea typeface="+mn-lt"/>
+                <a:cs typeface="+mn-lt"/>
+              </a:rPr>
+              <a:t> </a:t>
+            </a:r>
+            <a:r>
+              <a:rPr lang="pt-PT" sz="900" dirty="0" err="1">
+                <a:solidFill>
+                  <a:srgbClr val="FFFFFF"/>
+                </a:solidFill>
+                <a:ea typeface="+mn-lt"/>
+                <a:cs typeface="+mn-lt"/>
+              </a:rPr>
+              <a:t>and</a:t>
+            </a:r>
+            <a:r>
+              <a:rPr lang="pt-PT" sz="900" dirty="0">
+                <a:solidFill>
+                  <a:srgbClr val="FFFFFF"/>
+                </a:solidFill>
+                <a:ea typeface="+mn-lt"/>
+                <a:cs typeface="+mn-lt"/>
+              </a:rPr>
+              <a:t> </a:t>
+            </a:r>
+            <a:r>
+              <a:rPr lang="pt-PT" sz="900" dirty="0" err="1">
+                <a:solidFill>
+                  <a:srgbClr val="FFFFFF"/>
+                </a:solidFill>
+                <a:ea typeface="+mn-lt"/>
+                <a:cs typeface="+mn-lt"/>
+              </a:rPr>
+              <a:t>Hyperparameter</a:t>
+            </a:r>
+            <a:r>
+              <a:rPr lang="pt-PT" sz="900" dirty="0">
+                <a:solidFill>
+                  <a:srgbClr val="FFFFFF"/>
+                </a:solidFill>
+                <a:ea typeface="+mn-lt"/>
+                <a:cs typeface="+mn-lt"/>
+              </a:rPr>
+              <a:t> </a:t>
+            </a:r>
+            <a:r>
+              <a:rPr lang="pt-PT" sz="900" dirty="0" err="1">
+                <a:solidFill>
+                  <a:srgbClr val="FFFFFF"/>
+                </a:solidFill>
+                <a:ea typeface="+mn-lt"/>
+                <a:cs typeface="+mn-lt"/>
+              </a:rPr>
+              <a:t>Tuning</a:t>
+            </a:r>
+            <a:endParaRPr lang="pt-PT" dirty="0" err="1"/>
+          </a:p>
+        </p:txBody>
+      </p:sp>
+      <p:pic>
+        <p:nvPicPr>
+          <p:cNvPr id="10" name="Marcador de Posição de Conteúdo 9" descr="Uma imagem com texto, file, diagrama, Gráfico&#10;&#10;Descrição gerada automaticamente">
+            <a:extLst>
+              <a:ext uri="{FF2B5EF4-FFF2-40B4-BE49-F238E27FC236}">
+                <a16:creationId xmlns:a16="http://schemas.microsoft.com/office/drawing/2014/main" id="{988D5FC9-2F05-BAB8-AB14-954789BBE8A0}"/>
+              </a:ext>
+            </a:extLst>
+          </p:cNvPr>
+          <p:cNvPicPr>
+            <a:picLocks noGrp="1" noChangeAspect="1"/>
+          </p:cNvPicPr>
+          <p:nvPr>
+            <p:ph idx="1"/>
+          </p:nvPr>
+        </p:nvPicPr>
+        <p:blipFill>
+          <a:blip r:embed="rId3"/>
+          <a:stretch>
+            <a:fillRect/>
+          </a:stretch>
+        </p:blipFill>
+        <p:spPr>
+          <a:xfrm>
+            <a:off x="2550901" y="1197489"/>
+            <a:ext cx="7100494" cy="5092743"/>
+          </a:xfrm>
+        </p:spPr>
+      </p:pic>
+    </p:spTree>
+    <p:extLst>
+      <p:ext uri="{BB962C8B-B14F-4D97-AF65-F5344CB8AC3E}">
+        <p14:creationId xmlns:p14="http://schemas.microsoft.com/office/powerpoint/2010/main" val="3017009480"/>
+      </p:ext>
+    </p:extLst>
+  </p:cSld>
+  <p:clrMapOvr>
+    <a:masterClrMapping/>
+  </p:clrMapOvr>
+</p:sld>
+</file>
+
+<file path=ppt/slides/slide32.xml><?xml version="1.0" encoding="utf-8"?>
+<p:sld xmlns:a="http://schemas.openxmlformats.org/drawingml/2006/main" xmlns:r="http://schemas.openxmlformats.org/officeDocument/2006/relationships" xmlns:p="http://schemas.openxmlformats.org/presentationml/2006/main">
+  <p:cSld>
+    <p:spTree>
+      <p:nvGrpSpPr>
+        <p:cNvPr id="1" name=""/>
+        <p:cNvGrpSpPr/>
+        <p:nvPr/>
+      </p:nvGrpSpPr>
+      <p:grpSpPr>
+        <a:xfrm>
+          <a:off x="0" y="0"/>
+          <a:ext cx="0" cy="0"/>
+          <a:chOff x="0" y="0"/>
+          <a:chExt cx="0" cy="0"/>
+        </a:xfrm>
+      </p:grpSpPr>
+      <p:sp>
+        <p:nvSpPr>
+          <p:cNvPr id="2" name="Título 1">
+            <a:extLst>
+              <a:ext uri="{FF2B5EF4-FFF2-40B4-BE49-F238E27FC236}">
+                <a16:creationId xmlns:a16="http://schemas.microsoft.com/office/drawing/2014/main" id="{4D56E20A-6DB5-4A6B-9EEB-FA9732C72527}"/>
+              </a:ext>
+            </a:extLst>
+          </p:cNvPr>
+          <p:cNvSpPr>
+            <a:spLocks noGrp="1"/>
+          </p:cNvSpPr>
+          <p:nvPr>
+            <p:ph type="title"/>
+          </p:nvPr>
+        </p:nvSpPr>
+        <p:spPr>
+          <a:xfrm>
+            <a:off x="170048" y="-177"/>
+            <a:ext cx="10515600" cy="1325563"/>
+          </a:xfrm>
+        </p:spPr>
+        <p:txBody>
+          <a:bodyPr>
+            <a:normAutofit/>
+          </a:bodyPr>
+          <a:lstStyle/>
+          <a:p>
+            <a:r>
+              <a:rPr lang="pt-PT" sz="3600" b="1" dirty="0">
+                <a:solidFill>
+                  <a:srgbClr val="092953"/>
+                </a:solidFill>
+                <a:latin typeface="Cambria"/>
+                <a:ea typeface="Cambria"/>
+              </a:rPr>
+              <a:t>TPE</a:t>
+            </a:r>
+          </a:p>
+        </p:txBody>
+      </p:sp>
+      <p:sp>
+        <p:nvSpPr>
+          <p:cNvPr id="3" name="Marcador de Posição de Conteúdo 2">
+            <a:extLst>
+              <a:ext uri="{FF2B5EF4-FFF2-40B4-BE49-F238E27FC236}">
+                <a16:creationId xmlns:a16="http://schemas.microsoft.com/office/drawing/2014/main" id="{1B32614E-E287-1059-727D-571681FEAF1D}"/>
+              </a:ext>
+            </a:extLst>
+          </p:cNvPr>
+          <p:cNvSpPr>
+            <a:spLocks noGrp="1"/>
+          </p:cNvSpPr>
+          <p:nvPr>
+            <p:ph idx="1"/>
+          </p:nvPr>
+        </p:nvSpPr>
+        <p:spPr>
+          <a:xfrm>
+            <a:off x="548426" y="1321203"/>
+            <a:ext cx="11001375" cy="5230829"/>
+          </a:xfrm>
+        </p:spPr>
+        <p:txBody>
+          <a:bodyPr vert="horz" lIns="91440" tIns="45720" rIns="91440" bIns="45720" rtlCol="0" anchor="t">
+            <a:normAutofit/>
+          </a:bodyPr>
+          <a:lstStyle/>
+          <a:p>
+            <a:r>
+              <a:rPr lang="pt-PT" dirty="0"/>
+              <a:t>Also a SMBO </a:t>
+            </a:r>
+            <a:r>
+              <a:rPr lang="pt-PT" dirty="0" err="1"/>
+              <a:t>that</a:t>
+            </a:r>
+            <a:r>
+              <a:rPr lang="pt-PT" dirty="0"/>
+              <a:t> uses </a:t>
+            </a:r>
+            <a:r>
+              <a:rPr lang="pt-PT" dirty="0" err="1"/>
+              <a:t>surrogates</a:t>
+            </a:r>
+            <a:r>
+              <a:rPr lang="pt-PT" dirty="0"/>
+              <a:t>.</a:t>
+            </a:r>
+          </a:p>
+          <a:p>
+            <a:endParaRPr lang="pt-PT" dirty="0"/>
+          </a:p>
+          <a:p>
+            <a:r>
+              <a:rPr lang="pt-PT" dirty="0" err="1">
+                <a:ea typeface="+mn-lt"/>
+                <a:cs typeface="+mn-lt"/>
+              </a:rPr>
+              <a:t>Key</a:t>
+            </a:r>
+            <a:r>
+              <a:rPr lang="pt-PT" dirty="0">
+                <a:ea typeface="+mn-lt"/>
+                <a:cs typeface="+mn-lt"/>
+              </a:rPr>
+              <a:t> </a:t>
+            </a:r>
+            <a:r>
+              <a:rPr lang="pt-PT" dirty="0" err="1">
+                <a:ea typeface="+mn-lt"/>
+                <a:cs typeface="+mn-lt"/>
+              </a:rPr>
+              <a:t>idea</a:t>
+            </a:r>
+            <a:r>
+              <a:rPr lang="pt-PT" dirty="0">
+                <a:ea typeface="+mn-lt"/>
+                <a:cs typeface="+mn-lt"/>
+              </a:rPr>
+              <a:t>:</a:t>
+            </a:r>
+          </a:p>
+          <a:p>
+            <a:pPr lvl="1" algn="just">
+              <a:buFont typeface="Wingdings" panose="020B0604020202020204" pitchFamily="34" charset="0"/>
+              <a:buChar char="§"/>
+            </a:pPr>
+            <a:r>
+              <a:rPr lang="pt-PT" dirty="0">
+                <a:ea typeface="+mn-lt"/>
+                <a:cs typeface="+mn-lt"/>
+              </a:rPr>
+              <a:t>x = </a:t>
+            </a:r>
+            <a:r>
+              <a:rPr lang="pt-PT" dirty="0" err="1">
+                <a:ea typeface="+mn-lt"/>
+                <a:cs typeface="+mn-lt"/>
+              </a:rPr>
+              <a:t>value</a:t>
+            </a:r>
+            <a:r>
+              <a:rPr lang="pt-PT" dirty="0">
+                <a:ea typeface="+mn-lt"/>
+                <a:cs typeface="+mn-lt"/>
+              </a:rPr>
+              <a:t> </a:t>
+            </a:r>
+            <a:r>
+              <a:rPr lang="pt-PT" dirty="0" err="1">
+                <a:ea typeface="+mn-lt"/>
+                <a:cs typeface="+mn-lt"/>
+              </a:rPr>
+              <a:t>of</a:t>
+            </a:r>
+            <a:r>
+              <a:rPr lang="pt-PT" dirty="0">
+                <a:ea typeface="+mn-lt"/>
+                <a:cs typeface="+mn-lt"/>
+              </a:rPr>
+              <a:t> single </a:t>
+            </a:r>
+            <a:r>
+              <a:rPr lang="pt-PT" dirty="0" err="1">
+                <a:ea typeface="+mn-lt"/>
+                <a:cs typeface="+mn-lt"/>
+              </a:rPr>
+              <a:t>hyperparameter</a:t>
+            </a:r>
+            <a:endParaRPr lang="pt-PT" dirty="0">
+              <a:ea typeface="+mn-lt"/>
+              <a:cs typeface="+mn-lt"/>
+            </a:endParaRPr>
+          </a:p>
+          <a:p>
+            <a:pPr lvl="1" algn="just">
+              <a:buFont typeface="Wingdings" panose="020B0604020202020204" pitchFamily="34" charset="0"/>
+              <a:buChar char="§"/>
+            </a:pPr>
+            <a:r>
+              <a:rPr lang="pt-PT" dirty="0">
+                <a:ea typeface="+mn-lt"/>
+                <a:cs typeface="+mn-lt"/>
+              </a:rPr>
+              <a:t>y = </a:t>
+            </a:r>
+            <a:r>
+              <a:rPr lang="pt-PT" dirty="0" err="1">
+                <a:ea typeface="+mn-lt"/>
+                <a:cs typeface="+mn-lt"/>
+              </a:rPr>
+              <a:t>loss</a:t>
+            </a:r>
+            <a:endParaRPr lang="pt-PT" dirty="0">
+              <a:ea typeface="+mn-lt"/>
+              <a:cs typeface="+mn-lt"/>
+            </a:endParaRPr>
+          </a:p>
+          <a:p>
+            <a:pPr lvl="1" algn="just">
+              <a:buFont typeface="Wingdings" panose="020B0604020202020204" pitchFamily="34" charset="0"/>
+              <a:buChar char="§"/>
+            </a:pPr>
+            <a:endParaRPr lang="pt-PT" dirty="0">
+              <a:ea typeface="+mn-lt"/>
+              <a:cs typeface="+mn-lt"/>
+            </a:endParaRPr>
+          </a:p>
+          <a:p>
+            <a:pPr algn="just"/>
+            <a:r>
+              <a:rPr lang="pt-PT" dirty="0" err="1">
+                <a:ea typeface="+mn-lt"/>
+                <a:cs typeface="+mn-lt"/>
+              </a:rPr>
+              <a:t>Two</a:t>
+            </a:r>
+            <a:r>
+              <a:rPr lang="pt-PT" dirty="0">
+                <a:ea typeface="+mn-lt"/>
+                <a:cs typeface="+mn-lt"/>
+              </a:rPr>
+              <a:t> </a:t>
+            </a:r>
+            <a:r>
+              <a:rPr lang="pt-PT" dirty="0" err="1">
+                <a:ea typeface="+mn-lt"/>
+                <a:cs typeface="+mn-lt"/>
+              </a:rPr>
+              <a:t>surrogate</a:t>
+            </a:r>
+            <a:r>
+              <a:rPr lang="pt-PT" dirty="0">
+                <a:ea typeface="+mn-lt"/>
+                <a:cs typeface="+mn-lt"/>
+              </a:rPr>
+              <a:t> </a:t>
+            </a:r>
+            <a:r>
+              <a:rPr lang="pt-PT" dirty="0" err="1">
+                <a:ea typeface="+mn-lt"/>
+                <a:cs typeface="+mn-lt"/>
+              </a:rPr>
+              <a:t>models</a:t>
+            </a:r>
+            <a:r>
+              <a:rPr lang="pt-PT" dirty="0">
+                <a:ea typeface="+mn-lt"/>
+                <a:cs typeface="+mn-lt"/>
+              </a:rPr>
+              <a:t> are </a:t>
+            </a:r>
+            <a:r>
+              <a:rPr lang="pt-PT" dirty="0" err="1">
+                <a:ea typeface="+mn-lt"/>
+                <a:cs typeface="+mn-lt"/>
+              </a:rPr>
+              <a:t>mantained</a:t>
+            </a:r>
+            <a:r>
+              <a:rPr lang="pt-PT" dirty="0">
+                <a:ea typeface="+mn-lt"/>
+                <a:cs typeface="+mn-lt"/>
+              </a:rPr>
+              <a:t>:</a:t>
+            </a:r>
+          </a:p>
+          <a:p>
+            <a:pPr lvl="1" algn="just">
+              <a:buFont typeface="Wingdings" panose="020B0604020202020204" pitchFamily="34" charset="0"/>
+              <a:buChar char="§"/>
+            </a:pPr>
+            <a:endParaRPr lang="pt-PT" dirty="0">
+              <a:ea typeface="+mn-lt"/>
+              <a:cs typeface="+mn-lt"/>
+            </a:endParaRPr>
+          </a:p>
+          <a:p>
+            <a:pPr lvl="1" algn="just">
+              <a:buFont typeface="Wingdings" panose="020B0604020202020204" pitchFamily="34" charset="0"/>
+              <a:buChar char="§"/>
+            </a:pPr>
+            <a:r>
+              <a:rPr lang="pt-PT" dirty="0">
+                <a:ea typeface="+mn-lt"/>
+                <a:cs typeface="+mn-lt"/>
+              </a:rPr>
+              <a:t>A </a:t>
+            </a:r>
+            <a:r>
+              <a:rPr lang="pt-PT" dirty="0" err="1">
+                <a:ea typeface="+mn-lt"/>
+                <a:cs typeface="+mn-lt"/>
+              </a:rPr>
+              <a:t>distribution</a:t>
+            </a:r>
+            <a:r>
+              <a:rPr lang="pt-PT" dirty="0">
+                <a:ea typeface="+mn-lt"/>
+                <a:cs typeface="+mn-lt"/>
+              </a:rPr>
+              <a:t> for </a:t>
+            </a:r>
+            <a:r>
+              <a:rPr lang="pt-PT" dirty="0" err="1">
+                <a:ea typeface="+mn-lt"/>
+                <a:cs typeface="+mn-lt"/>
+              </a:rPr>
+              <a:t>bad</a:t>
+            </a:r>
+            <a:r>
+              <a:rPr lang="pt-PT" dirty="0">
+                <a:ea typeface="+mn-lt"/>
+                <a:cs typeface="+mn-lt"/>
+              </a:rPr>
+              <a:t> </a:t>
+            </a:r>
+            <a:r>
+              <a:rPr lang="pt-PT" dirty="0" err="1">
+                <a:ea typeface="+mn-lt"/>
+                <a:cs typeface="+mn-lt"/>
+              </a:rPr>
+              <a:t>values</a:t>
+            </a:r>
+            <a:r>
+              <a:rPr lang="pt-PT" dirty="0">
+                <a:ea typeface="+mn-lt"/>
+                <a:cs typeface="+mn-lt"/>
+              </a:rPr>
+              <a:t>:</a:t>
+            </a:r>
+          </a:p>
+          <a:p>
+            <a:pPr lvl="1" algn="just">
+              <a:buFont typeface="Wingdings" panose="020B0604020202020204" pitchFamily="34" charset="0"/>
+              <a:buChar char="§"/>
+            </a:pPr>
+            <a:r>
+              <a:rPr lang="pt-PT" dirty="0">
+                <a:ea typeface="+mn-lt"/>
+                <a:cs typeface="+mn-lt"/>
+              </a:rPr>
+              <a:t>A </a:t>
+            </a:r>
+            <a:r>
+              <a:rPr lang="pt-PT" dirty="0" err="1">
+                <a:ea typeface="+mn-lt"/>
+                <a:cs typeface="+mn-lt"/>
+              </a:rPr>
+              <a:t>distribution</a:t>
+            </a:r>
+            <a:r>
+              <a:rPr lang="pt-PT" dirty="0">
+                <a:ea typeface="+mn-lt"/>
+                <a:cs typeface="+mn-lt"/>
+              </a:rPr>
+              <a:t> for </a:t>
+            </a:r>
+            <a:r>
+              <a:rPr lang="pt-PT" dirty="0" err="1">
+                <a:ea typeface="+mn-lt"/>
+                <a:cs typeface="+mn-lt"/>
+              </a:rPr>
+              <a:t>good</a:t>
+            </a:r>
+            <a:r>
+              <a:rPr lang="pt-PT" dirty="0">
+                <a:ea typeface="+mn-lt"/>
+                <a:cs typeface="+mn-lt"/>
+              </a:rPr>
+              <a:t> </a:t>
+            </a:r>
+            <a:r>
+              <a:rPr lang="pt-PT" dirty="0" err="1">
+                <a:ea typeface="+mn-lt"/>
+                <a:cs typeface="+mn-lt"/>
+              </a:rPr>
+              <a:t>values</a:t>
+            </a:r>
+            <a:r>
+              <a:rPr lang="pt-PT" dirty="0">
+                <a:ea typeface="+mn-lt"/>
+                <a:cs typeface="+mn-lt"/>
+              </a:rPr>
+              <a:t>:</a:t>
+            </a:r>
+          </a:p>
+          <a:p>
+            <a:pPr marL="0" indent="0" algn="just">
+              <a:buNone/>
+            </a:pPr>
+            <a:r>
+              <a:rPr lang="pt-PT" dirty="0">
+                <a:ea typeface="+mn-lt"/>
+                <a:cs typeface="+mn-lt"/>
+              </a:rPr>
+              <a:t>y* : </a:t>
+            </a:r>
+            <a:r>
+              <a:rPr lang="pt-PT" dirty="0" err="1">
+                <a:ea typeface="+mn-lt"/>
+                <a:cs typeface="+mn-lt"/>
+              </a:rPr>
+              <a:t>threshold</a:t>
+            </a:r>
+            <a:r>
+              <a:rPr lang="pt-PT" dirty="0">
+                <a:ea typeface="+mn-lt"/>
+                <a:cs typeface="+mn-lt"/>
+              </a:rPr>
+              <a:t> </a:t>
+            </a:r>
+            <a:r>
+              <a:rPr lang="pt-PT" dirty="0" err="1">
+                <a:ea typeface="+mn-lt"/>
+                <a:cs typeface="+mn-lt"/>
+              </a:rPr>
+              <a:t>that</a:t>
+            </a:r>
+            <a:r>
+              <a:rPr lang="pt-PT" dirty="0">
+                <a:ea typeface="+mn-lt"/>
+                <a:cs typeface="+mn-lt"/>
+              </a:rPr>
+              <a:t> determines </a:t>
+            </a:r>
+            <a:r>
+              <a:rPr lang="pt-PT" dirty="0" err="1">
+                <a:ea typeface="+mn-lt"/>
+                <a:cs typeface="+mn-lt"/>
+              </a:rPr>
+              <a:t>good</a:t>
+            </a:r>
+            <a:r>
+              <a:rPr lang="pt-PT" dirty="0">
+                <a:ea typeface="+mn-lt"/>
+                <a:cs typeface="+mn-lt"/>
+              </a:rPr>
+              <a:t>/</a:t>
+            </a:r>
+            <a:r>
+              <a:rPr lang="pt-PT" dirty="0" err="1">
+                <a:ea typeface="+mn-lt"/>
+                <a:cs typeface="+mn-lt"/>
+              </a:rPr>
+              <a:t>bad</a:t>
+            </a:r>
+            <a:r>
+              <a:rPr lang="pt-PT" dirty="0">
+                <a:ea typeface="+mn-lt"/>
+                <a:cs typeface="+mn-lt"/>
+              </a:rPr>
+              <a:t> </a:t>
+            </a:r>
+            <a:r>
+              <a:rPr lang="pt-PT" dirty="0" err="1">
+                <a:ea typeface="+mn-lt"/>
+                <a:cs typeface="+mn-lt"/>
+              </a:rPr>
+              <a:t>splits</a:t>
+            </a:r>
+            <a:endParaRPr lang="pt-PT">
+              <a:ea typeface="+mn-lt"/>
+              <a:cs typeface="+mn-lt"/>
+            </a:endParaRPr>
+          </a:p>
+          <a:p>
+            <a:pPr algn="just"/>
+            <a:endParaRPr lang="pt-PT" dirty="0">
+              <a:ea typeface="+mn-lt"/>
+              <a:cs typeface="+mn-lt"/>
+            </a:endParaRPr>
+          </a:p>
+          <a:p>
+            <a:pPr algn="just"/>
+            <a:endParaRPr lang="pt-PT" dirty="0">
+              <a:ea typeface="+mn-lt"/>
+              <a:cs typeface="+mn-lt"/>
+            </a:endParaRPr>
+          </a:p>
+          <a:p>
+            <a:pPr lvl="1" algn="just">
+              <a:buFont typeface="Wingdings" panose="020B0604020202020204" pitchFamily="34" charset="0"/>
+              <a:buChar char="§"/>
+            </a:pPr>
+            <a:endParaRPr lang="pt-PT" dirty="0">
+              <a:ea typeface="+mn-lt"/>
+              <a:cs typeface="+mn-lt"/>
+            </a:endParaRPr>
+          </a:p>
+          <a:p>
+            <a:pPr algn="just"/>
+            <a:endParaRPr lang="pt-PT" dirty="0">
+              <a:ea typeface="+mn-lt"/>
+              <a:cs typeface="+mn-lt"/>
+            </a:endParaRPr>
+          </a:p>
+        </p:txBody>
+      </p:sp>
+      <p:sp>
+        <p:nvSpPr>
+          <p:cNvPr id="4" name="Retângulo 3">
+            <a:extLst>
+              <a:ext uri="{FF2B5EF4-FFF2-40B4-BE49-F238E27FC236}">
+                <a16:creationId xmlns:a16="http://schemas.microsoft.com/office/drawing/2014/main" id="{C49AACF5-CCF4-E6B6-98B5-BF66BBB3419C}"/>
+              </a:ext>
+            </a:extLst>
+          </p:cNvPr>
+          <p:cNvSpPr/>
+          <p:nvPr/>
+        </p:nvSpPr>
+        <p:spPr>
+          <a:xfrm>
+            <a:off x="0" y="6626645"/>
+            <a:ext cx="12192000" cy="231355"/>
+          </a:xfrm>
+          <a:prstGeom prst="rect">
+            <a:avLst/>
+          </a:prstGeom>
+          <a:solidFill>
+            <a:srgbClr val="092953"/>
+          </a:solidFill>
+          <a:ln>
+            <a:solidFill>
+              <a:srgbClr val="092953"/>
+            </a:solidFill>
+          </a:ln>
+        </p:spPr>
+        <p:style>
+          <a:lnRef idx="2">
+            <a:schemeClr val="accent1">
+              <a:shade val="15000"/>
+            </a:schemeClr>
+          </a:lnRef>
+          <a:fillRef idx="1">
+            <a:schemeClr val="accent1"/>
+          </a:fillRef>
+          <a:effectRef idx="0">
+            <a:schemeClr val="accent1"/>
+          </a:effectRef>
+          <a:fontRef idx="minor">
+            <a:schemeClr val="lt1"/>
+          </a:fontRef>
+        </p:style>
+        <p:txBody>
+          <a:bodyPr rot="0" spcFirstLastPara="0" vert="horz" wrap="square" lIns="91440" tIns="45720" rIns="91440" bIns="45720" numCol="1" spcCol="0" rtlCol="0" fromWordArt="0" anchor="ctr" anchorCtr="0" forceAA="0" compatLnSpc="1">
+            <a:prstTxWarp prst="textNoShape">
+              <a:avLst/>
+            </a:prstTxWarp>
+            <a:noAutofit/>
+          </a:bodyPr>
+          <a:lstStyle>
+            <a:defPPr>
+              <a:defRPr lang="pt-PT"/>
+            </a:defPPr>
+            <a:lvl1pPr marL="0" algn="l" defTabSz="914400" rtl="0" eaLnBrk="1" latinLnBrk="0" hangingPunct="1">
+              <a:defRPr sz="1800" kern="1200">
+                <a:solidFill>
+                  <a:schemeClr val="lt1"/>
+                </a:solidFill>
+                <a:latin typeface="+mn-lt"/>
+                <a:ea typeface="+mn-ea"/>
+                <a:cs typeface="+mn-cs"/>
+              </a:defRPr>
+            </a:lvl1pPr>
+            <a:lvl2pPr marL="457200" algn="l" defTabSz="914400" rtl="0" eaLnBrk="1" latinLnBrk="0" hangingPunct="1">
+              <a:defRPr sz="1800" kern="1200">
+                <a:solidFill>
+                  <a:schemeClr val="lt1"/>
+                </a:solidFill>
+                <a:latin typeface="+mn-lt"/>
+                <a:ea typeface="+mn-ea"/>
+                <a:cs typeface="+mn-cs"/>
+              </a:defRPr>
+            </a:lvl2pPr>
+            <a:lvl3pPr marL="914400" algn="l" defTabSz="914400" rtl="0" eaLnBrk="1" latinLnBrk="0" hangingPunct="1">
+              <a:defRPr sz="1800" kern="1200">
+                <a:solidFill>
+                  <a:schemeClr val="lt1"/>
+                </a:solidFill>
+                <a:latin typeface="+mn-lt"/>
+                <a:ea typeface="+mn-ea"/>
+                <a:cs typeface="+mn-cs"/>
+              </a:defRPr>
+            </a:lvl3pPr>
+            <a:lvl4pPr marL="1371600" algn="l" defTabSz="914400" rtl="0" eaLnBrk="1" latinLnBrk="0" hangingPunct="1">
+              <a:defRPr sz="1800" kern="1200">
+                <a:solidFill>
+                  <a:schemeClr val="lt1"/>
+                </a:solidFill>
+                <a:latin typeface="+mn-lt"/>
+                <a:ea typeface="+mn-ea"/>
+                <a:cs typeface="+mn-cs"/>
+              </a:defRPr>
+            </a:lvl4pPr>
+            <a:lvl5pPr marL="1828800" algn="l" defTabSz="914400" rtl="0" eaLnBrk="1" latinLnBrk="0" hangingPunct="1">
+              <a:defRPr sz="1800" kern="1200">
+                <a:solidFill>
+                  <a:schemeClr val="lt1"/>
+                </a:solidFill>
+                <a:latin typeface="+mn-lt"/>
+                <a:ea typeface="+mn-ea"/>
+                <a:cs typeface="+mn-cs"/>
+              </a:defRPr>
+            </a:lvl5pPr>
+            <a:lvl6pPr marL="2286000" algn="l" defTabSz="914400" rtl="0" eaLnBrk="1" latinLnBrk="0" hangingPunct="1">
+              <a:defRPr sz="1800" kern="1200">
+                <a:solidFill>
+                  <a:schemeClr val="lt1"/>
+                </a:solidFill>
+                <a:latin typeface="+mn-lt"/>
+                <a:ea typeface="+mn-ea"/>
+                <a:cs typeface="+mn-cs"/>
+              </a:defRPr>
+            </a:lvl6pPr>
+            <a:lvl7pPr marL="2743200" algn="l" defTabSz="914400" rtl="0" eaLnBrk="1" latinLnBrk="0" hangingPunct="1">
+              <a:defRPr sz="1800" kern="1200">
+                <a:solidFill>
+                  <a:schemeClr val="lt1"/>
+                </a:solidFill>
+                <a:latin typeface="+mn-lt"/>
+                <a:ea typeface="+mn-ea"/>
+                <a:cs typeface="+mn-cs"/>
+              </a:defRPr>
+            </a:lvl7pPr>
+            <a:lvl8pPr marL="3200400" algn="l" defTabSz="914400" rtl="0" eaLnBrk="1" latinLnBrk="0" hangingPunct="1">
+              <a:defRPr sz="1800" kern="1200">
+                <a:solidFill>
+                  <a:schemeClr val="lt1"/>
+                </a:solidFill>
+                <a:latin typeface="+mn-lt"/>
+                <a:ea typeface="+mn-ea"/>
+                <a:cs typeface="+mn-cs"/>
+              </a:defRPr>
+            </a:lvl8pPr>
+            <a:lvl9pPr marL="3657600" algn="l" defTabSz="914400" rtl="0" eaLnBrk="1" latinLnBrk="0" hangingPunct="1">
+              <a:defRPr sz="1800" kern="1200">
+                <a:solidFill>
+                  <a:schemeClr val="lt1"/>
+                </a:solidFill>
+                <a:latin typeface="+mn-lt"/>
+                <a:ea typeface="+mn-ea"/>
+                <a:cs typeface="+mn-cs"/>
+              </a:defRPr>
+            </a:lvl9pPr>
+          </a:lstStyle>
+          <a:p>
+            <a:pPr algn="ctr"/>
+            <a:endParaRPr lang="pt-PT"/>
+          </a:p>
+        </p:txBody>
+      </p:sp>
+      <p:pic>
+        <p:nvPicPr>
+          <p:cNvPr id="7" name="Imagem 6" descr="Portal do Colaborador">
+            <a:extLst>
+              <a:ext uri="{FF2B5EF4-FFF2-40B4-BE49-F238E27FC236}">
+                <a16:creationId xmlns:a16="http://schemas.microsoft.com/office/drawing/2014/main" id="{A59B6DA3-4BA1-94F4-4AA2-59A6261305AE}"/>
+              </a:ext>
+            </a:extLst>
+          </p:cNvPr>
+          <p:cNvPicPr>
+            <a:picLocks noChangeAspect="1"/>
+          </p:cNvPicPr>
+          <p:nvPr/>
+        </p:nvPicPr>
+        <p:blipFill>
+          <a:blip r:embed="rId2"/>
+          <a:stretch>
+            <a:fillRect/>
+          </a:stretch>
+        </p:blipFill>
+        <p:spPr>
+          <a:xfrm>
+            <a:off x="10199775" y="117119"/>
+            <a:ext cx="1877314" cy="869240"/>
+          </a:xfrm>
+          <a:prstGeom prst="rect">
+            <a:avLst/>
+          </a:prstGeom>
+        </p:spPr>
+      </p:pic>
+      <p:sp>
+        <p:nvSpPr>
+          <p:cNvPr id="6" name="CaixaDeTexto 5">
+            <a:extLst>
+              <a:ext uri="{FF2B5EF4-FFF2-40B4-BE49-F238E27FC236}">
+                <a16:creationId xmlns:a16="http://schemas.microsoft.com/office/drawing/2014/main" id="{AE4BAC88-6A2B-E578-4ABE-EF35CB42086C}"/>
+              </a:ext>
+            </a:extLst>
+          </p:cNvPr>
+          <p:cNvSpPr txBox="1"/>
+          <p:nvPr/>
+        </p:nvSpPr>
+        <p:spPr>
+          <a:xfrm>
+            <a:off x="5275244" y="6624808"/>
+            <a:ext cx="6801079" cy="230832"/>
+          </a:xfrm>
+          <a:prstGeom prst="rect">
+            <a:avLst/>
+          </a:prstGeom>
+          <a:noFill/>
+        </p:spPr>
+        <p:txBody>
+          <a:bodyPr rot="0" spcFirstLastPara="0" vertOverflow="overflow" horzOverflow="overflow" vert="horz" wrap="square" lIns="91440" tIns="45720" rIns="91440" bIns="45720" numCol="1" spcCol="0" rtlCol="0" fromWordArt="0" anchor="t" anchorCtr="0" forceAA="0" compatLnSpc="1">
+            <a:prstTxWarp prst="textNoShape">
+              <a:avLst/>
+            </a:prstTxWarp>
+            <a:spAutoFit/>
+          </a:bodyPr>
+          <a:lstStyle/>
+          <a:p>
+            <a:pPr algn="r"/>
+            <a:r>
+              <a:rPr lang="pt-PT" sz="900" dirty="0" err="1">
+                <a:solidFill>
+                  <a:srgbClr val="FFFFFF"/>
+                </a:solidFill>
+                <a:latin typeface="Times New Roman"/>
+                <a:cs typeface="Times New Roman"/>
+              </a:rPr>
+              <a:t>Session</a:t>
+            </a:r>
+            <a:r>
+              <a:rPr lang="pt-PT" sz="900" dirty="0">
+                <a:solidFill>
+                  <a:srgbClr val="FFFFFF"/>
+                </a:solidFill>
+                <a:latin typeface="Times New Roman"/>
+                <a:cs typeface="Times New Roman"/>
+              </a:rPr>
+              <a:t> 7</a:t>
+            </a:r>
+            <a:endParaRPr lang="pt-PT" dirty="0"/>
+          </a:p>
+        </p:txBody>
+      </p:sp>
+      <p:sp>
+        <p:nvSpPr>
+          <p:cNvPr id="11" name="CaixaDeTexto 10">
+            <a:extLst>
+              <a:ext uri="{FF2B5EF4-FFF2-40B4-BE49-F238E27FC236}">
+                <a16:creationId xmlns:a16="http://schemas.microsoft.com/office/drawing/2014/main" id="{8B07AB84-C223-320B-881C-FC4669F61BF7}"/>
+              </a:ext>
+            </a:extLst>
+          </p:cNvPr>
+          <p:cNvSpPr txBox="1"/>
+          <p:nvPr/>
+        </p:nvSpPr>
+        <p:spPr>
+          <a:xfrm>
+            <a:off x="60594" y="6624809"/>
+            <a:ext cx="6801079" cy="230832"/>
+          </a:xfrm>
+          <a:prstGeom prst="rect">
+            <a:avLst/>
+          </a:prstGeom>
+          <a:noFill/>
+        </p:spPr>
+        <p:txBody>
+          <a:bodyPr rot="0" spcFirstLastPara="0" vertOverflow="overflow" horzOverflow="overflow" vert="horz" wrap="square" lIns="91440" tIns="45720" rIns="91440" bIns="45720" numCol="1" spcCol="0" rtlCol="0" fromWordArt="0" anchor="t" anchorCtr="0" forceAA="0" compatLnSpc="1">
+            <a:prstTxWarp prst="textNoShape">
+              <a:avLst/>
+            </a:prstTxWarp>
+            <a:spAutoFit/>
+          </a:bodyPr>
+          <a:lstStyle/>
+          <a:p>
+            <a:r>
+              <a:rPr lang="pt-PT" sz="900" dirty="0" err="1">
+                <a:solidFill>
+                  <a:srgbClr val="FFFFFF"/>
+                </a:solidFill>
+                <a:ea typeface="+mn-lt"/>
+                <a:cs typeface="+mn-lt"/>
+              </a:rPr>
+              <a:t>Model</a:t>
+            </a:r>
+            <a:r>
+              <a:rPr lang="pt-PT" sz="900" dirty="0">
+                <a:solidFill>
+                  <a:srgbClr val="FFFFFF"/>
+                </a:solidFill>
+                <a:ea typeface="+mn-lt"/>
+                <a:cs typeface="+mn-lt"/>
+              </a:rPr>
+              <a:t> </a:t>
+            </a:r>
+            <a:r>
+              <a:rPr lang="pt-PT" sz="900" dirty="0" err="1">
+                <a:solidFill>
+                  <a:srgbClr val="FFFFFF"/>
+                </a:solidFill>
+                <a:ea typeface="+mn-lt"/>
+                <a:cs typeface="+mn-lt"/>
+              </a:rPr>
+              <a:t>Selection</a:t>
+            </a:r>
+            <a:r>
+              <a:rPr lang="pt-PT" sz="900" dirty="0">
+                <a:solidFill>
+                  <a:srgbClr val="FFFFFF"/>
+                </a:solidFill>
+                <a:ea typeface="+mn-lt"/>
+                <a:cs typeface="+mn-lt"/>
+              </a:rPr>
+              <a:t> </a:t>
+            </a:r>
+            <a:r>
+              <a:rPr lang="pt-PT" sz="900" dirty="0" err="1">
+                <a:solidFill>
+                  <a:srgbClr val="FFFFFF"/>
+                </a:solidFill>
+                <a:ea typeface="+mn-lt"/>
+                <a:cs typeface="+mn-lt"/>
+              </a:rPr>
+              <a:t>and</a:t>
+            </a:r>
+            <a:r>
+              <a:rPr lang="pt-PT" sz="900" dirty="0">
+                <a:solidFill>
+                  <a:srgbClr val="FFFFFF"/>
+                </a:solidFill>
+                <a:ea typeface="+mn-lt"/>
+                <a:cs typeface="+mn-lt"/>
+              </a:rPr>
+              <a:t> </a:t>
+            </a:r>
+            <a:r>
+              <a:rPr lang="pt-PT" sz="900" dirty="0" err="1">
+                <a:solidFill>
+                  <a:srgbClr val="FFFFFF"/>
+                </a:solidFill>
+                <a:ea typeface="+mn-lt"/>
+                <a:cs typeface="+mn-lt"/>
+              </a:rPr>
+              <a:t>Hyperparameter</a:t>
+            </a:r>
+            <a:r>
+              <a:rPr lang="pt-PT" sz="900" dirty="0">
+                <a:solidFill>
+                  <a:srgbClr val="FFFFFF"/>
+                </a:solidFill>
+                <a:ea typeface="+mn-lt"/>
+                <a:cs typeface="+mn-lt"/>
+              </a:rPr>
+              <a:t> </a:t>
+            </a:r>
+            <a:r>
+              <a:rPr lang="pt-PT" sz="900" dirty="0" err="1">
+                <a:solidFill>
+                  <a:srgbClr val="FFFFFF"/>
+                </a:solidFill>
+                <a:ea typeface="+mn-lt"/>
+                <a:cs typeface="+mn-lt"/>
+              </a:rPr>
+              <a:t>Tuning</a:t>
+            </a:r>
+            <a:endParaRPr lang="pt-PT" dirty="0" err="1"/>
+          </a:p>
+        </p:txBody>
+      </p:sp>
+      <p:pic>
+        <p:nvPicPr>
+          <p:cNvPr id="5" name="Imagem 4" descr="Uma imagem com Tipo de letra, texto, tipografia, caligrafia&#10;&#10;Descrição gerada automaticamente">
+            <a:extLst>
+              <a:ext uri="{FF2B5EF4-FFF2-40B4-BE49-F238E27FC236}">
+                <a16:creationId xmlns:a16="http://schemas.microsoft.com/office/drawing/2014/main" id="{5AA8A054-966F-3C76-15A3-7BCCC0B0DBEA}"/>
+              </a:ext>
+            </a:extLst>
+          </p:cNvPr>
+          <p:cNvPicPr>
+            <a:picLocks noChangeAspect="1"/>
+          </p:cNvPicPr>
+          <p:nvPr/>
+        </p:nvPicPr>
+        <p:blipFill>
+          <a:blip r:embed="rId3"/>
+          <a:stretch>
+            <a:fillRect/>
+          </a:stretch>
+        </p:blipFill>
+        <p:spPr>
+          <a:xfrm>
+            <a:off x="2370952" y="2284713"/>
+            <a:ext cx="4484472" cy="589520"/>
+          </a:xfrm>
+          <a:prstGeom prst="rect">
+            <a:avLst/>
+          </a:prstGeom>
+        </p:spPr>
+      </p:pic>
+      <p:pic>
+        <p:nvPicPr>
+          <p:cNvPr id="10" name="Imagem 9" descr="Uma imagem com Tipo de letra, tipografia, escrita à mão, caligrafia&#10;&#10;Descrição gerada automaticamente">
+            <a:extLst>
+              <a:ext uri="{FF2B5EF4-FFF2-40B4-BE49-F238E27FC236}">
+                <a16:creationId xmlns:a16="http://schemas.microsoft.com/office/drawing/2014/main" id="{CBE67759-A0C0-1F85-DEAC-0DC12303473C}"/>
+              </a:ext>
+            </a:extLst>
+          </p:cNvPr>
+          <p:cNvPicPr>
+            <a:picLocks noChangeAspect="1"/>
+          </p:cNvPicPr>
+          <p:nvPr/>
+        </p:nvPicPr>
+        <p:blipFill>
+          <a:blip r:embed="rId4"/>
+          <a:stretch>
+            <a:fillRect/>
+          </a:stretch>
+        </p:blipFill>
+        <p:spPr>
+          <a:xfrm>
+            <a:off x="5272447" y="4772475"/>
+            <a:ext cx="3286125" cy="504825"/>
+          </a:xfrm>
+          <a:prstGeom prst="rect">
+            <a:avLst/>
+          </a:prstGeom>
+        </p:spPr>
+      </p:pic>
+      <p:pic>
+        <p:nvPicPr>
+          <p:cNvPr id="12" name="Imagem 11" descr="Uma imagem com Tipo de letra, escrita à mão, tipografia, texto&#10;&#10;Descrição gerada automaticamente">
+            <a:extLst>
+              <a:ext uri="{FF2B5EF4-FFF2-40B4-BE49-F238E27FC236}">
+                <a16:creationId xmlns:a16="http://schemas.microsoft.com/office/drawing/2014/main" id="{27B5D347-EBFD-61E8-6426-F2EFA042A537}"/>
+              </a:ext>
+            </a:extLst>
+          </p:cNvPr>
+          <p:cNvPicPr>
+            <a:picLocks noChangeAspect="1"/>
+          </p:cNvPicPr>
+          <p:nvPr/>
+        </p:nvPicPr>
+        <p:blipFill>
+          <a:blip r:embed="rId5"/>
+          <a:stretch>
+            <a:fillRect/>
+          </a:stretch>
+        </p:blipFill>
+        <p:spPr>
+          <a:xfrm>
+            <a:off x="5277479" y="5275682"/>
+            <a:ext cx="3362325" cy="504825"/>
+          </a:xfrm>
+          <a:prstGeom prst="rect">
+            <a:avLst/>
+          </a:prstGeom>
+        </p:spPr>
+      </p:pic>
+    </p:spTree>
+    <p:extLst>
+      <p:ext uri="{BB962C8B-B14F-4D97-AF65-F5344CB8AC3E}">
+        <p14:creationId xmlns:p14="http://schemas.microsoft.com/office/powerpoint/2010/main" val="2160066470"/>
+      </p:ext>
+    </p:extLst>
+  </p:cSld>
+  <p:clrMapOvr>
+    <a:masterClrMapping/>
+  </p:clrMapOvr>
+</p:sld>
+</file>
+
+<file path=ppt/slides/slide33.xml><?xml version="1.0" encoding="utf-8"?>
+<p:sld xmlns:a="http://schemas.openxmlformats.org/drawingml/2006/main" xmlns:r="http://schemas.openxmlformats.org/officeDocument/2006/relationships" xmlns:p="http://schemas.openxmlformats.org/presentationml/2006/main">
+  <p:cSld>
+    <p:spTree>
+      <p:nvGrpSpPr>
+        <p:cNvPr id="1" name=""/>
+        <p:cNvGrpSpPr/>
+        <p:nvPr/>
+      </p:nvGrpSpPr>
+      <p:grpSpPr>
+        <a:xfrm>
+          <a:off x="0" y="0"/>
+          <a:ext cx="0" cy="0"/>
+          <a:chOff x="0" y="0"/>
+          <a:chExt cx="0" cy="0"/>
+        </a:xfrm>
+      </p:grpSpPr>
+      <p:sp>
+        <p:nvSpPr>
+          <p:cNvPr id="2" name="Título 1">
+            <a:extLst>
+              <a:ext uri="{FF2B5EF4-FFF2-40B4-BE49-F238E27FC236}">
+                <a16:creationId xmlns:a16="http://schemas.microsoft.com/office/drawing/2014/main" id="{4D56E20A-6DB5-4A6B-9EEB-FA9732C72527}"/>
+              </a:ext>
+            </a:extLst>
+          </p:cNvPr>
+          <p:cNvSpPr>
+            <a:spLocks noGrp="1"/>
+          </p:cNvSpPr>
+          <p:nvPr>
+            <p:ph type="title"/>
+          </p:nvPr>
+        </p:nvSpPr>
+        <p:spPr>
+          <a:xfrm>
+            <a:off x="170048" y="-177"/>
+            <a:ext cx="10515600" cy="1325563"/>
+          </a:xfrm>
+        </p:spPr>
+        <p:txBody>
+          <a:bodyPr>
+            <a:normAutofit/>
+          </a:bodyPr>
+          <a:lstStyle/>
+          <a:p>
+            <a:r>
+              <a:rPr lang="pt-PT" sz="3600" b="1" dirty="0">
+                <a:solidFill>
+                  <a:srgbClr val="092953"/>
+                </a:solidFill>
+                <a:latin typeface="Cambria"/>
+                <a:ea typeface="Cambria"/>
+              </a:rPr>
+              <a:t>TPE</a:t>
+            </a:r>
+          </a:p>
+        </p:txBody>
+      </p:sp>
+      <p:sp>
+        <p:nvSpPr>
+          <p:cNvPr id="3" name="Marcador de Posição de Conteúdo 2">
+            <a:extLst>
+              <a:ext uri="{FF2B5EF4-FFF2-40B4-BE49-F238E27FC236}">
+                <a16:creationId xmlns:a16="http://schemas.microsoft.com/office/drawing/2014/main" id="{1B32614E-E287-1059-727D-571681FEAF1D}"/>
+              </a:ext>
+            </a:extLst>
+          </p:cNvPr>
+          <p:cNvSpPr>
+            <a:spLocks noGrp="1"/>
+          </p:cNvSpPr>
+          <p:nvPr>
+            <p:ph idx="1"/>
+          </p:nvPr>
+        </p:nvSpPr>
+        <p:spPr>
+          <a:xfrm>
+            <a:off x="548426" y="1321203"/>
+            <a:ext cx="11001375" cy="5230829"/>
+          </a:xfrm>
+        </p:spPr>
+        <p:txBody>
+          <a:bodyPr vert="horz" lIns="91440" tIns="45720" rIns="91440" bIns="45720" rtlCol="0" anchor="t">
+            <a:normAutofit/>
+          </a:bodyPr>
+          <a:lstStyle/>
+          <a:p>
+            <a:r>
+              <a:rPr lang="pt-PT" dirty="0" err="1"/>
+              <a:t>How</a:t>
+            </a:r>
+            <a:r>
+              <a:rPr lang="pt-PT" dirty="0"/>
+              <a:t> to </a:t>
+            </a:r>
+            <a:r>
+              <a:rPr lang="pt-PT" dirty="0" err="1"/>
+              <a:t>get</a:t>
+            </a:r>
+            <a:r>
+              <a:rPr lang="pt-PT" dirty="0"/>
+              <a:t> </a:t>
+            </a:r>
+            <a:r>
+              <a:rPr lang="pt-PT" dirty="0" err="1"/>
+              <a:t>new</a:t>
+            </a:r>
+            <a:r>
+              <a:rPr lang="pt-PT" dirty="0"/>
+              <a:t> </a:t>
+            </a:r>
+            <a:r>
+              <a:rPr lang="pt-PT" dirty="0" err="1"/>
+              <a:t>promising</a:t>
+            </a:r>
+            <a:r>
+              <a:rPr lang="pt-PT" dirty="0"/>
+              <a:t> candidates?</a:t>
+            </a:r>
+          </a:p>
+          <a:p>
+            <a:endParaRPr lang="pt-PT" dirty="0"/>
+          </a:p>
+          <a:p>
+            <a:r>
+              <a:rPr lang="pt-PT" dirty="0" err="1">
+                <a:ea typeface="+mn-lt"/>
+                <a:cs typeface="+mn-lt"/>
+              </a:rPr>
+              <a:t>Idea</a:t>
+            </a:r>
+            <a:r>
+              <a:rPr lang="pt-PT" dirty="0">
+                <a:ea typeface="+mn-lt"/>
+                <a:cs typeface="+mn-lt"/>
+              </a:rPr>
+              <a:t>: a </a:t>
+            </a:r>
+            <a:r>
+              <a:rPr lang="pt-PT" dirty="0" err="1">
+                <a:ea typeface="+mn-lt"/>
+                <a:cs typeface="+mn-lt"/>
+              </a:rPr>
+              <a:t>promising</a:t>
+            </a:r>
+            <a:r>
+              <a:rPr lang="pt-PT" dirty="0">
+                <a:ea typeface="+mn-lt"/>
+                <a:cs typeface="+mn-lt"/>
+              </a:rPr>
+              <a:t> candidate </a:t>
+            </a:r>
+            <a:r>
+              <a:rPr lang="pt-PT" dirty="0" err="1">
+                <a:ea typeface="+mn-lt"/>
+                <a:cs typeface="+mn-lt"/>
+              </a:rPr>
+              <a:t>is</a:t>
+            </a:r>
+            <a:r>
+              <a:rPr lang="pt-PT" dirty="0">
+                <a:ea typeface="+mn-lt"/>
+                <a:cs typeface="+mn-lt"/>
+              </a:rPr>
+              <a:t> </a:t>
+            </a:r>
+            <a:r>
+              <a:rPr lang="pt-PT" dirty="0" err="1">
+                <a:ea typeface="+mn-lt"/>
+                <a:cs typeface="+mn-lt"/>
+              </a:rPr>
+              <a:t>likely</a:t>
+            </a:r>
+            <a:r>
+              <a:rPr lang="pt-PT" dirty="0">
+                <a:ea typeface="+mn-lt"/>
+                <a:cs typeface="+mn-lt"/>
+              </a:rPr>
+              <a:t> to </a:t>
+            </a:r>
+          </a:p>
+          <a:p>
+            <a:pPr lvl="1">
+              <a:buFont typeface="Wingdings" panose="020B0604020202020204" pitchFamily="34" charset="0"/>
+              <a:buChar char="§"/>
+            </a:pPr>
+            <a:r>
+              <a:rPr lang="pt-PT" dirty="0" err="1">
+                <a:ea typeface="+mn-lt"/>
+                <a:cs typeface="+mn-lt"/>
+              </a:rPr>
+              <a:t>Have</a:t>
+            </a:r>
+            <a:r>
+              <a:rPr lang="pt-PT" dirty="0">
+                <a:ea typeface="+mn-lt"/>
+                <a:cs typeface="+mn-lt"/>
+              </a:rPr>
+              <a:t> </a:t>
+            </a:r>
+            <a:r>
+              <a:rPr lang="pt-PT" dirty="0" err="1">
+                <a:ea typeface="+mn-lt"/>
+                <a:cs typeface="+mn-lt"/>
+              </a:rPr>
+              <a:t>low</a:t>
+            </a:r>
+            <a:r>
+              <a:rPr lang="pt-PT" dirty="0">
+                <a:ea typeface="+mn-lt"/>
+                <a:cs typeface="+mn-lt"/>
+              </a:rPr>
+              <a:t> </a:t>
+            </a:r>
+            <a:r>
+              <a:rPr lang="pt-PT" dirty="0" err="1">
+                <a:ea typeface="+mn-lt"/>
+                <a:cs typeface="+mn-lt"/>
+              </a:rPr>
+              <a:t>probability</a:t>
+            </a:r>
+            <a:r>
+              <a:rPr lang="pt-PT" dirty="0">
+                <a:ea typeface="+mn-lt"/>
+                <a:cs typeface="+mn-lt"/>
+              </a:rPr>
+              <a:t> </a:t>
+            </a:r>
+            <a:r>
+              <a:rPr lang="pt-PT" dirty="0" err="1">
+                <a:ea typeface="+mn-lt"/>
+                <a:cs typeface="+mn-lt"/>
+              </a:rPr>
+              <a:t>under</a:t>
+            </a:r>
+            <a:r>
+              <a:rPr lang="pt-PT" dirty="0">
+                <a:ea typeface="+mn-lt"/>
+                <a:cs typeface="+mn-lt"/>
+              </a:rPr>
+              <a:t> </a:t>
+            </a:r>
+            <a:r>
+              <a:rPr lang="pt-PT" dirty="0" err="1">
+                <a:ea typeface="+mn-lt"/>
+                <a:cs typeface="+mn-lt"/>
+              </a:rPr>
+              <a:t>the</a:t>
+            </a:r>
+            <a:r>
+              <a:rPr lang="pt-PT" dirty="0">
+                <a:ea typeface="+mn-lt"/>
+                <a:cs typeface="+mn-lt"/>
+              </a:rPr>
+              <a:t> </a:t>
+            </a:r>
+            <a:r>
+              <a:rPr lang="pt-PT" dirty="0" err="1">
+                <a:ea typeface="+mn-lt"/>
+                <a:cs typeface="+mn-lt"/>
+              </a:rPr>
+              <a:t>bad</a:t>
+            </a:r>
+            <a:r>
+              <a:rPr lang="pt-PT" dirty="0">
+                <a:ea typeface="+mn-lt"/>
+                <a:cs typeface="+mn-lt"/>
+              </a:rPr>
+              <a:t> </a:t>
+            </a:r>
+            <a:r>
+              <a:rPr lang="pt-PT" dirty="0" err="1">
+                <a:ea typeface="+mn-lt"/>
+                <a:cs typeface="+mn-lt"/>
+              </a:rPr>
+              <a:t>distribution</a:t>
+            </a:r>
+            <a:endParaRPr lang="pt-PT" dirty="0">
+              <a:ea typeface="+mn-lt"/>
+              <a:cs typeface="+mn-lt"/>
+            </a:endParaRPr>
+          </a:p>
+          <a:p>
+            <a:pPr lvl="1">
+              <a:buFont typeface="Wingdings" panose="020B0604020202020204" pitchFamily="34" charset="0"/>
+              <a:buChar char="§"/>
+            </a:pPr>
+            <a:endParaRPr lang="pt-PT" dirty="0">
+              <a:ea typeface="+mn-lt"/>
+              <a:cs typeface="+mn-lt"/>
+            </a:endParaRPr>
+          </a:p>
+          <a:p>
+            <a:pPr lvl="1">
+              <a:buFont typeface="Wingdings" panose="020B0604020202020204" pitchFamily="34" charset="0"/>
+              <a:buChar char="§"/>
+            </a:pPr>
+            <a:r>
+              <a:rPr lang="pt-PT" dirty="0" err="1">
+                <a:ea typeface="+mn-lt"/>
+                <a:cs typeface="+mn-lt"/>
+              </a:rPr>
+              <a:t>Have</a:t>
+            </a:r>
+            <a:r>
+              <a:rPr lang="pt-PT" dirty="0">
+                <a:ea typeface="+mn-lt"/>
+                <a:cs typeface="+mn-lt"/>
+              </a:rPr>
+              <a:t> </a:t>
+            </a:r>
+            <a:r>
+              <a:rPr lang="pt-PT" dirty="0" err="1">
+                <a:ea typeface="+mn-lt"/>
+                <a:cs typeface="+mn-lt"/>
+              </a:rPr>
+              <a:t>high</a:t>
+            </a:r>
+            <a:r>
+              <a:rPr lang="pt-PT" dirty="0">
+                <a:ea typeface="+mn-lt"/>
+                <a:cs typeface="+mn-lt"/>
+              </a:rPr>
+              <a:t> </a:t>
+            </a:r>
+            <a:r>
+              <a:rPr lang="pt-PT" dirty="0" err="1">
+                <a:ea typeface="+mn-lt"/>
+                <a:cs typeface="+mn-lt"/>
+              </a:rPr>
+              <a:t>probability</a:t>
+            </a:r>
+            <a:r>
+              <a:rPr lang="pt-PT" dirty="0">
+                <a:ea typeface="+mn-lt"/>
+                <a:cs typeface="+mn-lt"/>
+              </a:rPr>
+              <a:t> </a:t>
+            </a:r>
+            <a:r>
+              <a:rPr lang="pt-PT" dirty="0" err="1">
+                <a:ea typeface="+mn-lt"/>
+                <a:cs typeface="+mn-lt"/>
+              </a:rPr>
+              <a:t>under</a:t>
+            </a:r>
+            <a:r>
+              <a:rPr lang="pt-PT" dirty="0">
+                <a:ea typeface="+mn-lt"/>
+                <a:cs typeface="+mn-lt"/>
+              </a:rPr>
+              <a:t> </a:t>
+            </a:r>
+            <a:r>
+              <a:rPr lang="pt-PT" dirty="0" err="1">
+                <a:ea typeface="+mn-lt"/>
+                <a:cs typeface="+mn-lt"/>
+              </a:rPr>
+              <a:t>the</a:t>
+            </a:r>
+            <a:r>
+              <a:rPr lang="pt-PT" dirty="0">
+                <a:ea typeface="+mn-lt"/>
+                <a:cs typeface="+mn-lt"/>
+              </a:rPr>
+              <a:t> </a:t>
+            </a:r>
+            <a:r>
+              <a:rPr lang="pt-PT" dirty="0" err="1">
+                <a:ea typeface="+mn-lt"/>
+                <a:cs typeface="+mn-lt"/>
+              </a:rPr>
+              <a:t>good</a:t>
+            </a:r>
+            <a:r>
+              <a:rPr lang="pt-PT" dirty="0">
+                <a:ea typeface="+mn-lt"/>
+                <a:cs typeface="+mn-lt"/>
+              </a:rPr>
+              <a:t> </a:t>
+            </a:r>
+            <a:r>
+              <a:rPr lang="pt-PT" dirty="0" err="1">
+                <a:ea typeface="+mn-lt"/>
+                <a:cs typeface="+mn-lt"/>
+              </a:rPr>
+              <a:t>distribution</a:t>
+            </a:r>
+            <a:endParaRPr lang="pt-PT" dirty="0">
+              <a:ea typeface="+mn-lt"/>
+              <a:cs typeface="+mn-lt"/>
+            </a:endParaRPr>
+          </a:p>
+          <a:p>
+            <a:pPr algn="just"/>
+            <a:endParaRPr lang="pt-PT" dirty="0">
+              <a:ea typeface="+mn-lt"/>
+              <a:cs typeface="+mn-lt"/>
+            </a:endParaRPr>
+          </a:p>
+          <a:p>
+            <a:pPr algn="just"/>
+            <a:endParaRPr lang="pt-PT" dirty="0">
+              <a:ea typeface="+mn-lt"/>
+              <a:cs typeface="+mn-lt"/>
+            </a:endParaRPr>
+          </a:p>
+          <a:p>
+            <a:pPr algn="just"/>
+            <a:endParaRPr lang="pt-PT" dirty="0">
+              <a:ea typeface="+mn-lt"/>
+              <a:cs typeface="+mn-lt"/>
+            </a:endParaRPr>
+          </a:p>
+          <a:p>
+            <a:pPr algn="just"/>
+            <a:endParaRPr lang="pt-PT" dirty="0">
+              <a:ea typeface="+mn-lt"/>
+              <a:cs typeface="+mn-lt"/>
+            </a:endParaRPr>
+          </a:p>
+          <a:p>
+            <a:pPr algn="just"/>
+            <a:endParaRPr lang="pt-PT" dirty="0">
+              <a:ea typeface="+mn-lt"/>
+              <a:cs typeface="+mn-lt"/>
+            </a:endParaRPr>
+          </a:p>
+          <a:p>
+            <a:pPr algn="just"/>
+            <a:endParaRPr lang="pt-PT" dirty="0">
+              <a:ea typeface="+mn-lt"/>
+              <a:cs typeface="+mn-lt"/>
+            </a:endParaRPr>
+          </a:p>
+          <a:p>
+            <a:pPr lvl="1" algn="just">
+              <a:buFont typeface="Wingdings" panose="020B0604020202020204" pitchFamily="34" charset="0"/>
+              <a:buChar char="§"/>
+            </a:pPr>
+            <a:endParaRPr lang="pt-PT" dirty="0">
+              <a:ea typeface="+mn-lt"/>
+              <a:cs typeface="+mn-lt"/>
+            </a:endParaRPr>
+          </a:p>
+          <a:p>
+            <a:pPr algn="just"/>
+            <a:endParaRPr lang="pt-PT" dirty="0">
+              <a:ea typeface="+mn-lt"/>
+              <a:cs typeface="+mn-lt"/>
+            </a:endParaRPr>
+          </a:p>
+        </p:txBody>
+      </p:sp>
+      <p:sp>
+        <p:nvSpPr>
+          <p:cNvPr id="4" name="Retângulo 3">
+            <a:extLst>
+              <a:ext uri="{FF2B5EF4-FFF2-40B4-BE49-F238E27FC236}">
+                <a16:creationId xmlns:a16="http://schemas.microsoft.com/office/drawing/2014/main" id="{C49AACF5-CCF4-E6B6-98B5-BF66BBB3419C}"/>
+              </a:ext>
+            </a:extLst>
+          </p:cNvPr>
+          <p:cNvSpPr/>
+          <p:nvPr/>
+        </p:nvSpPr>
+        <p:spPr>
+          <a:xfrm>
+            <a:off x="0" y="6626645"/>
+            <a:ext cx="12192000" cy="231355"/>
+          </a:xfrm>
+          <a:prstGeom prst="rect">
+            <a:avLst/>
+          </a:prstGeom>
+          <a:solidFill>
+            <a:srgbClr val="092953"/>
+          </a:solidFill>
+          <a:ln>
+            <a:solidFill>
+              <a:srgbClr val="092953"/>
+            </a:solidFill>
+          </a:ln>
+        </p:spPr>
+        <p:style>
+          <a:lnRef idx="2">
+            <a:schemeClr val="accent1">
+              <a:shade val="15000"/>
+            </a:schemeClr>
+          </a:lnRef>
+          <a:fillRef idx="1">
+            <a:schemeClr val="accent1"/>
+          </a:fillRef>
+          <a:effectRef idx="0">
+            <a:schemeClr val="accent1"/>
+          </a:effectRef>
+          <a:fontRef idx="minor">
+            <a:schemeClr val="lt1"/>
+          </a:fontRef>
+        </p:style>
+        <p:txBody>
+          <a:bodyPr rot="0" spcFirstLastPara="0" vert="horz" wrap="square" lIns="91440" tIns="45720" rIns="91440" bIns="45720" numCol="1" spcCol="0" rtlCol="0" fromWordArt="0" anchor="ctr" anchorCtr="0" forceAA="0" compatLnSpc="1">
+            <a:prstTxWarp prst="textNoShape">
+              <a:avLst/>
+            </a:prstTxWarp>
+            <a:noAutofit/>
+          </a:bodyPr>
+          <a:lstStyle>
+            <a:defPPr>
+              <a:defRPr lang="pt-PT"/>
+            </a:defPPr>
+            <a:lvl1pPr marL="0" algn="l" defTabSz="914400" rtl="0" eaLnBrk="1" latinLnBrk="0" hangingPunct="1">
+              <a:defRPr sz="1800" kern="1200">
+                <a:solidFill>
+                  <a:schemeClr val="lt1"/>
+                </a:solidFill>
+                <a:latin typeface="+mn-lt"/>
+                <a:ea typeface="+mn-ea"/>
+                <a:cs typeface="+mn-cs"/>
+              </a:defRPr>
+            </a:lvl1pPr>
+            <a:lvl2pPr marL="457200" algn="l" defTabSz="914400" rtl="0" eaLnBrk="1" latinLnBrk="0" hangingPunct="1">
+              <a:defRPr sz="1800" kern="1200">
+                <a:solidFill>
+                  <a:schemeClr val="lt1"/>
+                </a:solidFill>
+                <a:latin typeface="+mn-lt"/>
+                <a:ea typeface="+mn-ea"/>
+                <a:cs typeface="+mn-cs"/>
+              </a:defRPr>
+            </a:lvl2pPr>
+            <a:lvl3pPr marL="914400" algn="l" defTabSz="914400" rtl="0" eaLnBrk="1" latinLnBrk="0" hangingPunct="1">
+              <a:defRPr sz="1800" kern="1200">
+                <a:solidFill>
+                  <a:schemeClr val="lt1"/>
+                </a:solidFill>
+                <a:latin typeface="+mn-lt"/>
+                <a:ea typeface="+mn-ea"/>
+                <a:cs typeface="+mn-cs"/>
+              </a:defRPr>
+            </a:lvl3pPr>
+            <a:lvl4pPr marL="1371600" algn="l" defTabSz="914400" rtl="0" eaLnBrk="1" latinLnBrk="0" hangingPunct="1">
+              <a:defRPr sz="1800" kern="1200">
+                <a:solidFill>
+                  <a:schemeClr val="lt1"/>
+                </a:solidFill>
+                <a:latin typeface="+mn-lt"/>
+                <a:ea typeface="+mn-ea"/>
+                <a:cs typeface="+mn-cs"/>
+              </a:defRPr>
+            </a:lvl4pPr>
+            <a:lvl5pPr marL="1828800" algn="l" defTabSz="914400" rtl="0" eaLnBrk="1" latinLnBrk="0" hangingPunct="1">
+              <a:defRPr sz="1800" kern="1200">
+                <a:solidFill>
+                  <a:schemeClr val="lt1"/>
+                </a:solidFill>
+                <a:latin typeface="+mn-lt"/>
+                <a:ea typeface="+mn-ea"/>
+                <a:cs typeface="+mn-cs"/>
+              </a:defRPr>
+            </a:lvl5pPr>
+            <a:lvl6pPr marL="2286000" algn="l" defTabSz="914400" rtl="0" eaLnBrk="1" latinLnBrk="0" hangingPunct="1">
+              <a:defRPr sz="1800" kern="1200">
+                <a:solidFill>
+                  <a:schemeClr val="lt1"/>
+                </a:solidFill>
+                <a:latin typeface="+mn-lt"/>
+                <a:ea typeface="+mn-ea"/>
+                <a:cs typeface="+mn-cs"/>
+              </a:defRPr>
+            </a:lvl6pPr>
+            <a:lvl7pPr marL="2743200" algn="l" defTabSz="914400" rtl="0" eaLnBrk="1" latinLnBrk="0" hangingPunct="1">
+              <a:defRPr sz="1800" kern="1200">
+                <a:solidFill>
+                  <a:schemeClr val="lt1"/>
+                </a:solidFill>
+                <a:latin typeface="+mn-lt"/>
+                <a:ea typeface="+mn-ea"/>
+                <a:cs typeface="+mn-cs"/>
+              </a:defRPr>
+            </a:lvl7pPr>
+            <a:lvl8pPr marL="3200400" algn="l" defTabSz="914400" rtl="0" eaLnBrk="1" latinLnBrk="0" hangingPunct="1">
+              <a:defRPr sz="1800" kern="1200">
+                <a:solidFill>
+                  <a:schemeClr val="lt1"/>
+                </a:solidFill>
+                <a:latin typeface="+mn-lt"/>
+                <a:ea typeface="+mn-ea"/>
+                <a:cs typeface="+mn-cs"/>
+              </a:defRPr>
+            </a:lvl8pPr>
+            <a:lvl9pPr marL="3657600" algn="l" defTabSz="914400" rtl="0" eaLnBrk="1" latinLnBrk="0" hangingPunct="1">
+              <a:defRPr sz="1800" kern="1200">
+                <a:solidFill>
+                  <a:schemeClr val="lt1"/>
+                </a:solidFill>
+                <a:latin typeface="+mn-lt"/>
+                <a:ea typeface="+mn-ea"/>
+                <a:cs typeface="+mn-cs"/>
+              </a:defRPr>
+            </a:lvl9pPr>
+          </a:lstStyle>
+          <a:p>
+            <a:pPr algn="ctr"/>
+            <a:endParaRPr lang="pt-PT"/>
+          </a:p>
+        </p:txBody>
+      </p:sp>
+      <p:pic>
+        <p:nvPicPr>
+          <p:cNvPr id="7" name="Imagem 6" descr="Portal do Colaborador">
+            <a:extLst>
+              <a:ext uri="{FF2B5EF4-FFF2-40B4-BE49-F238E27FC236}">
+                <a16:creationId xmlns:a16="http://schemas.microsoft.com/office/drawing/2014/main" id="{A59B6DA3-4BA1-94F4-4AA2-59A6261305AE}"/>
+              </a:ext>
+            </a:extLst>
+          </p:cNvPr>
+          <p:cNvPicPr>
+            <a:picLocks noChangeAspect="1"/>
+          </p:cNvPicPr>
+          <p:nvPr/>
+        </p:nvPicPr>
+        <p:blipFill>
+          <a:blip r:embed="rId2"/>
+          <a:stretch>
+            <a:fillRect/>
+          </a:stretch>
+        </p:blipFill>
+        <p:spPr>
+          <a:xfrm>
+            <a:off x="10199775" y="117119"/>
+            <a:ext cx="1877314" cy="869240"/>
+          </a:xfrm>
+          <a:prstGeom prst="rect">
+            <a:avLst/>
+          </a:prstGeom>
+        </p:spPr>
+      </p:pic>
+      <p:sp>
+        <p:nvSpPr>
+          <p:cNvPr id="6" name="CaixaDeTexto 5">
+            <a:extLst>
+              <a:ext uri="{FF2B5EF4-FFF2-40B4-BE49-F238E27FC236}">
+                <a16:creationId xmlns:a16="http://schemas.microsoft.com/office/drawing/2014/main" id="{AE4BAC88-6A2B-E578-4ABE-EF35CB42086C}"/>
+              </a:ext>
+            </a:extLst>
+          </p:cNvPr>
+          <p:cNvSpPr txBox="1"/>
+          <p:nvPr/>
+        </p:nvSpPr>
+        <p:spPr>
+          <a:xfrm>
+            <a:off x="5275244" y="6624808"/>
+            <a:ext cx="6801079" cy="230832"/>
+          </a:xfrm>
+          <a:prstGeom prst="rect">
+            <a:avLst/>
+          </a:prstGeom>
+          <a:noFill/>
+        </p:spPr>
+        <p:txBody>
+          <a:bodyPr rot="0" spcFirstLastPara="0" vertOverflow="overflow" horzOverflow="overflow" vert="horz" wrap="square" lIns="91440" tIns="45720" rIns="91440" bIns="45720" numCol="1" spcCol="0" rtlCol="0" fromWordArt="0" anchor="t" anchorCtr="0" forceAA="0" compatLnSpc="1">
+            <a:prstTxWarp prst="textNoShape">
+              <a:avLst/>
+            </a:prstTxWarp>
+            <a:spAutoFit/>
+          </a:bodyPr>
+          <a:lstStyle/>
+          <a:p>
+            <a:pPr algn="r"/>
+            <a:r>
+              <a:rPr lang="pt-PT" sz="900" dirty="0" err="1">
+                <a:solidFill>
+                  <a:srgbClr val="FFFFFF"/>
+                </a:solidFill>
+                <a:latin typeface="Times New Roman"/>
+                <a:cs typeface="Times New Roman"/>
+              </a:rPr>
+              <a:t>Session</a:t>
+            </a:r>
+            <a:r>
+              <a:rPr lang="pt-PT" sz="900" dirty="0">
+                <a:solidFill>
+                  <a:srgbClr val="FFFFFF"/>
+                </a:solidFill>
+                <a:latin typeface="Times New Roman"/>
+                <a:cs typeface="Times New Roman"/>
+              </a:rPr>
+              <a:t> 7</a:t>
+            </a:r>
+            <a:endParaRPr lang="pt-PT" dirty="0"/>
+          </a:p>
+        </p:txBody>
+      </p:sp>
+      <p:sp>
+        <p:nvSpPr>
+          <p:cNvPr id="12" name="CaixaDeTexto 11">
+            <a:extLst>
+              <a:ext uri="{FF2B5EF4-FFF2-40B4-BE49-F238E27FC236}">
+                <a16:creationId xmlns:a16="http://schemas.microsoft.com/office/drawing/2014/main" id="{5045B905-780B-983A-50A5-099CC5F812C8}"/>
+              </a:ext>
+            </a:extLst>
+          </p:cNvPr>
+          <p:cNvSpPr txBox="1"/>
+          <p:nvPr/>
+        </p:nvSpPr>
+        <p:spPr>
+          <a:xfrm>
+            <a:off x="60594" y="6624809"/>
+            <a:ext cx="6801079" cy="230832"/>
+          </a:xfrm>
+          <a:prstGeom prst="rect">
+            <a:avLst/>
+          </a:prstGeom>
+          <a:noFill/>
+        </p:spPr>
+        <p:txBody>
+          <a:bodyPr rot="0" spcFirstLastPara="0" vertOverflow="overflow" horzOverflow="overflow" vert="horz" wrap="square" lIns="91440" tIns="45720" rIns="91440" bIns="45720" numCol="1" spcCol="0" rtlCol="0" fromWordArt="0" anchor="t" anchorCtr="0" forceAA="0" compatLnSpc="1">
+            <a:prstTxWarp prst="textNoShape">
+              <a:avLst/>
+            </a:prstTxWarp>
+            <a:spAutoFit/>
+          </a:bodyPr>
+          <a:lstStyle/>
+          <a:p>
+            <a:r>
+              <a:rPr lang="pt-PT" sz="900" dirty="0" err="1">
+                <a:solidFill>
+                  <a:srgbClr val="FFFFFF"/>
+                </a:solidFill>
+                <a:ea typeface="+mn-lt"/>
+                <a:cs typeface="+mn-lt"/>
+              </a:rPr>
+              <a:t>Model</a:t>
+            </a:r>
+            <a:r>
+              <a:rPr lang="pt-PT" sz="900" dirty="0">
+                <a:solidFill>
+                  <a:srgbClr val="FFFFFF"/>
+                </a:solidFill>
+                <a:ea typeface="+mn-lt"/>
+                <a:cs typeface="+mn-lt"/>
+              </a:rPr>
+              <a:t> </a:t>
+            </a:r>
+            <a:r>
+              <a:rPr lang="pt-PT" sz="900" dirty="0" err="1">
+                <a:solidFill>
+                  <a:srgbClr val="FFFFFF"/>
+                </a:solidFill>
+                <a:ea typeface="+mn-lt"/>
+                <a:cs typeface="+mn-lt"/>
+              </a:rPr>
+              <a:t>Selection</a:t>
+            </a:r>
+            <a:r>
+              <a:rPr lang="pt-PT" sz="900" dirty="0">
+                <a:solidFill>
+                  <a:srgbClr val="FFFFFF"/>
+                </a:solidFill>
+                <a:ea typeface="+mn-lt"/>
+                <a:cs typeface="+mn-lt"/>
+              </a:rPr>
+              <a:t> </a:t>
+            </a:r>
+            <a:r>
+              <a:rPr lang="pt-PT" sz="900" dirty="0" err="1">
+                <a:solidFill>
+                  <a:srgbClr val="FFFFFF"/>
+                </a:solidFill>
+                <a:ea typeface="+mn-lt"/>
+                <a:cs typeface="+mn-lt"/>
+              </a:rPr>
+              <a:t>and</a:t>
+            </a:r>
+            <a:r>
+              <a:rPr lang="pt-PT" sz="900" dirty="0">
+                <a:solidFill>
+                  <a:srgbClr val="FFFFFF"/>
+                </a:solidFill>
+                <a:ea typeface="+mn-lt"/>
+                <a:cs typeface="+mn-lt"/>
+              </a:rPr>
+              <a:t> </a:t>
+            </a:r>
+            <a:r>
+              <a:rPr lang="pt-PT" sz="900" dirty="0" err="1">
+                <a:solidFill>
+                  <a:srgbClr val="FFFFFF"/>
+                </a:solidFill>
+                <a:ea typeface="+mn-lt"/>
+                <a:cs typeface="+mn-lt"/>
+              </a:rPr>
+              <a:t>Hyperparameter</a:t>
+            </a:r>
+            <a:r>
+              <a:rPr lang="pt-PT" sz="900" dirty="0">
+                <a:solidFill>
+                  <a:srgbClr val="FFFFFF"/>
+                </a:solidFill>
+                <a:ea typeface="+mn-lt"/>
+                <a:cs typeface="+mn-lt"/>
+              </a:rPr>
+              <a:t> </a:t>
+            </a:r>
+            <a:r>
+              <a:rPr lang="pt-PT" sz="900" dirty="0" err="1">
+                <a:solidFill>
+                  <a:srgbClr val="FFFFFF"/>
+                </a:solidFill>
+                <a:ea typeface="+mn-lt"/>
+                <a:cs typeface="+mn-lt"/>
+              </a:rPr>
+              <a:t>Tuning</a:t>
+            </a:r>
+            <a:endParaRPr lang="pt-PT" dirty="0" err="1"/>
+          </a:p>
+        </p:txBody>
+      </p:sp>
+      <p:pic>
+        <p:nvPicPr>
+          <p:cNvPr id="5" name="Imagem 4">
+            <a:extLst>
+              <a:ext uri="{FF2B5EF4-FFF2-40B4-BE49-F238E27FC236}">
+                <a16:creationId xmlns:a16="http://schemas.microsoft.com/office/drawing/2014/main" id="{DDCF0096-91E3-D296-1987-1F0DF7EF7AFF}"/>
+              </a:ext>
+            </a:extLst>
+          </p:cNvPr>
+          <p:cNvPicPr>
+            <a:picLocks noChangeAspect="1"/>
+          </p:cNvPicPr>
+          <p:nvPr/>
+        </p:nvPicPr>
+        <p:blipFill>
+          <a:blip r:embed="rId3"/>
+          <a:stretch>
+            <a:fillRect/>
+          </a:stretch>
+        </p:blipFill>
+        <p:spPr>
+          <a:xfrm>
+            <a:off x="7625791" y="2691070"/>
+            <a:ext cx="1285875" cy="466725"/>
+          </a:xfrm>
+          <a:prstGeom prst="rect">
+            <a:avLst/>
+          </a:prstGeom>
+        </p:spPr>
+      </p:pic>
+      <p:pic>
+        <p:nvPicPr>
+          <p:cNvPr id="8" name="Imagem 7">
+            <a:extLst>
+              <a:ext uri="{FF2B5EF4-FFF2-40B4-BE49-F238E27FC236}">
+                <a16:creationId xmlns:a16="http://schemas.microsoft.com/office/drawing/2014/main" id="{D4BE851D-A51E-934B-88B4-866B3110F17A}"/>
+              </a:ext>
+            </a:extLst>
+          </p:cNvPr>
+          <p:cNvPicPr>
+            <a:picLocks noChangeAspect="1"/>
+          </p:cNvPicPr>
+          <p:nvPr/>
+        </p:nvPicPr>
+        <p:blipFill>
+          <a:blip r:embed="rId4"/>
+          <a:stretch>
+            <a:fillRect/>
+          </a:stretch>
+        </p:blipFill>
+        <p:spPr>
+          <a:xfrm>
+            <a:off x="7847441" y="3463367"/>
+            <a:ext cx="1419225" cy="466725"/>
+          </a:xfrm>
+          <a:prstGeom prst="rect">
+            <a:avLst/>
+          </a:prstGeom>
+        </p:spPr>
+      </p:pic>
+      <p:pic>
+        <p:nvPicPr>
+          <p:cNvPr id="9" name="Imagem 8" descr="Uma imagem com texto, Tipo de letra, escrita à mão, branco&#10;&#10;Descrição gerada automaticamente">
+            <a:extLst>
+              <a:ext uri="{FF2B5EF4-FFF2-40B4-BE49-F238E27FC236}">
+                <a16:creationId xmlns:a16="http://schemas.microsoft.com/office/drawing/2014/main" id="{D94357EE-BC6D-A9BD-22AD-2DF1DC016BFA}"/>
+              </a:ext>
+            </a:extLst>
+          </p:cNvPr>
+          <p:cNvPicPr>
+            <a:picLocks noChangeAspect="1"/>
+          </p:cNvPicPr>
+          <p:nvPr/>
+        </p:nvPicPr>
+        <p:blipFill>
+          <a:blip r:embed="rId5"/>
+          <a:stretch>
+            <a:fillRect/>
+          </a:stretch>
+        </p:blipFill>
+        <p:spPr>
+          <a:xfrm>
+            <a:off x="3488338" y="4657338"/>
+            <a:ext cx="3876675" cy="962025"/>
+          </a:xfrm>
+          <a:prstGeom prst="rect">
+            <a:avLst/>
+          </a:prstGeom>
+        </p:spPr>
+      </p:pic>
+      <p:pic>
+        <p:nvPicPr>
+          <p:cNvPr id="11" name="Imagem 10" descr="Uma imagem com texto, Tipo de letra, branco, Gráficos&#10;&#10;Descrição gerada automaticamente">
+            <a:extLst>
+              <a:ext uri="{FF2B5EF4-FFF2-40B4-BE49-F238E27FC236}">
+                <a16:creationId xmlns:a16="http://schemas.microsoft.com/office/drawing/2014/main" id="{DE767096-ABA0-1DA6-EECA-9FA64AFB0844}"/>
+              </a:ext>
+            </a:extLst>
+          </p:cNvPr>
+          <p:cNvPicPr>
+            <a:picLocks noChangeAspect="1"/>
+          </p:cNvPicPr>
+          <p:nvPr/>
+        </p:nvPicPr>
+        <p:blipFill>
+          <a:blip r:embed="rId6"/>
+          <a:stretch>
+            <a:fillRect/>
+          </a:stretch>
+        </p:blipFill>
+        <p:spPr>
+          <a:xfrm>
+            <a:off x="7630555" y="4815274"/>
+            <a:ext cx="2800350" cy="666750"/>
+          </a:xfrm>
+          <a:prstGeom prst="rect">
+            <a:avLst/>
+          </a:prstGeom>
+        </p:spPr>
+      </p:pic>
+    </p:spTree>
+    <p:extLst>
+      <p:ext uri="{BB962C8B-B14F-4D97-AF65-F5344CB8AC3E}">
+        <p14:creationId xmlns:p14="http://schemas.microsoft.com/office/powerpoint/2010/main" val="1916210645"/>
+      </p:ext>
+    </p:extLst>
+  </p:cSld>
+  <p:clrMapOvr>
+    <a:masterClrMapping/>
+  </p:clrMapOvr>
+</p:sld>
+</file>
+
+<file path=ppt/slides/slide34.xml><?xml version="1.0" encoding="utf-8"?>
+<p:sld xmlns:a="http://schemas.openxmlformats.org/drawingml/2006/main" xmlns:r="http://schemas.openxmlformats.org/officeDocument/2006/relationships" xmlns:p="http://schemas.openxmlformats.org/presentationml/2006/main">
+  <p:cSld>
+    <p:spTree>
+      <p:nvGrpSpPr>
+        <p:cNvPr id="1" name=""/>
+        <p:cNvGrpSpPr/>
+        <p:nvPr/>
+      </p:nvGrpSpPr>
+      <p:grpSpPr>
+        <a:xfrm>
+          <a:off x="0" y="0"/>
+          <a:ext cx="0" cy="0"/>
+          <a:chOff x="0" y="0"/>
+          <a:chExt cx="0" cy="0"/>
+        </a:xfrm>
+      </p:grpSpPr>
+      <p:sp>
+        <p:nvSpPr>
+          <p:cNvPr id="2" name="Título 1">
+            <a:extLst>
+              <a:ext uri="{FF2B5EF4-FFF2-40B4-BE49-F238E27FC236}">
+                <a16:creationId xmlns:a16="http://schemas.microsoft.com/office/drawing/2014/main" id="{4D56E20A-6DB5-4A6B-9EEB-FA9732C72527}"/>
+              </a:ext>
+            </a:extLst>
+          </p:cNvPr>
+          <p:cNvSpPr>
+            <a:spLocks noGrp="1"/>
+          </p:cNvSpPr>
+          <p:nvPr>
+            <p:ph type="title"/>
+          </p:nvPr>
+        </p:nvSpPr>
+        <p:spPr>
+          <a:xfrm>
+            <a:off x="170048" y="-177"/>
+            <a:ext cx="10515600" cy="1325563"/>
+          </a:xfrm>
+        </p:spPr>
+        <p:txBody>
+          <a:bodyPr>
+            <a:normAutofit/>
+          </a:bodyPr>
+          <a:lstStyle/>
+          <a:p>
+            <a:r>
+              <a:rPr lang="pt-PT" sz="3600" b="1" dirty="0">
+                <a:solidFill>
+                  <a:srgbClr val="092953"/>
+                </a:solidFill>
+                <a:latin typeface="Cambria"/>
+                <a:ea typeface="Cambria"/>
+              </a:rPr>
+              <a:t>TPE</a:t>
+            </a:r>
+          </a:p>
+        </p:txBody>
+      </p:sp>
+      <p:sp>
+        <p:nvSpPr>
+          <p:cNvPr id="3" name="Marcador de Posição de Conteúdo 2">
+            <a:extLst>
+              <a:ext uri="{FF2B5EF4-FFF2-40B4-BE49-F238E27FC236}">
+                <a16:creationId xmlns:a16="http://schemas.microsoft.com/office/drawing/2014/main" id="{1B32614E-E287-1059-727D-571681FEAF1D}"/>
+              </a:ext>
+            </a:extLst>
+          </p:cNvPr>
+          <p:cNvSpPr>
+            <a:spLocks noGrp="1"/>
+          </p:cNvSpPr>
+          <p:nvPr>
+            <p:ph idx="1"/>
+          </p:nvPr>
+        </p:nvSpPr>
+        <p:spPr>
+          <a:xfrm>
+            <a:off x="548426" y="1321203"/>
+            <a:ext cx="11001375" cy="5230829"/>
+          </a:xfrm>
+        </p:spPr>
+        <p:txBody>
+          <a:bodyPr vert="horz" lIns="91440" tIns="45720" rIns="91440" bIns="45720" rtlCol="0" anchor="t">
+            <a:normAutofit/>
+          </a:bodyPr>
+          <a:lstStyle/>
+          <a:p>
+            <a:pPr algn="just"/>
+            <a:endParaRPr lang="pt-PT" dirty="0">
+              <a:ea typeface="+mn-lt"/>
+              <a:cs typeface="+mn-lt"/>
+            </a:endParaRPr>
+          </a:p>
+          <a:p>
+            <a:pPr algn="just"/>
+            <a:endParaRPr lang="pt-PT" dirty="0">
+              <a:ea typeface="+mn-lt"/>
+              <a:cs typeface="+mn-lt"/>
+            </a:endParaRPr>
+          </a:p>
+          <a:p>
+            <a:pPr algn="just"/>
+            <a:endParaRPr lang="pt-PT" dirty="0">
+              <a:ea typeface="+mn-lt"/>
+              <a:cs typeface="+mn-lt"/>
+            </a:endParaRPr>
+          </a:p>
+          <a:p>
+            <a:pPr lvl="1" algn="just">
+              <a:buFont typeface="Wingdings" panose="020B0604020202020204" pitchFamily="34" charset="0"/>
+              <a:buChar char="§"/>
+            </a:pPr>
+            <a:endParaRPr lang="pt-PT" dirty="0">
+              <a:ea typeface="+mn-lt"/>
+              <a:cs typeface="+mn-lt"/>
+            </a:endParaRPr>
+          </a:p>
+          <a:p>
+            <a:pPr algn="just"/>
+            <a:endParaRPr lang="pt-PT" dirty="0">
+              <a:ea typeface="+mn-lt"/>
+              <a:cs typeface="+mn-lt"/>
+            </a:endParaRPr>
+          </a:p>
+        </p:txBody>
+      </p:sp>
+      <p:sp>
+        <p:nvSpPr>
+          <p:cNvPr id="4" name="Retângulo 3">
+            <a:extLst>
+              <a:ext uri="{FF2B5EF4-FFF2-40B4-BE49-F238E27FC236}">
+                <a16:creationId xmlns:a16="http://schemas.microsoft.com/office/drawing/2014/main" id="{C49AACF5-CCF4-E6B6-98B5-BF66BBB3419C}"/>
+              </a:ext>
+            </a:extLst>
+          </p:cNvPr>
+          <p:cNvSpPr/>
+          <p:nvPr/>
+        </p:nvSpPr>
+        <p:spPr>
+          <a:xfrm>
+            <a:off x="0" y="6626645"/>
+            <a:ext cx="12192000" cy="231355"/>
+          </a:xfrm>
+          <a:prstGeom prst="rect">
+            <a:avLst/>
+          </a:prstGeom>
+          <a:solidFill>
+            <a:srgbClr val="092953"/>
+          </a:solidFill>
+          <a:ln>
+            <a:solidFill>
+              <a:srgbClr val="092953"/>
+            </a:solidFill>
+          </a:ln>
+        </p:spPr>
+        <p:style>
+          <a:lnRef idx="2">
+            <a:schemeClr val="accent1">
+              <a:shade val="15000"/>
+            </a:schemeClr>
+          </a:lnRef>
+          <a:fillRef idx="1">
+            <a:schemeClr val="accent1"/>
+          </a:fillRef>
+          <a:effectRef idx="0">
+            <a:schemeClr val="accent1"/>
+          </a:effectRef>
+          <a:fontRef idx="minor">
+            <a:schemeClr val="lt1"/>
+          </a:fontRef>
+        </p:style>
+        <p:txBody>
+          <a:bodyPr rot="0" spcFirstLastPara="0" vert="horz" wrap="square" lIns="91440" tIns="45720" rIns="91440" bIns="45720" numCol="1" spcCol="0" rtlCol="0" fromWordArt="0" anchor="ctr" anchorCtr="0" forceAA="0" compatLnSpc="1">
+            <a:prstTxWarp prst="textNoShape">
+              <a:avLst/>
+            </a:prstTxWarp>
+            <a:noAutofit/>
+          </a:bodyPr>
+          <a:lstStyle>
+            <a:defPPr>
+              <a:defRPr lang="pt-PT"/>
+            </a:defPPr>
+            <a:lvl1pPr marL="0" algn="l" defTabSz="914400" rtl="0" eaLnBrk="1" latinLnBrk="0" hangingPunct="1">
+              <a:defRPr sz="1800" kern="1200">
+                <a:solidFill>
+                  <a:schemeClr val="lt1"/>
+                </a:solidFill>
+                <a:latin typeface="+mn-lt"/>
+                <a:ea typeface="+mn-ea"/>
+                <a:cs typeface="+mn-cs"/>
+              </a:defRPr>
+            </a:lvl1pPr>
+            <a:lvl2pPr marL="457200" algn="l" defTabSz="914400" rtl="0" eaLnBrk="1" latinLnBrk="0" hangingPunct="1">
+              <a:defRPr sz="1800" kern="1200">
+                <a:solidFill>
+                  <a:schemeClr val="lt1"/>
+                </a:solidFill>
+                <a:latin typeface="+mn-lt"/>
+                <a:ea typeface="+mn-ea"/>
+                <a:cs typeface="+mn-cs"/>
+              </a:defRPr>
+            </a:lvl2pPr>
+            <a:lvl3pPr marL="914400" algn="l" defTabSz="914400" rtl="0" eaLnBrk="1" latinLnBrk="0" hangingPunct="1">
+              <a:defRPr sz="1800" kern="1200">
+                <a:solidFill>
+                  <a:schemeClr val="lt1"/>
+                </a:solidFill>
+                <a:latin typeface="+mn-lt"/>
+                <a:ea typeface="+mn-ea"/>
+                <a:cs typeface="+mn-cs"/>
+              </a:defRPr>
+            </a:lvl3pPr>
+            <a:lvl4pPr marL="1371600" algn="l" defTabSz="914400" rtl="0" eaLnBrk="1" latinLnBrk="0" hangingPunct="1">
+              <a:defRPr sz="1800" kern="1200">
+                <a:solidFill>
+                  <a:schemeClr val="lt1"/>
+                </a:solidFill>
+                <a:latin typeface="+mn-lt"/>
+                <a:ea typeface="+mn-ea"/>
+                <a:cs typeface="+mn-cs"/>
+              </a:defRPr>
+            </a:lvl4pPr>
+            <a:lvl5pPr marL="1828800" algn="l" defTabSz="914400" rtl="0" eaLnBrk="1" latinLnBrk="0" hangingPunct="1">
+              <a:defRPr sz="1800" kern="1200">
+                <a:solidFill>
+                  <a:schemeClr val="lt1"/>
+                </a:solidFill>
+                <a:latin typeface="+mn-lt"/>
+                <a:ea typeface="+mn-ea"/>
+                <a:cs typeface="+mn-cs"/>
+              </a:defRPr>
+            </a:lvl5pPr>
+            <a:lvl6pPr marL="2286000" algn="l" defTabSz="914400" rtl="0" eaLnBrk="1" latinLnBrk="0" hangingPunct="1">
+              <a:defRPr sz="1800" kern="1200">
+                <a:solidFill>
+                  <a:schemeClr val="lt1"/>
+                </a:solidFill>
+                <a:latin typeface="+mn-lt"/>
+                <a:ea typeface="+mn-ea"/>
+                <a:cs typeface="+mn-cs"/>
+              </a:defRPr>
+            </a:lvl6pPr>
+            <a:lvl7pPr marL="2743200" algn="l" defTabSz="914400" rtl="0" eaLnBrk="1" latinLnBrk="0" hangingPunct="1">
+              <a:defRPr sz="1800" kern="1200">
+                <a:solidFill>
+                  <a:schemeClr val="lt1"/>
+                </a:solidFill>
+                <a:latin typeface="+mn-lt"/>
+                <a:ea typeface="+mn-ea"/>
+                <a:cs typeface="+mn-cs"/>
+              </a:defRPr>
+            </a:lvl7pPr>
+            <a:lvl8pPr marL="3200400" algn="l" defTabSz="914400" rtl="0" eaLnBrk="1" latinLnBrk="0" hangingPunct="1">
+              <a:defRPr sz="1800" kern="1200">
+                <a:solidFill>
+                  <a:schemeClr val="lt1"/>
+                </a:solidFill>
+                <a:latin typeface="+mn-lt"/>
+                <a:ea typeface="+mn-ea"/>
+                <a:cs typeface="+mn-cs"/>
+              </a:defRPr>
+            </a:lvl8pPr>
+            <a:lvl9pPr marL="3657600" algn="l" defTabSz="914400" rtl="0" eaLnBrk="1" latinLnBrk="0" hangingPunct="1">
+              <a:defRPr sz="1800" kern="1200">
+                <a:solidFill>
+                  <a:schemeClr val="lt1"/>
+                </a:solidFill>
+                <a:latin typeface="+mn-lt"/>
+                <a:ea typeface="+mn-ea"/>
+                <a:cs typeface="+mn-cs"/>
+              </a:defRPr>
+            </a:lvl9pPr>
+          </a:lstStyle>
+          <a:p>
+            <a:pPr algn="ctr"/>
+            <a:endParaRPr lang="pt-PT"/>
+          </a:p>
+        </p:txBody>
+      </p:sp>
+      <p:pic>
+        <p:nvPicPr>
+          <p:cNvPr id="7" name="Imagem 6" descr="Portal do Colaborador">
+            <a:extLst>
+              <a:ext uri="{FF2B5EF4-FFF2-40B4-BE49-F238E27FC236}">
+                <a16:creationId xmlns:a16="http://schemas.microsoft.com/office/drawing/2014/main" id="{A59B6DA3-4BA1-94F4-4AA2-59A6261305AE}"/>
+              </a:ext>
+            </a:extLst>
+          </p:cNvPr>
+          <p:cNvPicPr>
+            <a:picLocks noChangeAspect="1"/>
+          </p:cNvPicPr>
+          <p:nvPr/>
+        </p:nvPicPr>
+        <p:blipFill>
+          <a:blip r:embed="rId2"/>
+          <a:stretch>
+            <a:fillRect/>
+          </a:stretch>
+        </p:blipFill>
+        <p:spPr>
+          <a:xfrm>
+            <a:off x="10199775" y="117119"/>
+            <a:ext cx="1877314" cy="869240"/>
+          </a:xfrm>
+          <a:prstGeom prst="rect">
+            <a:avLst/>
+          </a:prstGeom>
+        </p:spPr>
+      </p:pic>
+      <p:sp>
+        <p:nvSpPr>
+          <p:cNvPr id="6" name="CaixaDeTexto 5">
+            <a:extLst>
+              <a:ext uri="{FF2B5EF4-FFF2-40B4-BE49-F238E27FC236}">
+                <a16:creationId xmlns:a16="http://schemas.microsoft.com/office/drawing/2014/main" id="{AE4BAC88-6A2B-E578-4ABE-EF35CB42086C}"/>
+              </a:ext>
+            </a:extLst>
+          </p:cNvPr>
+          <p:cNvSpPr txBox="1"/>
+          <p:nvPr/>
+        </p:nvSpPr>
+        <p:spPr>
+          <a:xfrm>
+            <a:off x="5275244" y="6624808"/>
+            <a:ext cx="6801079" cy="230832"/>
+          </a:xfrm>
+          <a:prstGeom prst="rect">
+            <a:avLst/>
+          </a:prstGeom>
+          <a:noFill/>
+        </p:spPr>
+        <p:txBody>
+          <a:bodyPr rot="0" spcFirstLastPara="0" vertOverflow="overflow" horzOverflow="overflow" vert="horz" wrap="square" lIns="91440" tIns="45720" rIns="91440" bIns="45720" numCol="1" spcCol="0" rtlCol="0" fromWordArt="0" anchor="t" anchorCtr="0" forceAA="0" compatLnSpc="1">
+            <a:prstTxWarp prst="textNoShape">
+              <a:avLst/>
+            </a:prstTxWarp>
+            <a:spAutoFit/>
+          </a:bodyPr>
+          <a:lstStyle/>
+          <a:p>
+            <a:pPr algn="r"/>
+            <a:r>
+              <a:rPr lang="pt-PT" sz="900" dirty="0" err="1">
+                <a:solidFill>
+                  <a:srgbClr val="FFFFFF"/>
+                </a:solidFill>
+                <a:latin typeface="Times New Roman"/>
+                <a:cs typeface="Times New Roman"/>
+              </a:rPr>
+              <a:t>Session</a:t>
+            </a:r>
+            <a:r>
+              <a:rPr lang="pt-PT" sz="900" dirty="0">
+                <a:solidFill>
+                  <a:srgbClr val="FFFFFF"/>
+                </a:solidFill>
+                <a:latin typeface="Times New Roman"/>
+                <a:cs typeface="Times New Roman"/>
+              </a:rPr>
+              <a:t> 7</a:t>
+            </a:r>
+            <a:endParaRPr lang="pt-PT" dirty="0"/>
+          </a:p>
+        </p:txBody>
+      </p:sp>
+      <p:sp>
+        <p:nvSpPr>
+          <p:cNvPr id="12" name="CaixaDeTexto 11">
+            <a:extLst>
+              <a:ext uri="{FF2B5EF4-FFF2-40B4-BE49-F238E27FC236}">
+                <a16:creationId xmlns:a16="http://schemas.microsoft.com/office/drawing/2014/main" id="{5045B905-780B-983A-50A5-099CC5F812C8}"/>
+              </a:ext>
+            </a:extLst>
+          </p:cNvPr>
+          <p:cNvSpPr txBox="1"/>
+          <p:nvPr/>
+        </p:nvSpPr>
+        <p:spPr>
+          <a:xfrm>
+            <a:off x="60594" y="6624809"/>
+            <a:ext cx="6801079" cy="230832"/>
+          </a:xfrm>
+          <a:prstGeom prst="rect">
+            <a:avLst/>
+          </a:prstGeom>
+          <a:noFill/>
+        </p:spPr>
+        <p:txBody>
+          <a:bodyPr rot="0" spcFirstLastPara="0" vertOverflow="overflow" horzOverflow="overflow" vert="horz" wrap="square" lIns="91440" tIns="45720" rIns="91440" bIns="45720" numCol="1" spcCol="0" rtlCol="0" fromWordArt="0" anchor="t" anchorCtr="0" forceAA="0" compatLnSpc="1">
+            <a:prstTxWarp prst="textNoShape">
+              <a:avLst/>
+            </a:prstTxWarp>
+            <a:spAutoFit/>
+          </a:bodyPr>
+          <a:lstStyle/>
+          <a:p>
+            <a:r>
+              <a:rPr lang="pt-PT" sz="900" dirty="0" err="1">
+                <a:solidFill>
+                  <a:srgbClr val="FFFFFF"/>
+                </a:solidFill>
+                <a:ea typeface="+mn-lt"/>
+                <a:cs typeface="+mn-lt"/>
+              </a:rPr>
+              <a:t>Model</a:t>
+            </a:r>
+            <a:r>
+              <a:rPr lang="pt-PT" sz="900" dirty="0">
+                <a:solidFill>
+                  <a:srgbClr val="FFFFFF"/>
+                </a:solidFill>
+                <a:ea typeface="+mn-lt"/>
+                <a:cs typeface="+mn-lt"/>
+              </a:rPr>
+              <a:t> </a:t>
+            </a:r>
+            <a:r>
+              <a:rPr lang="pt-PT" sz="900" dirty="0" err="1">
+                <a:solidFill>
+                  <a:srgbClr val="FFFFFF"/>
+                </a:solidFill>
+                <a:ea typeface="+mn-lt"/>
+                <a:cs typeface="+mn-lt"/>
+              </a:rPr>
+              <a:t>Selection</a:t>
+            </a:r>
+            <a:r>
+              <a:rPr lang="pt-PT" sz="900" dirty="0">
+                <a:solidFill>
+                  <a:srgbClr val="FFFFFF"/>
+                </a:solidFill>
+                <a:ea typeface="+mn-lt"/>
+                <a:cs typeface="+mn-lt"/>
+              </a:rPr>
+              <a:t> </a:t>
+            </a:r>
+            <a:r>
+              <a:rPr lang="pt-PT" sz="900" dirty="0" err="1">
+                <a:solidFill>
+                  <a:srgbClr val="FFFFFF"/>
+                </a:solidFill>
+                <a:ea typeface="+mn-lt"/>
+                <a:cs typeface="+mn-lt"/>
+              </a:rPr>
+              <a:t>and</a:t>
+            </a:r>
+            <a:r>
+              <a:rPr lang="pt-PT" sz="900" dirty="0">
+                <a:solidFill>
+                  <a:srgbClr val="FFFFFF"/>
+                </a:solidFill>
+                <a:ea typeface="+mn-lt"/>
+                <a:cs typeface="+mn-lt"/>
+              </a:rPr>
+              <a:t> </a:t>
+            </a:r>
+            <a:r>
+              <a:rPr lang="pt-PT" sz="900" dirty="0" err="1">
+                <a:solidFill>
+                  <a:srgbClr val="FFFFFF"/>
+                </a:solidFill>
+                <a:ea typeface="+mn-lt"/>
+                <a:cs typeface="+mn-lt"/>
+              </a:rPr>
+              <a:t>Hyperparameter</a:t>
+            </a:r>
+            <a:r>
+              <a:rPr lang="pt-PT" sz="900" dirty="0">
+                <a:solidFill>
+                  <a:srgbClr val="FFFFFF"/>
+                </a:solidFill>
+                <a:ea typeface="+mn-lt"/>
+                <a:cs typeface="+mn-lt"/>
+              </a:rPr>
+              <a:t> </a:t>
+            </a:r>
+            <a:r>
+              <a:rPr lang="pt-PT" sz="900" dirty="0" err="1">
+                <a:solidFill>
+                  <a:srgbClr val="FFFFFF"/>
+                </a:solidFill>
+                <a:ea typeface="+mn-lt"/>
+                <a:cs typeface="+mn-lt"/>
+              </a:rPr>
+              <a:t>Tuning</a:t>
+            </a:r>
+            <a:endParaRPr lang="pt-PT" dirty="0" err="1"/>
+          </a:p>
+        </p:txBody>
+      </p:sp>
+      <p:pic>
+        <p:nvPicPr>
+          <p:cNvPr id="13" name="Imagem 12" descr="Uma imagem com texto, Gráfico, diagrama, file&#10;&#10;Descrição gerada automaticamente">
+            <a:extLst>
+              <a:ext uri="{FF2B5EF4-FFF2-40B4-BE49-F238E27FC236}">
+                <a16:creationId xmlns:a16="http://schemas.microsoft.com/office/drawing/2014/main" id="{52DEDEBE-4BE9-95A6-24FD-FAEF9E15335A}"/>
+              </a:ext>
+            </a:extLst>
+          </p:cNvPr>
+          <p:cNvPicPr>
+            <a:picLocks noChangeAspect="1"/>
+          </p:cNvPicPr>
+          <p:nvPr/>
+        </p:nvPicPr>
+        <p:blipFill>
+          <a:blip r:embed="rId3"/>
+          <a:stretch>
+            <a:fillRect/>
+          </a:stretch>
+        </p:blipFill>
+        <p:spPr>
+          <a:xfrm>
+            <a:off x="2016392" y="851368"/>
+            <a:ext cx="8166014" cy="5425131"/>
+          </a:xfrm>
+          <a:prstGeom prst="rect">
+            <a:avLst/>
+          </a:prstGeom>
+        </p:spPr>
+      </p:pic>
+    </p:spTree>
+    <p:extLst>
+      <p:ext uri="{BB962C8B-B14F-4D97-AF65-F5344CB8AC3E}">
+        <p14:creationId xmlns:p14="http://schemas.microsoft.com/office/powerpoint/2010/main" val="1698860989"/>
+      </p:ext>
+    </p:extLst>
+  </p:cSld>
+  <p:clrMapOvr>
+    <a:masterClrMapping/>
+  </p:clrMapOvr>
+</p:sld>
+</file>
+
+<file path=ppt/slides/slide35.xml><?xml version="1.0" encoding="utf-8"?>
 <p:sld xmlns:a="http://schemas.openxmlformats.org/drawingml/2006/main" xmlns:r="http://schemas.openxmlformats.org/officeDocument/2006/relationships" xmlns:p="http://schemas.openxmlformats.org/presentationml/2006/main">
   <p:cSld>
     <p:spTree>

--- a/lectures/DL-Session07.pptx
+++ b/lectures/DL-Session07.pptx
@@ -283,7 +283,7 @@
           <a:p>
             <a:fld id="{E431C0BB-DC71-4713-A787-95011EDB8CA8}" type="datetimeFigureOut">
               <a:rPr lang="pt-PT" smtClean="0"/>
-              <a:t>10/10/2024</a:t>
+              <a:t>19/11/24</a:t>
             </a:fld>
             <a:endParaRPr lang="pt-PT"/>
           </a:p>
@@ -451,7 +451,7 @@
           <a:p>
             <a:fld id="{E431C0BB-DC71-4713-A787-95011EDB8CA8}" type="datetimeFigureOut">
               <a:rPr lang="pt-PT" smtClean="0"/>
-              <a:t>10/10/2024</a:t>
+              <a:t>19/11/24</a:t>
             </a:fld>
             <a:endParaRPr lang="pt-PT"/>
           </a:p>
@@ -629,7 +629,7 @@
           <a:p>
             <a:fld id="{E431C0BB-DC71-4713-A787-95011EDB8CA8}" type="datetimeFigureOut">
               <a:rPr lang="pt-PT" smtClean="0"/>
-              <a:t>10/10/2024</a:t>
+              <a:t>19/11/24</a:t>
             </a:fld>
             <a:endParaRPr lang="pt-PT"/>
           </a:p>
@@ -797,7 +797,7 @@
           <a:p>
             <a:fld id="{E431C0BB-DC71-4713-A787-95011EDB8CA8}" type="datetimeFigureOut">
               <a:rPr lang="pt-PT" smtClean="0"/>
-              <a:t>10/10/2024</a:t>
+              <a:t>19/11/24</a:t>
             </a:fld>
             <a:endParaRPr lang="pt-PT"/>
           </a:p>
@@ -1042,7 +1042,7 @@
           <a:p>
             <a:fld id="{E431C0BB-DC71-4713-A787-95011EDB8CA8}" type="datetimeFigureOut">
               <a:rPr lang="pt-PT" smtClean="0"/>
-              <a:t>10/10/2024</a:t>
+              <a:t>19/11/24</a:t>
             </a:fld>
             <a:endParaRPr lang="pt-PT"/>
           </a:p>
@@ -1271,7 +1271,7 @@
           <a:p>
             <a:fld id="{E431C0BB-DC71-4713-A787-95011EDB8CA8}" type="datetimeFigureOut">
               <a:rPr lang="pt-PT" smtClean="0"/>
-              <a:t>10/10/2024</a:t>
+              <a:t>19/11/24</a:t>
             </a:fld>
             <a:endParaRPr lang="pt-PT"/>
           </a:p>
@@ -1635,7 +1635,7 @@
           <a:p>
             <a:fld id="{E431C0BB-DC71-4713-A787-95011EDB8CA8}" type="datetimeFigureOut">
               <a:rPr lang="pt-PT" smtClean="0"/>
-              <a:t>10/10/2024</a:t>
+              <a:t>19/11/24</a:t>
             </a:fld>
             <a:endParaRPr lang="pt-PT"/>
           </a:p>
@@ -1752,7 +1752,7 @@
           <a:p>
             <a:fld id="{E431C0BB-DC71-4713-A787-95011EDB8CA8}" type="datetimeFigureOut">
               <a:rPr lang="pt-PT" smtClean="0"/>
-              <a:t>10/10/2024</a:t>
+              <a:t>19/11/24</a:t>
             </a:fld>
             <a:endParaRPr lang="pt-PT"/>
           </a:p>
@@ -1847,7 +1847,7 @@
           <a:p>
             <a:fld id="{E431C0BB-DC71-4713-A787-95011EDB8CA8}" type="datetimeFigureOut">
               <a:rPr lang="pt-PT" smtClean="0"/>
-              <a:t>10/10/2024</a:t>
+              <a:t>19/11/24</a:t>
             </a:fld>
             <a:endParaRPr lang="pt-PT"/>
           </a:p>
@@ -2122,7 +2122,7 @@
           <a:p>
             <a:fld id="{E431C0BB-DC71-4713-A787-95011EDB8CA8}" type="datetimeFigureOut">
               <a:rPr lang="pt-PT" smtClean="0"/>
-              <a:t>10/10/2024</a:t>
+              <a:t>19/11/24</a:t>
             </a:fld>
             <a:endParaRPr lang="pt-PT"/>
           </a:p>
@@ -2374,7 +2374,7 @@
           <a:p>
             <a:fld id="{E431C0BB-DC71-4713-A787-95011EDB8CA8}" type="datetimeFigureOut">
               <a:rPr lang="pt-PT" smtClean="0"/>
-              <a:t>10/10/2024</a:t>
+              <a:t>19/11/24</a:t>
             </a:fld>
             <a:endParaRPr lang="pt-PT"/>
           </a:p>
@@ -2585,7 +2585,7 @@
           <a:p>
             <a:fld id="{E431C0BB-DC71-4713-A787-95011EDB8CA8}" type="datetimeFigureOut">
               <a:rPr lang="pt-PT" smtClean="0"/>
-              <a:t>10/10/2024</a:t>
+              <a:t>19/11/24</a:t>
             </a:fld>
             <a:endParaRPr lang="pt-PT"/>
           </a:p>
@@ -4329,8 +4329,8 @@
         </p:blipFill>
         <p:spPr>
           <a:xfrm>
-            <a:off x="219015" y="1331355"/>
-            <a:ext cx="11743672" cy="5123635"/>
+            <a:off x="219016" y="1331355"/>
+            <a:ext cx="11733507" cy="5119200"/>
           </a:xfrm>
         </p:spPr>
       </p:pic>
@@ -5841,7 +5841,7 @@
               <a:t>Error </a:t>
             </a:r>
             <a:r>
-              <a:rPr lang="pt-PT" sz="2000" b="1" err="1"/>
+              <a:rPr lang="pt-PT" sz="2000" b="1" dirty="0" err="1"/>
               <a:t>remains</a:t>
             </a:r>
             <a:r>
@@ -5849,7 +5849,7 @@
               <a:t> </a:t>
             </a:r>
             <a:r>
-              <a:rPr lang="pt-PT" sz="2000" b="1" err="1"/>
+              <a:rPr lang="pt-PT" sz="2000" b="1" dirty="0" err="1"/>
               <a:t>high</a:t>
             </a:r>
             <a:r>
@@ -6291,7 +6291,7 @@
           <a:p>
             <a:pPr algn="just"/>
             <a:r>
-              <a:rPr lang="pt-PT" err="1">
+              <a:rPr lang="pt-PT" dirty="0" err="1">
                 <a:ea typeface="+mn-lt"/>
                 <a:cs typeface="+mn-lt"/>
               </a:rPr>
@@ -6305,7 +6305,7 @@
               <a:t> </a:t>
             </a:r>
             <a:r>
-              <a:rPr lang="pt-PT" err="1">
+              <a:rPr lang="pt-PT" dirty="0" err="1">
                 <a:ea typeface="+mn-lt"/>
                 <a:cs typeface="+mn-lt"/>
               </a:rPr>
@@ -6319,7 +6319,7 @@
               <a:t> to </a:t>
             </a:r>
             <a:r>
-              <a:rPr lang="pt-PT" err="1">
+              <a:rPr lang="pt-PT" dirty="0" err="1">
                 <a:solidFill>
                   <a:srgbClr val="FF0000"/>
                 </a:solidFill>
@@ -6339,7 +6339,7 @@
               <a:t>/</a:t>
             </a:r>
             <a:r>
-              <a:rPr lang="pt-PT" err="1">
+              <a:rPr lang="pt-PT" dirty="0" err="1">
                 <a:solidFill>
                   <a:srgbClr val="FF0000"/>
                 </a:solidFill>
@@ -6366,7 +6366,7 @@
               <a:t> error as </a:t>
             </a:r>
             <a:r>
-              <a:rPr lang="pt-PT" err="1">
+              <a:rPr lang="pt-PT" dirty="0" err="1">
                 <a:ea typeface="+mn-lt"/>
                 <a:cs typeface="+mn-lt"/>
               </a:rPr>
@@ -6380,7 +6380,7 @@
               <a:t> </a:t>
             </a:r>
             <a:r>
-              <a:rPr lang="pt-PT" err="1">
+              <a:rPr lang="pt-PT" dirty="0" err="1">
                 <a:ea typeface="+mn-lt"/>
                 <a:cs typeface="+mn-lt"/>
               </a:rPr>
@@ -6394,7 +6394,7 @@
               <a:t> training steps </a:t>
             </a:r>
             <a:r>
-              <a:rPr lang="pt-PT" err="1">
+              <a:rPr lang="pt-PT" dirty="0" err="1">
                 <a:ea typeface="+mn-lt"/>
                 <a:cs typeface="+mn-lt"/>
               </a:rPr>
@@ -6767,7 +6767,7 @@
               <a:t>Error </a:t>
             </a:r>
             <a:r>
-              <a:rPr lang="pt-PT" sz="2000" b="1" err="1"/>
+              <a:rPr lang="pt-PT" sz="2000" b="1" dirty="0" err="1"/>
               <a:t>remains</a:t>
             </a:r>
             <a:r>
@@ -6775,7 +6775,7 @@
               <a:t> </a:t>
             </a:r>
             <a:r>
-              <a:rPr lang="pt-PT" sz="2000" b="1" err="1"/>
+              <a:rPr lang="pt-PT" sz="2000" b="1" dirty="0" err="1"/>
               <a:t>high</a:t>
             </a:r>
             <a:r>
@@ -7091,7 +7091,7 @@
               <a:buNone/>
             </a:pPr>
             <a:r>
-              <a:rPr lang="pt-PT" b="1" err="1">
+              <a:rPr lang="pt-PT" b="1" dirty="0" err="1">
                 <a:ea typeface="+mn-lt"/>
                 <a:cs typeface="+mn-lt"/>
               </a:rPr>
@@ -7105,7 +7105,7 @@
               <a:t> </a:t>
             </a:r>
             <a:r>
-              <a:rPr lang="pt-PT" b="1" err="1">
+              <a:rPr lang="pt-PT" b="1" dirty="0" err="1">
                 <a:ea typeface="+mn-lt"/>
                 <a:cs typeface="+mn-lt"/>
               </a:rPr>
@@ -7119,7 +7119,7 @@
               <a:t> </a:t>
             </a:r>
             <a:r>
-              <a:rPr lang="pt-PT" b="1" err="1">
+              <a:rPr lang="pt-PT" b="1" dirty="0" err="1">
                 <a:ea typeface="+mn-lt"/>
                 <a:cs typeface="+mn-lt"/>
               </a:rPr>
@@ -7133,7 +7133,7 @@
               <a:t>, for </a:t>
             </a:r>
             <a:r>
-              <a:rPr lang="pt-PT" b="1" err="1">
+              <a:rPr lang="pt-PT" b="1" dirty="0" err="1">
                 <a:ea typeface="+mn-lt"/>
                 <a:cs typeface="+mn-lt"/>
               </a:rPr>
@@ -7147,7 +7147,7 @@
               <a:t> </a:t>
             </a:r>
             <a:r>
-              <a:rPr lang="pt-PT" b="1" err="1">
+              <a:rPr lang="pt-PT" b="1" dirty="0" err="1">
                 <a:ea typeface="+mn-lt"/>
                 <a:cs typeface="+mn-lt"/>
               </a:rPr>
@@ -7161,7 +7161,7 @@
               <a:t> </a:t>
             </a:r>
             <a:r>
-              <a:rPr lang="pt-PT" b="1" err="1">
+              <a:rPr lang="pt-PT" b="1" dirty="0" err="1">
                 <a:ea typeface="+mn-lt"/>
                 <a:cs typeface="+mn-lt"/>
               </a:rPr>
@@ -7175,7 +7175,7 @@
               <a:t> </a:t>
             </a:r>
             <a:r>
-              <a:rPr lang="pt-PT" b="1" err="1">
+              <a:rPr lang="pt-PT" b="1" dirty="0" err="1">
                 <a:ea typeface="+mn-lt"/>
                 <a:cs typeface="+mn-lt"/>
               </a:rPr>
@@ -7189,7 +7189,7 @@
               <a:t> </a:t>
             </a:r>
             <a:r>
-              <a:rPr lang="pt-PT" b="1" err="1">
+              <a:rPr lang="pt-PT" b="1" dirty="0" err="1">
                 <a:ea typeface="+mn-lt"/>
                 <a:cs typeface="+mn-lt"/>
               </a:rPr>
@@ -7203,7 +7203,7 @@
               <a:t> </a:t>
             </a:r>
             <a:r>
-              <a:rPr lang="pt-PT" b="1" err="1">
+              <a:rPr lang="pt-PT" b="1" dirty="0" err="1">
                 <a:ea typeface="+mn-lt"/>
                 <a:cs typeface="+mn-lt"/>
               </a:rPr>
@@ -7217,7 +7217,7 @@
               <a:t> </a:t>
             </a:r>
             <a:r>
-              <a:rPr lang="pt-PT" b="1" err="1">
+              <a:rPr lang="pt-PT" b="1" dirty="0" err="1">
                 <a:ea typeface="+mn-lt"/>
                 <a:cs typeface="+mn-lt"/>
               </a:rPr>
@@ -7231,7 +7231,7 @@
               <a:t>/</a:t>
             </a:r>
             <a:r>
-              <a:rPr lang="pt-PT" b="1" err="1">
+              <a:rPr lang="pt-PT" b="1" dirty="0" err="1">
                 <a:ea typeface="+mn-lt"/>
                 <a:cs typeface="+mn-lt"/>
               </a:rPr>
@@ -7245,7 +7245,7 @@
               <a:t> </a:t>
             </a:r>
             <a:r>
-              <a:rPr lang="pt-PT" b="1" err="1">
+              <a:rPr lang="pt-PT" b="1" dirty="0" err="1">
                 <a:ea typeface="+mn-lt"/>
                 <a:cs typeface="+mn-lt"/>
               </a:rPr>
@@ -7857,7 +7857,7 @@
               <a:buNone/>
             </a:pPr>
             <a:r>
-              <a:rPr lang="pt-PT" b="1" err="1">
+              <a:rPr lang="pt-PT" b="1" dirty="0" err="1">
                 <a:solidFill>
                   <a:srgbClr val="0070C0"/>
                 </a:solidFill>
@@ -7877,7 +7877,7 @@
               <a:t>: </a:t>
             </a:r>
             <a:r>
-              <a:rPr lang="pt-PT" b="1" err="1">
+              <a:rPr lang="pt-PT" b="1" dirty="0" err="1">
                 <a:solidFill>
                   <a:srgbClr val="0070C0"/>
                 </a:solidFill>
@@ -7897,7 +7897,7 @@
               <a:t> a </a:t>
             </a:r>
             <a:r>
-              <a:rPr lang="pt-PT" b="1" err="1">
+              <a:rPr lang="pt-PT" b="1" dirty="0" err="1">
                 <a:solidFill>
                   <a:srgbClr val="0070C0"/>
                 </a:solidFill>
@@ -7917,7 +7917,7 @@
               <a:t> </a:t>
             </a:r>
             <a:r>
-              <a:rPr lang="pt-PT" b="1" err="1">
+              <a:rPr lang="pt-PT" b="1" dirty="0" err="1">
                 <a:solidFill>
                   <a:srgbClr val="0070C0"/>
                 </a:solidFill>
@@ -7937,7 +7937,7 @@
               <a:t> a </a:t>
             </a:r>
             <a:r>
-              <a:rPr lang="pt-PT" b="1" err="1">
+              <a:rPr lang="pt-PT" b="1" dirty="0" err="1">
                 <a:solidFill>
                   <a:srgbClr val="0070C0"/>
                 </a:solidFill>
@@ -7957,7 +7957,7 @@
               <a:t> </a:t>
             </a:r>
             <a:r>
-              <a:rPr lang="pt-PT" b="1" err="1">
+              <a:rPr lang="pt-PT" b="1" dirty="0" err="1">
                 <a:solidFill>
                   <a:srgbClr val="0070C0"/>
                 </a:solidFill>
@@ -7977,7 +7977,7 @@
               <a:t> </a:t>
             </a:r>
             <a:r>
-              <a:rPr lang="pt-PT" b="1" err="1">
+              <a:rPr lang="pt-PT" b="1" dirty="0" err="1">
                 <a:solidFill>
                   <a:srgbClr val="0070C0"/>
                 </a:solidFill>
@@ -7997,7 +7997,7 @@
               <a:t> </a:t>
             </a:r>
             <a:r>
-              <a:rPr lang="pt-PT" b="1" err="1">
+              <a:rPr lang="pt-PT" b="1" dirty="0" err="1">
                 <a:solidFill>
                   <a:srgbClr val="0070C0"/>
                 </a:solidFill>
@@ -8017,7 +8017,7 @@
               <a:t> too </a:t>
             </a:r>
             <a:r>
-              <a:rPr lang="pt-PT" b="1" err="1">
+              <a:rPr lang="pt-PT" b="1" dirty="0" err="1">
                 <a:solidFill>
                   <a:srgbClr val="0070C0"/>
                 </a:solidFill>
@@ -8037,7 +8037,7 @@
               <a:t> </a:t>
             </a:r>
             <a:r>
-              <a:rPr lang="pt-PT" b="1" err="1">
+              <a:rPr lang="pt-PT" b="1" dirty="0" err="1">
                 <a:solidFill>
                   <a:srgbClr val="0070C0"/>
                 </a:solidFill>
@@ -8057,7 +8057,7 @@
               <a:t> too </a:t>
             </a:r>
             <a:r>
-              <a:rPr lang="pt-PT" b="1" err="1">
+              <a:rPr lang="pt-PT" b="1" dirty="0" err="1">
                 <a:solidFill>
                   <a:srgbClr val="0070C0"/>
                 </a:solidFill>
@@ -8077,7 +8077,7 @@
               <a:t> </a:t>
             </a:r>
             <a:r>
-              <a:rPr lang="pt-PT" b="1" err="1">
+              <a:rPr lang="pt-PT" b="1" dirty="0" err="1">
                 <a:solidFill>
                   <a:srgbClr val="0070C0"/>
                 </a:solidFill>
@@ -8097,7 +8097,7 @@
               <a:t> </a:t>
             </a:r>
             <a:r>
-              <a:rPr lang="pt-PT" b="1" err="1">
+              <a:rPr lang="pt-PT" b="1" dirty="0" err="1">
                 <a:solidFill>
                   <a:srgbClr val="0070C0"/>
                 </a:solidFill>
@@ -8117,7 +8117,7 @@
               <a:t> can generalize </a:t>
             </a:r>
             <a:r>
-              <a:rPr lang="pt-PT" b="1" err="1">
+              <a:rPr lang="pt-PT" b="1" dirty="0" err="1">
                 <a:solidFill>
                   <a:srgbClr val="0070C0"/>
                 </a:solidFill>
@@ -8137,7 +8137,7 @@
               <a:t> </a:t>
             </a:r>
             <a:r>
-              <a:rPr lang="pt-PT" b="1" err="1">
+              <a:rPr lang="pt-PT" b="1" dirty="0" err="1">
                 <a:solidFill>
                   <a:srgbClr val="0070C0"/>
                 </a:solidFill>
@@ -8157,7 +8157,7 @@
               <a:t> </a:t>
             </a:r>
             <a:r>
-              <a:rPr lang="pt-PT" b="1" err="1">
+              <a:rPr lang="pt-PT" b="1" dirty="0" err="1">
                 <a:solidFill>
                   <a:srgbClr val="0070C0"/>
                 </a:solidFill>
@@ -8177,7 +8177,7 @@
               <a:t> </a:t>
             </a:r>
             <a:r>
-              <a:rPr lang="pt-PT" b="1" err="1">
+              <a:rPr lang="pt-PT" b="1" dirty="0" err="1">
                 <a:solidFill>
                   <a:srgbClr val="0070C0"/>
                 </a:solidFill>
@@ -8197,7 +8197,7 @@
               <a:t> </a:t>
             </a:r>
             <a:r>
-              <a:rPr lang="pt-PT" b="1" err="1">
+              <a:rPr lang="pt-PT" b="1" dirty="0" err="1">
                 <a:solidFill>
                   <a:srgbClr val="0070C0"/>
                 </a:solidFill>
@@ -8217,7 +8217,7 @@
               <a:t> </a:t>
             </a:r>
             <a:r>
-              <a:rPr lang="pt-PT" b="1" err="1">
+              <a:rPr lang="pt-PT" b="1" dirty="0" err="1">
                 <a:solidFill>
                   <a:srgbClr val="0070C0"/>
                 </a:solidFill>
@@ -8237,7 +8237,7 @@
               <a:t> </a:t>
             </a:r>
             <a:r>
-              <a:rPr lang="pt-PT" b="1" err="1">
+              <a:rPr lang="pt-PT" b="1" dirty="0" err="1">
                 <a:solidFill>
                   <a:srgbClr val="0070C0"/>
                 </a:solidFill>
@@ -9862,7 +9862,7 @@
         <p:spPr>
           <a:xfrm>
             <a:off x="-3413" y="1321100"/>
-            <a:ext cx="12170073" cy="4905914"/>
+            <a:ext cx="12181201" cy="4910400"/>
           </a:xfrm>
           <a:prstGeom prst="rect">
             <a:avLst/>
@@ -10598,9 +10598,9 @@
         <p:grpSpPr>
           <a:xfrm>
             <a:off x="745197" y="3194290"/>
-            <a:ext cx="10753814" cy="3026793"/>
+            <a:ext cx="10753814" cy="3030147"/>
             <a:chOff x="903348" y="3122403"/>
-            <a:chExt cx="7935852" cy="2135397"/>
+            <a:chExt cx="7935852" cy="2137763"/>
           </a:xfrm>
         </p:grpSpPr>
         <p:pic>
@@ -10626,7 +10626,7 @@
           <p:spPr>
             <a:xfrm>
               <a:off x="903348" y="3124200"/>
-              <a:ext cx="3800475" cy="2133600"/>
+              <a:ext cx="3804690" cy="2135966"/>
             </a:xfrm>
             <a:prstGeom prst="rect">
               <a:avLst/>
@@ -12878,7 +12878,7 @@
               </a:rPr>
               <a:t>one</a:t>
             </a:r>
-            <a:endParaRPr lang="pt-PT">
+            <a:endParaRPr lang="pt-PT" dirty="0">
               <a:ea typeface="+mn-lt"/>
               <a:cs typeface="+mn-lt"/>
             </a:endParaRPr>
@@ -16177,7 +16177,7 @@
           <a:lstStyle/>
           <a:p>
             <a:r>
-              <a:rPr lang="pt-PT" err="1">
+              <a:rPr lang="pt-PT" dirty="0" err="1">
                 <a:ea typeface="+mn-lt"/>
                 <a:cs typeface="+mn-lt"/>
               </a:rPr>
@@ -16191,7 +16191,7 @@
               <a:t> </a:t>
             </a:r>
             <a:r>
-              <a:rPr lang="pt-PT" err="1">
+              <a:rPr lang="pt-PT" dirty="0" err="1">
                 <a:ea typeface="+mn-lt"/>
                 <a:cs typeface="+mn-lt"/>
               </a:rPr>
@@ -16205,7 +16205,7 @@
               <a:t> </a:t>
             </a:r>
             <a:r>
-              <a:rPr lang="pt-PT" err="1">
+              <a:rPr lang="pt-PT" dirty="0" err="1">
                 <a:ea typeface="+mn-lt"/>
                 <a:cs typeface="+mn-lt"/>
               </a:rPr>
@@ -16219,7 +16219,7 @@
               <a:t> </a:t>
             </a:r>
             <a:r>
-              <a:rPr lang="pt-PT" err="1">
+              <a:rPr lang="pt-PT" dirty="0" err="1">
                 <a:ea typeface="+mn-lt"/>
                 <a:cs typeface="+mn-lt"/>
               </a:rPr>
@@ -16233,7 +16233,7 @@
               <a:t> </a:t>
             </a:r>
             <a:r>
-              <a:rPr lang="pt-PT" err="1">
+              <a:rPr lang="pt-PT" dirty="0" err="1">
                 <a:ea typeface="+mn-lt"/>
                 <a:cs typeface="+mn-lt"/>
               </a:rPr>
@@ -16247,7 +16247,7 @@
               <a:t> </a:t>
             </a:r>
             <a:r>
-              <a:rPr lang="pt-PT" err="1">
+              <a:rPr lang="pt-PT" dirty="0" err="1">
                 <a:ea typeface="+mn-lt"/>
                 <a:cs typeface="+mn-lt"/>
               </a:rPr>
@@ -16261,7 +16261,7 @@
               <a:t> </a:t>
             </a:r>
             <a:r>
-              <a:rPr lang="pt-PT" err="1">
+              <a:rPr lang="pt-PT" dirty="0" err="1">
                 <a:ea typeface="+mn-lt"/>
                 <a:cs typeface="+mn-lt"/>
               </a:rPr>
@@ -16275,7 +16275,7 @@
               <a:t> </a:t>
             </a:r>
             <a:r>
-              <a:rPr lang="pt-PT" err="1">
+              <a:rPr lang="pt-PT" dirty="0" err="1">
                 <a:ea typeface="+mn-lt"/>
                 <a:cs typeface="+mn-lt"/>
               </a:rPr>
@@ -16289,7 +16289,7 @@
               <a:t> can </a:t>
             </a:r>
             <a:r>
-              <a:rPr lang="pt-PT" err="1">
+              <a:rPr lang="pt-PT" dirty="0" err="1">
                 <a:ea typeface="+mn-lt"/>
                 <a:cs typeface="+mn-lt"/>
               </a:rPr>
@@ -16303,7 +16303,7 @@
               <a:t> </a:t>
             </a:r>
             <a:r>
-              <a:rPr lang="pt-PT" err="1">
+              <a:rPr lang="pt-PT" dirty="0" err="1">
                 <a:ea typeface="+mn-lt"/>
                 <a:cs typeface="+mn-lt"/>
               </a:rPr>
@@ -16317,7 +16317,7 @@
               <a:t> </a:t>
             </a:r>
             <a:r>
-              <a:rPr lang="pt-PT" err="1">
+              <a:rPr lang="pt-PT" dirty="0" err="1">
                 <a:ea typeface="+mn-lt"/>
                 <a:cs typeface="+mn-lt"/>
               </a:rPr>
@@ -31801,7 +31801,7 @@
           <a:p>
             <a:pPr algn="ctr"/>
             <a:r>
-              <a:rPr lang="pt-PT" b="1" err="1"/>
+              <a:rPr lang="pt-PT" b="1" dirty="0" err="1"/>
               <a:t>Underfits</a:t>
             </a:r>
             <a:r>
@@ -31809,7 +31809,7 @@
               <a:t>: too </a:t>
             </a:r>
             <a:r>
-              <a:rPr lang="pt-PT" err="1"/>
+              <a:rPr lang="pt-PT" dirty="0" err="1"/>
               <a:t>simple</a:t>
             </a:r>
             <a:r>
@@ -31817,7 +31817,7 @@
               <a:t> to </a:t>
             </a:r>
             <a:r>
-              <a:rPr lang="pt-PT" err="1"/>
+              <a:rPr lang="pt-PT" dirty="0" err="1"/>
               <a:t>explain</a:t>
             </a:r>
             <a:r>
@@ -31825,14 +31825,13 @@
               <a:t> </a:t>
             </a:r>
             <a:r>
-              <a:rPr lang="pt-PT" err="1"/>
+              <a:rPr lang="pt-PT" dirty="0" err="1"/>
               <a:t>the</a:t>
             </a:r>
             <a:r>
               <a:rPr lang="pt-PT" dirty="0"/>
               <a:t> data!</a:t>
             </a:r>
-            <a:endParaRPr lang="pt-PT"/>
           </a:p>
         </p:txBody>
       </p:sp>
@@ -32708,7 +32707,7 @@
               </a:rPr>
               <a:t>Overfitting</a:t>
             </a:r>
-            <a:endParaRPr lang="pt-PT" sz="3600" b="1" dirty="0" err="1">
+            <a:endParaRPr lang="pt-PT" sz="3600" b="1" dirty="0">
               <a:solidFill>
                 <a:srgbClr val="092953"/>
               </a:solidFill>
@@ -32868,7 +32867,7 @@
               <a:buChar char="§"/>
             </a:pPr>
             <a:r>
-              <a:rPr lang="pt-PT" err="1">
+              <a:rPr lang="pt-PT" dirty="0" err="1">
                 <a:ea typeface="+mn-lt"/>
                 <a:cs typeface="+mn-lt"/>
               </a:rPr>
@@ -32882,7 +32881,7 @@
               <a:t> </a:t>
             </a:r>
             <a:r>
-              <a:rPr lang="pt-PT" err="1">
+              <a:rPr lang="pt-PT" dirty="0" err="1">
                 <a:ea typeface="+mn-lt"/>
                 <a:cs typeface="+mn-lt"/>
               </a:rPr>
@@ -32913,7 +32912,7 @@
               <a:t> as </a:t>
             </a:r>
             <a:r>
-              <a:rPr lang="pt-PT" err="1">
+              <a:rPr lang="pt-PT" dirty="0" err="1">
                 <a:ea typeface="+mn-lt"/>
                 <a:cs typeface="+mn-lt"/>
               </a:rPr>
@@ -32927,7 +32926,7 @@
               <a:t> </a:t>
             </a:r>
             <a:r>
-              <a:rPr lang="pt-PT" err="1">
+              <a:rPr lang="pt-PT" dirty="0" err="1">
                 <a:ea typeface="+mn-lt"/>
                 <a:cs typeface="+mn-lt"/>
               </a:rPr>
@@ -32941,7 +32940,7 @@
               <a:t> </a:t>
             </a:r>
             <a:r>
-              <a:rPr lang="pt-PT" err="1">
+              <a:rPr lang="pt-PT" dirty="0" err="1">
                 <a:ea typeface="+mn-lt"/>
                 <a:cs typeface="+mn-lt"/>
               </a:rPr>
@@ -32955,7 +32954,7 @@
               <a:t> training steps </a:t>
             </a:r>
             <a:r>
-              <a:rPr lang="pt-PT" err="1">
+              <a:rPr lang="pt-PT" dirty="0" err="1">
                 <a:ea typeface="+mn-lt"/>
                 <a:cs typeface="+mn-lt"/>
               </a:rPr>
@@ -32973,7 +32972,7 @@
             <a:pPr marL="914400" lvl="2" indent="0">
               <a:buNone/>
             </a:pPr>
-            <a:endParaRPr lang="pt-PT">
+            <a:endParaRPr lang="pt-PT" dirty="0">
               <a:ea typeface="+mn-lt"/>
               <a:cs typeface="+mn-lt"/>
             </a:endParaRPr>
@@ -33344,7 +33343,7 @@
               <a:t>Error </a:t>
             </a:r>
             <a:r>
-              <a:rPr lang="pt-PT" sz="2000" b="1" err="1"/>
+              <a:rPr lang="pt-PT" sz="2000" b="1" dirty="0" err="1"/>
               <a:t>shrinks</a:t>
             </a:r>
             <a:r>
@@ -33668,7 +33667,7 @@
               <a:t>To </a:t>
             </a:r>
             <a:r>
-              <a:rPr lang="pt-PT" err="1"/>
+              <a:rPr lang="pt-PT" dirty="0" err="1"/>
               <a:t>detect</a:t>
             </a:r>
             <a:r>
@@ -33676,7 +33675,7 @@
               <a:t> </a:t>
             </a:r>
             <a:r>
-              <a:rPr lang="pt-PT" err="1"/>
+              <a:rPr lang="pt-PT" dirty="0" err="1"/>
               <a:t>overfitting</a:t>
             </a:r>
             <a:r>
@@ -33684,7 +33683,7 @@
               <a:t>, </a:t>
             </a:r>
             <a:r>
-              <a:rPr lang="pt-PT" err="1"/>
+              <a:rPr lang="pt-PT" dirty="0" err="1"/>
               <a:t>analyze</a:t>
             </a:r>
             <a:r>
@@ -33692,7 +33691,7 @@
               <a:t> error/</a:t>
             </a:r>
             <a:r>
-              <a:rPr lang="pt-PT" err="1"/>
+              <a:rPr lang="pt-PT" dirty="0" err="1"/>
               <a:t>loss</a:t>
             </a:r>
             <a:r>
@@ -33700,7 +33699,7 @@
               <a:t> for </a:t>
             </a:r>
             <a:r>
-              <a:rPr lang="pt-PT" err="1"/>
+              <a:rPr lang="pt-PT" dirty="0" err="1"/>
               <a:t>models</a:t>
             </a:r>
             <a:r>
@@ -33708,7 +33707,7 @@
               <a:t> </a:t>
             </a:r>
             <a:r>
-              <a:rPr lang="pt-PT" err="1"/>
+              <a:rPr lang="pt-PT" dirty="0" err="1"/>
               <a:t>tested</a:t>
             </a:r>
             <a:r>
@@ -33716,7 +33715,7 @@
               <a:t> </a:t>
             </a:r>
             <a:r>
-              <a:rPr lang="pt-PT" err="1"/>
+              <a:rPr lang="pt-PT" dirty="0" err="1"/>
               <a:t>on</a:t>
             </a:r>
             <a:r>
@@ -33736,7 +33735,7 @@
               <a:t> </a:t>
             </a:r>
             <a:r>
-              <a:rPr lang="pt-PT" err="1"/>
+              <a:rPr lang="pt-PT" dirty="0" err="1"/>
               <a:t>and</a:t>
             </a:r>
             <a:r>
@@ -33744,7 +33743,7 @@
               <a:t> </a:t>
             </a:r>
             <a:r>
-              <a:rPr lang="pt-PT" err="1">
+              <a:rPr lang="pt-PT" dirty="0" err="1">
                 <a:solidFill>
                   <a:srgbClr val="FF0000"/>
                 </a:solidFill>
@@ -33760,7 +33759,7 @@
               <a:t>/</a:t>
             </a:r>
             <a:r>
-              <a:rPr lang="pt-PT" err="1">
+              <a:rPr lang="pt-PT" dirty="0" err="1">
                 <a:solidFill>
                   <a:srgbClr val="FF0000"/>
                 </a:solidFill>
@@ -33786,7 +33785,7 @@
               <a:buChar char="§"/>
             </a:pPr>
             <a:r>
-              <a:rPr lang="pt-PT" err="1">
+              <a:rPr lang="pt-PT" dirty="0" err="1">
                 <a:ea typeface="+mn-lt"/>
                 <a:cs typeface="+mn-lt"/>
               </a:rPr>
@@ -33800,7 +33799,7 @@
               <a:t> </a:t>
             </a:r>
             <a:r>
-              <a:rPr lang="pt-PT" err="1">
+              <a:rPr lang="pt-PT" dirty="0" err="1">
                 <a:ea typeface="+mn-lt"/>
                 <a:cs typeface="+mn-lt"/>
               </a:rPr>
@@ -33814,7 +33813,7 @@
               <a:t> to </a:t>
             </a:r>
             <a:r>
-              <a:rPr lang="pt-PT" err="1">
+              <a:rPr lang="pt-PT" dirty="0" err="1">
                 <a:solidFill>
                   <a:srgbClr val="FF0000"/>
                 </a:solidFill>
@@ -33834,7 +33833,7 @@
               <a:t>/</a:t>
             </a:r>
             <a:r>
-              <a:rPr lang="pt-PT" err="1">
+              <a:rPr lang="pt-PT" dirty="0" err="1">
                 <a:solidFill>
                   <a:srgbClr val="FF0000"/>
                 </a:solidFill>
@@ -33861,7 +33860,7 @@
               <a:t> as </a:t>
             </a:r>
             <a:r>
-              <a:rPr lang="pt-PT" err="1">
+              <a:rPr lang="pt-PT" dirty="0" err="1">
                 <a:ea typeface="+mn-lt"/>
                 <a:cs typeface="+mn-lt"/>
               </a:rPr>
@@ -33875,7 +33874,7 @@
               <a:t> </a:t>
             </a:r>
             <a:r>
-              <a:rPr lang="pt-PT" err="1">
+              <a:rPr lang="pt-PT" dirty="0" err="1">
                 <a:ea typeface="+mn-lt"/>
                 <a:cs typeface="+mn-lt"/>
               </a:rPr>
@@ -33889,7 +33888,7 @@
               <a:t> </a:t>
             </a:r>
             <a:r>
-              <a:rPr lang="pt-PT" err="1">
+              <a:rPr lang="pt-PT" dirty="0" err="1">
                 <a:ea typeface="+mn-lt"/>
                 <a:cs typeface="+mn-lt"/>
               </a:rPr>
@@ -33903,7 +33902,7 @@
               <a:t> training steps </a:t>
             </a:r>
             <a:r>
-              <a:rPr lang="pt-PT" err="1">
+              <a:rPr lang="pt-PT" dirty="0" err="1">
                 <a:ea typeface="+mn-lt"/>
                 <a:cs typeface="+mn-lt"/>
               </a:rPr>
@@ -33921,7 +33920,7 @@
             <a:pPr marL="914400" lvl="2" indent="0">
               <a:buNone/>
             </a:pPr>
-            <a:endParaRPr lang="pt-PT">
+            <a:endParaRPr lang="pt-PT" dirty="0">
               <a:ea typeface="+mn-lt"/>
               <a:cs typeface="+mn-lt"/>
             </a:endParaRPr>
@@ -34270,7 +34269,7 @@
         </p:nvSpPr>
         <p:spPr>
           <a:xfrm>
-            <a:off x="1482811" y="4345459"/>
+            <a:off x="1028911" y="4546181"/>
             <a:ext cx="3947981" cy="400110"/>
           </a:xfrm>
           <a:prstGeom prst="rect">
@@ -34292,7 +34291,7 @@
               <a:t>Error </a:t>
             </a:r>
             <a:r>
-              <a:rPr lang="pt-PT" sz="2000" b="1" err="1"/>
+              <a:rPr lang="pt-PT" sz="2000" b="1" dirty="0" err="1"/>
               <a:t>shrinks</a:t>
             </a:r>
             <a:r>
@@ -34300,7 +34299,7 @@
               <a:t> </a:t>
             </a:r>
             <a:r>
-              <a:rPr lang="pt-PT" sz="2000" b="1" err="1"/>
+              <a:rPr lang="pt-PT" sz="2000" b="1" dirty="0" err="1"/>
               <a:t>and</a:t>
             </a:r>
             <a:r>
@@ -34308,7 +34307,7 @@
               <a:t> </a:t>
             </a:r>
             <a:r>
-              <a:rPr lang="pt-PT" sz="2000" b="1" err="1"/>
+              <a:rPr lang="pt-PT" sz="2000" b="1" dirty="0" err="1"/>
               <a:t>then</a:t>
             </a:r>
             <a:r>
@@ -34316,7 +34315,7 @@
               <a:t> </a:t>
             </a:r>
             <a:r>
-              <a:rPr lang="pt-PT" sz="2000" b="1" err="1"/>
+              <a:rPr lang="pt-PT" sz="2000" b="1" dirty="0" err="1"/>
               <a:t>grows</a:t>
             </a:r>
             <a:r>
@@ -35194,7 +35193,7 @@
           <a:p>
             <a:pPr algn="ctr"/>
             <a:r>
-              <a:rPr lang="pt-PT" sz="2000" b="1" err="1"/>
+              <a:rPr lang="pt-PT" sz="2000" b="1" dirty="0" err="1"/>
               <a:t>Modeling</a:t>
             </a:r>
             <a:r>
@@ -35202,7 +35201,7 @@
               <a:t> noise in </a:t>
             </a:r>
             <a:r>
-              <a:rPr lang="pt-PT" sz="2000" b="1" err="1"/>
+              <a:rPr lang="pt-PT" sz="2000" b="1" dirty="0" err="1"/>
               <a:t>the</a:t>
             </a:r>
             <a:r>
@@ -35210,7 +35209,7 @@
               <a:t> training data (i.e., </a:t>
             </a:r>
             <a:r>
-              <a:rPr lang="pt-PT" sz="2000" b="1" err="1"/>
+              <a:rPr lang="pt-PT" sz="2000" b="1" dirty="0" err="1"/>
               <a:t>overfitting</a:t>
             </a:r>
             <a:r>
@@ -35218,7 +35217,7 @@
               <a:t>) </a:t>
             </a:r>
             <a:r>
-              <a:rPr lang="pt-PT" sz="2000" b="1" err="1"/>
+              <a:rPr lang="pt-PT" sz="2000" b="1" dirty="0" err="1"/>
               <a:t>reduces</a:t>
             </a:r>
             <a:r>
@@ -35226,7 +35225,7 @@
               <a:t> training error </a:t>
             </a:r>
             <a:r>
-              <a:rPr lang="pt-PT" sz="2000" b="1" err="1"/>
+              <a:rPr lang="pt-PT" sz="2000" b="1" dirty="0" err="1"/>
               <a:t>and</a:t>
             </a:r>
             <a:r>
@@ -35234,7 +35233,7 @@
               <a:t> </a:t>
             </a:r>
             <a:r>
-              <a:rPr lang="pt-PT" sz="2000" b="1" err="1"/>
+              <a:rPr lang="pt-PT" sz="2000" b="1" dirty="0" err="1"/>
               <a:t>the</a:t>
             </a:r>
             <a:r>
@@ -35242,7 +35241,7 @@
               <a:t> </a:t>
             </a:r>
             <a:r>
-              <a:rPr lang="pt-PT" sz="2000" b="1" err="1"/>
+              <a:rPr lang="pt-PT" sz="2000" b="1" dirty="0" err="1"/>
               <a:t>expense</a:t>
             </a:r>
             <a:r>
@@ -35250,7 +35249,7 @@
               <a:t> </a:t>
             </a:r>
             <a:r>
-              <a:rPr lang="pt-PT" sz="2000" b="1" err="1"/>
+              <a:rPr lang="pt-PT" sz="2000" b="1" dirty="0" err="1"/>
               <a:t>of</a:t>
             </a:r>
             <a:r>
@@ -35258,7 +35257,7 @@
               <a:t> </a:t>
             </a:r>
             <a:r>
-              <a:rPr lang="pt-PT" sz="2000" b="1" err="1"/>
+              <a:rPr lang="pt-PT" sz="2000" b="1" dirty="0" err="1"/>
               <a:t>losing</a:t>
             </a:r>
             <a:r>
@@ -35266,7 +35265,7 @@
               <a:t> </a:t>
             </a:r>
             <a:r>
-              <a:rPr lang="pt-PT" sz="2000" b="1" err="1"/>
+              <a:rPr lang="pt-PT" sz="2000" b="1" dirty="0" err="1"/>
               <a:t>knowledge</a:t>
             </a:r>
             <a:r>
@@ -35274,7 +35273,7 @@
               <a:t> </a:t>
             </a:r>
             <a:r>
-              <a:rPr lang="pt-PT" sz="2000" b="1" err="1"/>
+              <a:rPr lang="pt-PT" sz="2000" b="1" dirty="0" err="1"/>
               <a:t>that</a:t>
             </a:r>
             <a:r>
@@ -35282,7 +35281,7 @@
               <a:t> generalizes to </a:t>
             </a:r>
             <a:r>
-              <a:rPr lang="pt-PT" sz="2000" b="1" err="1"/>
+              <a:rPr lang="pt-PT" sz="2000" b="1" dirty="0" err="1"/>
               <a:t>unobserved</a:t>
             </a:r>
             <a:r>
@@ -35290,7 +35289,7 @@
               <a:t> </a:t>
             </a:r>
             <a:r>
-              <a:rPr lang="pt-PT" sz="2000" b="1" err="1"/>
+              <a:rPr lang="pt-PT" sz="2000" b="1" dirty="0" err="1"/>
               <a:t>test</a:t>
             </a:r>
             <a:r>
